--- a/training/ITMI_Impala_Training_2015.pptx
+++ b/training/ITMI_Impala_Training_2015.pptx
@@ -13,41 +13,41 @@
     <p:sldId id="257" r:id="rId4"/>
     <p:sldId id="424" r:id="rId5"/>
     <p:sldId id="364" r:id="rId6"/>
-    <p:sldId id="377" r:id="rId7"/>
-    <p:sldId id="386" r:id="rId8"/>
-    <p:sldId id="387" r:id="rId9"/>
-    <p:sldId id="380" r:id="rId10"/>
-    <p:sldId id="388" r:id="rId11"/>
-    <p:sldId id="372" r:id="rId12"/>
-    <p:sldId id="389" r:id="rId13"/>
-    <p:sldId id="390" r:id="rId14"/>
-    <p:sldId id="340" r:id="rId15"/>
-    <p:sldId id="366" r:id="rId16"/>
-    <p:sldId id="369" r:id="rId17"/>
-    <p:sldId id="382" r:id="rId18"/>
-    <p:sldId id="354" r:id="rId19"/>
-    <p:sldId id="263" r:id="rId20"/>
-    <p:sldId id="318" r:id="rId21"/>
-    <p:sldId id="319" r:id="rId22"/>
-    <p:sldId id="383" r:id="rId23"/>
-    <p:sldId id="306" r:id="rId24"/>
-    <p:sldId id="322" r:id="rId25"/>
-    <p:sldId id="315" r:id="rId26"/>
-    <p:sldId id="316" r:id="rId27"/>
-    <p:sldId id="338" r:id="rId28"/>
-    <p:sldId id="317" r:id="rId29"/>
-    <p:sldId id="370" r:id="rId30"/>
-    <p:sldId id="310" r:id="rId31"/>
-    <p:sldId id="384" r:id="rId32"/>
-    <p:sldId id="312" r:id="rId33"/>
-    <p:sldId id="259" r:id="rId34"/>
-    <p:sldId id="385" r:id="rId35"/>
-    <p:sldId id="402" r:id="rId36"/>
-    <p:sldId id="392" r:id="rId37"/>
-    <p:sldId id="393" r:id="rId38"/>
-    <p:sldId id="399" r:id="rId39"/>
-    <p:sldId id="400" r:id="rId40"/>
-    <p:sldId id="401" r:id="rId41"/>
+    <p:sldId id="429" r:id="rId7"/>
+    <p:sldId id="377" r:id="rId8"/>
+    <p:sldId id="386" r:id="rId9"/>
+    <p:sldId id="387" r:id="rId10"/>
+    <p:sldId id="380" r:id="rId11"/>
+    <p:sldId id="388" r:id="rId12"/>
+    <p:sldId id="372" r:id="rId13"/>
+    <p:sldId id="389" r:id="rId14"/>
+    <p:sldId id="390" r:id="rId15"/>
+    <p:sldId id="340" r:id="rId16"/>
+    <p:sldId id="366" r:id="rId17"/>
+    <p:sldId id="369" r:id="rId18"/>
+    <p:sldId id="382" r:id="rId19"/>
+    <p:sldId id="354" r:id="rId20"/>
+    <p:sldId id="263" r:id="rId21"/>
+    <p:sldId id="318" r:id="rId22"/>
+    <p:sldId id="319" r:id="rId23"/>
+    <p:sldId id="383" r:id="rId24"/>
+    <p:sldId id="306" r:id="rId25"/>
+    <p:sldId id="322" r:id="rId26"/>
+    <p:sldId id="315" r:id="rId27"/>
+    <p:sldId id="316" r:id="rId28"/>
+    <p:sldId id="338" r:id="rId29"/>
+    <p:sldId id="317" r:id="rId30"/>
+    <p:sldId id="370" r:id="rId31"/>
+    <p:sldId id="310" r:id="rId32"/>
+    <p:sldId id="384" r:id="rId33"/>
+    <p:sldId id="312" r:id="rId34"/>
+    <p:sldId id="430" r:id="rId35"/>
+    <p:sldId id="259" r:id="rId36"/>
+    <p:sldId id="385" r:id="rId37"/>
+    <p:sldId id="402" r:id="rId38"/>
+    <p:sldId id="392" r:id="rId39"/>
+    <p:sldId id="393" r:id="rId40"/>
+    <p:sldId id="431" r:id="rId41"/>
     <p:sldId id="395" r:id="rId42"/>
     <p:sldId id="287" r:id="rId43"/>
     <p:sldId id="403" r:id="rId44"/>
@@ -58,7 +58,7 @@
     <p:sldId id="427" r:id="rId49"/>
     <p:sldId id="351" r:id="rId50"/>
     <p:sldId id="353" r:id="rId51"/>
-    <p:sldId id="297" r:id="rId52"/>
+    <p:sldId id="432" r:id="rId52"/>
     <p:sldId id="296" r:id="rId53"/>
     <p:sldId id="398" r:id="rId54"/>
     <p:sldId id="289" r:id="rId55"/>
@@ -170,6 +170,7 @@
             <p14:sldId id="257"/>
             <p14:sldId id="424"/>
             <p14:sldId id="364"/>
+            <p14:sldId id="429"/>
             <p14:sldId id="377"/>
             <p14:sldId id="386"/>
             <p14:sldId id="387"/>
@@ -197,14 +198,13 @@
             <p14:sldId id="310"/>
             <p14:sldId id="384"/>
             <p14:sldId id="312"/>
+            <p14:sldId id="430"/>
             <p14:sldId id="259"/>
             <p14:sldId id="385"/>
             <p14:sldId id="402"/>
             <p14:sldId id="392"/>
             <p14:sldId id="393"/>
-            <p14:sldId id="399"/>
-            <p14:sldId id="400"/>
-            <p14:sldId id="401"/>
+            <p14:sldId id="431"/>
             <p14:sldId id="395"/>
             <p14:sldId id="287"/>
             <p14:sldId id="403"/>
@@ -215,7 +215,7 @@
             <p14:sldId id="427"/>
             <p14:sldId id="351"/>
             <p14:sldId id="353"/>
-            <p14:sldId id="297"/>
+            <p14:sldId id="432"/>
             <p14:sldId id="296"/>
             <p14:sldId id="398"/>
             <p14:sldId id="289"/>
@@ -10766,8 +10766,8 @@
     <dgm:cxn modelId="{7E6E3957-8C58-448A-8851-12E54C88C72A}" type="presOf" srcId="{3A3ACE5C-D404-4CD9-B882-A521963388F8}" destId="{1B1D3858-0179-4F2C-8327-6F0F3A89A79B}" srcOrd="0" destOrd="0" presId="urn:microsoft.com/office/officeart/2005/8/layout/hierarchy3"/>
     <dgm:cxn modelId="{14EF05DC-229C-443E-A582-D9EEDD715C09}" type="presOf" srcId="{12DD3AF8-A947-4A58-9B0E-4DC76B46D7D4}" destId="{C201173D-AFD5-43F0-812E-E1DE04A3E90E}" srcOrd="0" destOrd="0" presId="urn:microsoft.com/office/officeart/2005/8/layout/hierarchy3"/>
     <dgm:cxn modelId="{672D084E-FE05-405B-82BE-E37B16874D21}" type="presOf" srcId="{EDF519A9-7BE8-4A57-95DF-F99E2DE50C02}" destId="{11AB8809-7BD8-495D-A5D2-4CEB939B429C}" srcOrd="0" destOrd="0" presId="urn:microsoft.com/office/officeart/2005/8/layout/hierarchy3"/>
+    <dgm:cxn modelId="{92F24568-45C1-44C7-AD3B-9B3785052BB2}" type="presOf" srcId="{6BA7BC81-7CD5-40B7-8FEB-279A62E82919}" destId="{3F221F26-13E1-4C07-A4F3-F6C79E7DB82D}" srcOrd="0" destOrd="0" presId="urn:microsoft.com/office/officeart/2005/8/layout/hierarchy3"/>
     <dgm:cxn modelId="{4E6592EF-4FF4-444B-B9D8-205589275C8F}" type="presOf" srcId="{2799153F-615A-4EDF-86FF-40281814D603}" destId="{1AA1C6BB-FF1E-409B-BB7A-1D680EDDF12F}" srcOrd="0" destOrd="0" presId="urn:microsoft.com/office/officeart/2005/8/layout/hierarchy3"/>
-    <dgm:cxn modelId="{92F24568-45C1-44C7-AD3B-9B3785052BB2}" type="presOf" srcId="{6BA7BC81-7CD5-40B7-8FEB-279A62E82919}" destId="{3F221F26-13E1-4C07-A4F3-F6C79E7DB82D}" srcOrd="0" destOrd="0" presId="urn:microsoft.com/office/officeart/2005/8/layout/hierarchy3"/>
     <dgm:cxn modelId="{4AEA01B8-7FE3-4567-9332-A8DAB17917EE}" type="presOf" srcId="{A0306A4A-7DA2-4153-9A6C-8DC4691338DA}" destId="{B3EFB7EE-D31E-4192-9858-85D6667E7F9E}" srcOrd="0" destOrd="0" presId="urn:microsoft.com/office/officeart/2005/8/layout/hierarchy3"/>
     <dgm:cxn modelId="{53E3F9D0-8374-4CF8-925F-D802CFE4BAE3}" srcId="{EB292848-08C0-472A-8FC0-343A2D735794}" destId="{DC62AAEB-B860-4DEA-95B0-7C6EE403E115}" srcOrd="5" destOrd="0" parTransId="{53AF90AE-3AAF-41F1-8EF2-E195D0365A42}" sibTransId="{7E704EEC-F25E-4049-9CE2-220B0F9AB5AE}"/>
     <dgm:cxn modelId="{0FCB4B27-EC92-43D4-A60A-579EC9C10FD9}" type="presOf" srcId="{8337B030-3B46-47CB-B43C-A0AAE0262A51}" destId="{9056F6A3-963B-4E20-B379-09C724EE7B01}" srcOrd="0" destOrd="0" presId="urn:microsoft.com/office/officeart/2005/8/layout/hierarchy3"/>
@@ -13095,6 +13095,454 @@
       <dsp:cNvGrpSpPr/>
     </dsp:nvGrpSpPr>
     <dsp:grpSpPr/>
+    <dsp:sp modelId="{4CE8AF7A-6BAE-B143-9F29-253E72E29FE0}">
+      <dsp:nvSpPr>
+        <dsp:cNvPr id="0" name=""/>
+        <dsp:cNvSpPr/>
+      </dsp:nvSpPr>
+      <dsp:spPr>
+        <a:xfrm>
+          <a:off x="0" y="1371599"/>
+          <a:ext cx="8305800" cy="1828800"/>
+        </a:xfrm>
+        <a:prstGeom prst="notchedRightArrow">
+          <a:avLst/>
+        </a:prstGeom>
+        <a:solidFill>
+          <a:schemeClr val="accent1">
+            <a:tint val="40000"/>
+            <a:hueOff val="0"/>
+            <a:satOff val="0"/>
+            <a:lumOff val="0"/>
+            <a:alphaOff val="0"/>
+          </a:schemeClr>
+        </a:solidFill>
+        <a:ln>
+          <a:noFill/>
+        </a:ln>
+        <a:effectLst>
+          <a:outerShdw blurRad="40000" dist="23000" dir="5400000" rotWithShape="0">
+            <a:srgbClr val="000000">
+              <a:alpha val="35000"/>
+            </a:srgbClr>
+          </a:outerShdw>
+        </a:effectLst>
+      </dsp:spPr>
+      <dsp:style>
+        <a:lnRef idx="0">
+          <a:scrgbClr r="0" g="0" b="0"/>
+        </a:lnRef>
+        <a:fillRef idx="1">
+          <a:scrgbClr r="0" g="0" b="0"/>
+        </a:fillRef>
+        <a:effectRef idx="2">
+          <a:scrgbClr r="0" g="0" b="0"/>
+        </a:effectRef>
+        <a:fontRef idx="minor"/>
+      </dsp:style>
+    </dsp:sp>
+    <dsp:sp modelId="{3CE91896-7406-374D-981E-C21D5D3A2444}">
+      <dsp:nvSpPr>
+        <dsp:cNvPr id="0" name=""/>
+        <dsp:cNvSpPr/>
+      </dsp:nvSpPr>
+      <dsp:spPr>
+        <a:xfrm>
+          <a:off x="3650" y="0"/>
+          <a:ext cx="2409006" cy="1828800"/>
+        </a:xfrm>
+        <a:prstGeom prst="rect">
+          <a:avLst/>
+        </a:prstGeom>
+        <a:noFill/>
+        <a:ln>
+          <a:noFill/>
+        </a:ln>
+        <a:effectLst/>
+      </dsp:spPr>
+      <dsp:style>
+        <a:lnRef idx="0">
+          <a:scrgbClr r="0" g="0" b="0"/>
+        </a:lnRef>
+        <a:fillRef idx="0">
+          <a:scrgbClr r="0" g="0" b="0"/>
+        </a:fillRef>
+        <a:effectRef idx="0">
+          <a:scrgbClr r="0" g="0" b="0"/>
+        </a:effectRef>
+        <a:fontRef idx="minor"/>
+      </dsp:style>
+      <dsp:txBody>
+        <a:bodyPr spcFirstLastPara="0" vert="horz" wrap="square" lIns="199136" tIns="199136" rIns="199136" bIns="199136" numCol="1" spcCol="1270" anchor="b" anchorCtr="0">
+          <a:noAutofit/>
+        </a:bodyPr>
+        <a:lstStyle/>
+        <a:p>
+          <a:pPr lvl="0" algn="ctr" defTabSz="1244600" rtl="0">
+            <a:lnSpc>
+              <a:spcPct val="90000"/>
+            </a:lnSpc>
+            <a:spcBef>
+              <a:spcPct val="0"/>
+            </a:spcBef>
+            <a:spcAft>
+              <a:spcPct val="35000"/>
+            </a:spcAft>
+          </a:pPr>
+          <a:r>
+            <a:rPr lang="en-US" sz="2800" kern="1200" dirty="0" smtClean="0"/>
+            <a:t>Select sample set</a:t>
+          </a:r>
+          <a:endParaRPr lang="en-US" sz="2800" kern="1200" dirty="0"/>
+        </a:p>
+      </dsp:txBody>
+      <dsp:txXfrm>
+        <a:off x="3650" y="0"/>
+        <a:ext cx="2409006" cy="1828800"/>
+      </dsp:txXfrm>
+    </dsp:sp>
+    <dsp:sp modelId="{43BA2514-0466-214F-89BB-876F5CD45B3A}">
+      <dsp:nvSpPr>
+        <dsp:cNvPr id="0" name=""/>
+        <dsp:cNvSpPr/>
+      </dsp:nvSpPr>
+      <dsp:spPr>
+        <a:xfrm>
+          <a:off x="979553" y="2057400"/>
+          <a:ext cx="457200" cy="457200"/>
+        </a:xfrm>
+        <a:prstGeom prst="ellipse">
+          <a:avLst/>
+        </a:prstGeom>
+        <a:gradFill rotWithShape="0">
+          <a:gsLst>
+            <a:gs pos="0">
+              <a:schemeClr val="accent1">
+                <a:hueOff val="0"/>
+                <a:satOff val="0"/>
+                <a:lumOff val="0"/>
+                <a:alphaOff val="0"/>
+                <a:shade val="51000"/>
+                <a:satMod val="130000"/>
+              </a:schemeClr>
+            </a:gs>
+            <a:gs pos="80000">
+              <a:schemeClr val="accent1">
+                <a:hueOff val="0"/>
+                <a:satOff val="0"/>
+                <a:lumOff val="0"/>
+                <a:alphaOff val="0"/>
+                <a:shade val="93000"/>
+                <a:satMod val="130000"/>
+              </a:schemeClr>
+            </a:gs>
+            <a:gs pos="100000">
+              <a:schemeClr val="accent1">
+                <a:hueOff val="0"/>
+                <a:satOff val="0"/>
+                <a:lumOff val="0"/>
+                <a:alphaOff val="0"/>
+                <a:shade val="94000"/>
+                <a:satMod val="135000"/>
+              </a:schemeClr>
+            </a:gs>
+          </a:gsLst>
+          <a:lin ang="16200000" scaled="0"/>
+        </a:gradFill>
+        <a:ln>
+          <a:noFill/>
+        </a:ln>
+        <a:effectLst>
+          <a:outerShdw blurRad="40000" dist="23000" dir="5400000" rotWithShape="0">
+            <a:srgbClr val="000000">
+              <a:alpha val="35000"/>
+            </a:srgbClr>
+          </a:outerShdw>
+        </a:effectLst>
+      </dsp:spPr>
+      <dsp:style>
+        <a:lnRef idx="0">
+          <a:scrgbClr r="0" g="0" b="0"/>
+        </a:lnRef>
+        <a:fillRef idx="3">
+          <a:scrgbClr r="0" g="0" b="0"/>
+        </a:fillRef>
+        <a:effectRef idx="2">
+          <a:scrgbClr r="0" g="0" b="0"/>
+        </a:effectRef>
+        <a:fontRef idx="minor">
+          <a:schemeClr val="lt1"/>
+        </a:fontRef>
+      </dsp:style>
+    </dsp:sp>
+    <dsp:sp modelId="{DFD4B0E8-088B-F745-ACBE-BF926A7D0EF1}">
+      <dsp:nvSpPr>
+        <dsp:cNvPr id="0" name=""/>
+        <dsp:cNvSpPr/>
+      </dsp:nvSpPr>
+      <dsp:spPr>
+        <a:xfrm>
+          <a:off x="2533106" y="2743199"/>
+          <a:ext cx="2409006" cy="1828800"/>
+        </a:xfrm>
+        <a:prstGeom prst="rect">
+          <a:avLst/>
+        </a:prstGeom>
+        <a:noFill/>
+        <a:ln>
+          <a:noFill/>
+        </a:ln>
+        <a:effectLst/>
+      </dsp:spPr>
+      <dsp:style>
+        <a:lnRef idx="0">
+          <a:scrgbClr r="0" g="0" b="0"/>
+        </a:lnRef>
+        <a:fillRef idx="0">
+          <a:scrgbClr r="0" g="0" b="0"/>
+        </a:fillRef>
+        <a:effectRef idx="0">
+          <a:scrgbClr r="0" g="0" b="0"/>
+        </a:effectRef>
+        <a:fontRef idx="minor"/>
+      </dsp:style>
+      <dsp:txBody>
+        <a:bodyPr spcFirstLastPara="0" vert="horz" wrap="square" lIns="199136" tIns="199136" rIns="199136" bIns="199136" numCol="1" spcCol="1270" anchor="t" anchorCtr="0">
+          <a:noAutofit/>
+        </a:bodyPr>
+        <a:lstStyle/>
+        <a:p>
+          <a:pPr lvl="0" algn="ctr" defTabSz="1244600" rtl="0">
+            <a:lnSpc>
+              <a:spcPct val="90000"/>
+            </a:lnSpc>
+            <a:spcBef>
+              <a:spcPct val="0"/>
+            </a:spcBef>
+            <a:spcAft>
+              <a:spcPct val="35000"/>
+            </a:spcAft>
+          </a:pPr>
+          <a:r>
+            <a:rPr lang="en-US" sz="2800" kern="1200" dirty="0" smtClean="0"/>
+            <a:t>Filter using global variants table</a:t>
+          </a:r>
+          <a:endParaRPr lang="en-US" sz="2800" kern="1200" dirty="0"/>
+        </a:p>
+      </dsp:txBody>
+      <dsp:txXfrm>
+        <a:off x="2533106" y="2743199"/>
+        <a:ext cx="2409006" cy="1828800"/>
+      </dsp:txXfrm>
+    </dsp:sp>
+    <dsp:sp modelId="{8F79EF0F-BC0B-C84B-ADE2-7B3AC641AACA}">
+      <dsp:nvSpPr>
+        <dsp:cNvPr id="0" name=""/>
+        <dsp:cNvSpPr/>
+      </dsp:nvSpPr>
+      <dsp:spPr>
+        <a:xfrm>
+          <a:off x="3509010" y="2057400"/>
+          <a:ext cx="457200" cy="457200"/>
+        </a:xfrm>
+        <a:prstGeom prst="ellipse">
+          <a:avLst/>
+        </a:prstGeom>
+        <a:gradFill rotWithShape="0">
+          <a:gsLst>
+            <a:gs pos="0">
+              <a:schemeClr val="accent1">
+                <a:hueOff val="0"/>
+                <a:satOff val="0"/>
+                <a:lumOff val="0"/>
+                <a:alphaOff val="0"/>
+                <a:shade val="51000"/>
+                <a:satMod val="130000"/>
+              </a:schemeClr>
+            </a:gs>
+            <a:gs pos="80000">
+              <a:schemeClr val="accent1">
+                <a:hueOff val="0"/>
+                <a:satOff val="0"/>
+                <a:lumOff val="0"/>
+                <a:alphaOff val="0"/>
+                <a:shade val="93000"/>
+                <a:satMod val="130000"/>
+              </a:schemeClr>
+            </a:gs>
+            <a:gs pos="100000">
+              <a:schemeClr val="accent1">
+                <a:hueOff val="0"/>
+                <a:satOff val="0"/>
+                <a:lumOff val="0"/>
+                <a:alphaOff val="0"/>
+                <a:shade val="94000"/>
+                <a:satMod val="135000"/>
+              </a:schemeClr>
+            </a:gs>
+          </a:gsLst>
+          <a:lin ang="16200000" scaled="0"/>
+        </a:gradFill>
+        <a:ln>
+          <a:noFill/>
+        </a:ln>
+        <a:effectLst>
+          <a:outerShdw blurRad="40000" dist="23000" dir="5400000" rotWithShape="0">
+            <a:srgbClr val="000000">
+              <a:alpha val="35000"/>
+            </a:srgbClr>
+          </a:outerShdw>
+        </a:effectLst>
+      </dsp:spPr>
+      <dsp:style>
+        <a:lnRef idx="0">
+          <a:scrgbClr r="0" g="0" b="0"/>
+        </a:lnRef>
+        <a:fillRef idx="3">
+          <a:scrgbClr r="0" g="0" b="0"/>
+        </a:fillRef>
+        <a:effectRef idx="2">
+          <a:scrgbClr r="0" g="0" b="0"/>
+        </a:effectRef>
+        <a:fontRef idx="minor">
+          <a:schemeClr val="lt1"/>
+        </a:fontRef>
+      </dsp:style>
+    </dsp:sp>
+    <dsp:sp modelId="{D41494B2-EE70-F34C-99AE-809876292401}">
+      <dsp:nvSpPr>
+        <dsp:cNvPr id="0" name=""/>
+        <dsp:cNvSpPr/>
+      </dsp:nvSpPr>
+      <dsp:spPr>
+        <a:xfrm>
+          <a:off x="5062563" y="0"/>
+          <a:ext cx="2409006" cy="1828800"/>
+        </a:xfrm>
+        <a:prstGeom prst="rect">
+          <a:avLst/>
+        </a:prstGeom>
+        <a:noFill/>
+        <a:ln>
+          <a:noFill/>
+        </a:ln>
+        <a:effectLst/>
+      </dsp:spPr>
+      <dsp:style>
+        <a:lnRef idx="0">
+          <a:scrgbClr r="0" g="0" b="0"/>
+        </a:lnRef>
+        <a:fillRef idx="0">
+          <a:scrgbClr r="0" g="0" b="0"/>
+        </a:fillRef>
+        <a:effectRef idx="0">
+          <a:scrgbClr r="0" g="0" b="0"/>
+        </a:effectRef>
+        <a:fontRef idx="minor"/>
+      </dsp:style>
+      <dsp:txBody>
+        <a:bodyPr spcFirstLastPara="0" vert="horz" wrap="square" lIns="199136" tIns="199136" rIns="199136" bIns="199136" numCol="1" spcCol="1270" anchor="b" anchorCtr="0">
+          <a:noAutofit/>
+        </a:bodyPr>
+        <a:lstStyle/>
+        <a:p>
+          <a:pPr lvl="0" algn="ctr" defTabSz="1244600" rtl="0">
+            <a:lnSpc>
+              <a:spcPct val="90000"/>
+            </a:lnSpc>
+            <a:spcBef>
+              <a:spcPct val="0"/>
+            </a:spcBef>
+            <a:spcAft>
+              <a:spcPct val="35000"/>
+            </a:spcAft>
+          </a:pPr>
+          <a:r>
+            <a:rPr lang="en-US" sz="2800" kern="1200" dirty="0" smtClean="0"/>
+            <a:t>Examine method of inheritance</a:t>
+          </a:r>
+          <a:endParaRPr lang="en-US" sz="2800" kern="1200" dirty="0"/>
+        </a:p>
+      </dsp:txBody>
+      <dsp:txXfrm>
+        <a:off x="5062563" y="0"/>
+        <a:ext cx="2409006" cy="1828800"/>
+      </dsp:txXfrm>
+    </dsp:sp>
+    <dsp:sp modelId="{9A11CB16-AF2D-0844-9440-87381D61D02C}">
+      <dsp:nvSpPr>
+        <dsp:cNvPr id="0" name=""/>
+        <dsp:cNvSpPr/>
+      </dsp:nvSpPr>
+      <dsp:spPr>
+        <a:xfrm>
+          <a:off x="6038466" y="2057400"/>
+          <a:ext cx="457200" cy="457200"/>
+        </a:xfrm>
+        <a:prstGeom prst="ellipse">
+          <a:avLst/>
+        </a:prstGeom>
+        <a:gradFill rotWithShape="0">
+          <a:gsLst>
+            <a:gs pos="0">
+              <a:schemeClr val="accent1">
+                <a:hueOff val="0"/>
+                <a:satOff val="0"/>
+                <a:lumOff val="0"/>
+                <a:alphaOff val="0"/>
+                <a:shade val="51000"/>
+                <a:satMod val="130000"/>
+              </a:schemeClr>
+            </a:gs>
+            <a:gs pos="80000">
+              <a:schemeClr val="accent1">
+                <a:hueOff val="0"/>
+                <a:satOff val="0"/>
+                <a:lumOff val="0"/>
+                <a:alphaOff val="0"/>
+                <a:shade val="93000"/>
+                <a:satMod val="130000"/>
+              </a:schemeClr>
+            </a:gs>
+            <a:gs pos="100000">
+              <a:schemeClr val="accent1">
+                <a:hueOff val="0"/>
+                <a:satOff val="0"/>
+                <a:lumOff val="0"/>
+                <a:alphaOff val="0"/>
+                <a:shade val="94000"/>
+                <a:satMod val="135000"/>
+              </a:schemeClr>
+            </a:gs>
+          </a:gsLst>
+          <a:lin ang="16200000" scaled="0"/>
+        </a:gradFill>
+        <a:ln>
+          <a:noFill/>
+        </a:ln>
+        <a:effectLst>
+          <a:outerShdw blurRad="40000" dist="23000" dir="5400000" rotWithShape="0">
+            <a:srgbClr val="000000">
+              <a:alpha val="35000"/>
+            </a:srgbClr>
+          </a:outerShdw>
+        </a:effectLst>
+      </dsp:spPr>
+      <dsp:style>
+        <a:lnRef idx="0">
+          <a:scrgbClr r="0" g="0" b="0"/>
+        </a:lnRef>
+        <a:fillRef idx="3">
+          <a:scrgbClr r="0" g="0" b="0"/>
+        </a:fillRef>
+        <a:effectRef idx="2">
+          <a:scrgbClr r="0" g="0" b="0"/>
+        </a:effectRef>
+        <a:fontRef idx="minor">
+          <a:schemeClr val="lt1"/>
+        </a:fontRef>
+      </dsp:style>
+    </dsp:sp>
   </dsp:spTree>
 </dsp:drawing>
 </file>
@@ -13107,6 +13555,2396 @@
       <dsp:cNvGrpSpPr/>
     </dsp:nvGrpSpPr>
     <dsp:grpSpPr/>
+    <dsp:sp modelId="{F1EAE271-4E19-BC42-B6F5-2B4CB311C28C}">
+      <dsp:nvSpPr>
+        <dsp:cNvPr id="0" name=""/>
+        <dsp:cNvSpPr/>
+      </dsp:nvSpPr>
+      <dsp:spPr>
+        <a:xfrm>
+          <a:off x="7194883" y="1833423"/>
+          <a:ext cx="731920" cy="254055"/>
+        </a:xfrm>
+        <a:custGeom>
+          <a:avLst/>
+          <a:gdLst/>
+          <a:ahLst/>
+          <a:cxnLst/>
+          <a:rect l="0" t="0" r="0" b="0"/>
+          <a:pathLst>
+            <a:path>
+              <a:moveTo>
+                <a:pt x="0" y="0"/>
+              </a:moveTo>
+              <a:lnTo>
+                <a:pt x="0" y="127027"/>
+              </a:lnTo>
+              <a:lnTo>
+                <a:pt x="731920" y="127027"/>
+              </a:lnTo>
+              <a:lnTo>
+                <a:pt x="731920" y="254055"/>
+              </a:lnTo>
+            </a:path>
+          </a:pathLst>
+        </a:custGeom>
+        <a:noFill/>
+        <a:ln w="25400" cap="flat" cmpd="sng" algn="ctr">
+          <a:solidFill>
+            <a:schemeClr val="accent1">
+              <a:shade val="80000"/>
+              <a:hueOff val="0"/>
+              <a:satOff val="0"/>
+              <a:lumOff val="0"/>
+              <a:alphaOff val="0"/>
+            </a:schemeClr>
+          </a:solidFill>
+          <a:prstDash val="solid"/>
+        </a:ln>
+        <a:effectLst/>
+      </dsp:spPr>
+      <dsp:style>
+        <a:lnRef idx="2">
+          <a:scrgbClr r="0" g="0" b="0"/>
+        </a:lnRef>
+        <a:fillRef idx="0">
+          <a:scrgbClr r="0" g="0" b="0"/>
+        </a:fillRef>
+        <a:effectRef idx="0">
+          <a:scrgbClr r="0" g="0" b="0"/>
+        </a:effectRef>
+        <a:fontRef idx="minor"/>
+      </dsp:style>
+    </dsp:sp>
+    <dsp:sp modelId="{F566F8CD-333C-FA4F-963B-CD8403DA284F}">
+      <dsp:nvSpPr>
+        <dsp:cNvPr id="0" name=""/>
+        <dsp:cNvSpPr/>
+      </dsp:nvSpPr>
+      <dsp:spPr>
+        <a:xfrm>
+          <a:off x="5979048" y="2692372"/>
+          <a:ext cx="181467" cy="2274398"/>
+        </a:xfrm>
+        <a:custGeom>
+          <a:avLst/>
+          <a:gdLst/>
+          <a:ahLst/>
+          <a:cxnLst/>
+          <a:rect l="0" t="0" r="0" b="0"/>
+          <a:pathLst>
+            <a:path>
+              <a:moveTo>
+                <a:pt x="0" y="0"/>
+              </a:moveTo>
+              <a:lnTo>
+                <a:pt x="0" y="2274398"/>
+              </a:lnTo>
+              <a:lnTo>
+                <a:pt x="181467" y="2274398"/>
+              </a:lnTo>
+            </a:path>
+          </a:pathLst>
+        </a:custGeom>
+        <a:noFill/>
+        <a:ln w="25400" cap="flat" cmpd="sng" algn="ctr">
+          <a:solidFill>
+            <a:schemeClr val="accent1">
+              <a:shade val="80000"/>
+              <a:hueOff val="0"/>
+              <a:satOff val="0"/>
+              <a:lumOff val="0"/>
+              <a:alphaOff val="0"/>
+            </a:schemeClr>
+          </a:solidFill>
+          <a:prstDash val="solid"/>
+        </a:ln>
+        <a:effectLst/>
+      </dsp:spPr>
+      <dsp:style>
+        <a:lnRef idx="2">
+          <a:scrgbClr r="0" g="0" b="0"/>
+        </a:lnRef>
+        <a:fillRef idx="0">
+          <a:scrgbClr r="0" g="0" b="0"/>
+        </a:fillRef>
+        <a:effectRef idx="0">
+          <a:scrgbClr r="0" g="0" b="0"/>
+        </a:effectRef>
+        <a:fontRef idx="minor"/>
+      </dsp:style>
+    </dsp:sp>
+    <dsp:sp modelId="{DC1DB718-D046-3A48-97B8-FCE45BB3616F}">
+      <dsp:nvSpPr>
+        <dsp:cNvPr id="0" name=""/>
+        <dsp:cNvSpPr/>
+      </dsp:nvSpPr>
+      <dsp:spPr>
+        <a:xfrm>
+          <a:off x="5979048" y="2692372"/>
+          <a:ext cx="181467" cy="1415450"/>
+        </a:xfrm>
+        <a:custGeom>
+          <a:avLst/>
+          <a:gdLst/>
+          <a:ahLst/>
+          <a:cxnLst/>
+          <a:rect l="0" t="0" r="0" b="0"/>
+          <a:pathLst>
+            <a:path>
+              <a:moveTo>
+                <a:pt x="0" y="0"/>
+              </a:moveTo>
+              <a:lnTo>
+                <a:pt x="0" y="1415450"/>
+              </a:lnTo>
+              <a:lnTo>
+                <a:pt x="181467" y="1415450"/>
+              </a:lnTo>
+            </a:path>
+          </a:pathLst>
+        </a:custGeom>
+        <a:noFill/>
+        <a:ln w="25400" cap="flat" cmpd="sng" algn="ctr">
+          <a:solidFill>
+            <a:schemeClr val="accent1">
+              <a:shade val="80000"/>
+              <a:hueOff val="0"/>
+              <a:satOff val="0"/>
+              <a:lumOff val="0"/>
+              <a:alphaOff val="0"/>
+            </a:schemeClr>
+          </a:solidFill>
+          <a:prstDash val="solid"/>
+        </a:ln>
+        <a:effectLst/>
+      </dsp:spPr>
+      <dsp:style>
+        <a:lnRef idx="2">
+          <a:scrgbClr r="0" g="0" b="0"/>
+        </a:lnRef>
+        <a:fillRef idx="0">
+          <a:scrgbClr r="0" g="0" b="0"/>
+        </a:fillRef>
+        <a:effectRef idx="0">
+          <a:scrgbClr r="0" g="0" b="0"/>
+        </a:effectRef>
+        <a:fontRef idx="minor"/>
+      </dsp:style>
+    </dsp:sp>
+    <dsp:sp modelId="{B837CA85-5536-E848-AE8A-FBCAD3D050B4}">
+      <dsp:nvSpPr>
+        <dsp:cNvPr id="0" name=""/>
+        <dsp:cNvSpPr/>
+      </dsp:nvSpPr>
+      <dsp:spPr>
+        <a:xfrm>
+          <a:off x="5979048" y="2692372"/>
+          <a:ext cx="181467" cy="556501"/>
+        </a:xfrm>
+        <a:custGeom>
+          <a:avLst/>
+          <a:gdLst/>
+          <a:ahLst/>
+          <a:cxnLst/>
+          <a:rect l="0" t="0" r="0" b="0"/>
+          <a:pathLst>
+            <a:path>
+              <a:moveTo>
+                <a:pt x="0" y="0"/>
+              </a:moveTo>
+              <a:lnTo>
+                <a:pt x="0" y="556501"/>
+              </a:lnTo>
+              <a:lnTo>
+                <a:pt x="181467" y="556501"/>
+              </a:lnTo>
+            </a:path>
+          </a:pathLst>
+        </a:custGeom>
+        <a:noFill/>
+        <a:ln w="25400" cap="flat" cmpd="sng" algn="ctr">
+          <a:solidFill>
+            <a:schemeClr val="accent1">
+              <a:shade val="80000"/>
+              <a:hueOff val="0"/>
+              <a:satOff val="0"/>
+              <a:lumOff val="0"/>
+              <a:alphaOff val="0"/>
+            </a:schemeClr>
+          </a:solidFill>
+          <a:prstDash val="solid"/>
+        </a:ln>
+        <a:effectLst/>
+      </dsp:spPr>
+      <dsp:style>
+        <a:lnRef idx="2">
+          <a:scrgbClr r="0" g="0" b="0"/>
+        </a:lnRef>
+        <a:fillRef idx="0">
+          <a:scrgbClr r="0" g="0" b="0"/>
+        </a:fillRef>
+        <a:effectRef idx="0">
+          <a:scrgbClr r="0" g="0" b="0"/>
+        </a:effectRef>
+        <a:fontRef idx="minor"/>
+      </dsp:style>
+    </dsp:sp>
+    <dsp:sp modelId="{F88E7B36-40B0-854E-8324-0DADDC76CD9A}">
+      <dsp:nvSpPr>
+        <dsp:cNvPr id="0" name=""/>
+        <dsp:cNvSpPr/>
+      </dsp:nvSpPr>
+      <dsp:spPr>
+        <a:xfrm>
+          <a:off x="6462962" y="1833423"/>
+          <a:ext cx="731920" cy="254055"/>
+        </a:xfrm>
+        <a:custGeom>
+          <a:avLst/>
+          <a:gdLst/>
+          <a:ahLst/>
+          <a:cxnLst/>
+          <a:rect l="0" t="0" r="0" b="0"/>
+          <a:pathLst>
+            <a:path>
+              <a:moveTo>
+                <a:pt x="731920" y="0"/>
+              </a:moveTo>
+              <a:lnTo>
+                <a:pt x="731920" y="127027"/>
+              </a:lnTo>
+              <a:lnTo>
+                <a:pt x="0" y="127027"/>
+              </a:lnTo>
+              <a:lnTo>
+                <a:pt x="0" y="254055"/>
+              </a:lnTo>
+            </a:path>
+          </a:pathLst>
+        </a:custGeom>
+        <a:noFill/>
+        <a:ln w="25400" cap="flat" cmpd="sng" algn="ctr">
+          <a:solidFill>
+            <a:schemeClr val="accent1">
+              <a:shade val="80000"/>
+              <a:hueOff val="0"/>
+              <a:satOff val="0"/>
+              <a:lumOff val="0"/>
+              <a:alphaOff val="0"/>
+            </a:schemeClr>
+          </a:solidFill>
+          <a:prstDash val="solid"/>
+        </a:ln>
+        <a:effectLst/>
+      </dsp:spPr>
+      <dsp:style>
+        <a:lnRef idx="2">
+          <a:scrgbClr r="0" g="0" b="0"/>
+        </a:lnRef>
+        <a:fillRef idx="0">
+          <a:scrgbClr r="0" g="0" b="0"/>
+        </a:fillRef>
+        <a:effectRef idx="0">
+          <a:scrgbClr r="0" g="0" b="0"/>
+        </a:effectRef>
+        <a:fontRef idx="minor"/>
+      </dsp:style>
+    </dsp:sp>
+    <dsp:sp modelId="{A2484A29-E940-5542-9235-0BA0EB24EBA4}">
+      <dsp:nvSpPr>
+        <dsp:cNvPr id="0" name=""/>
+        <dsp:cNvSpPr/>
+      </dsp:nvSpPr>
+      <dsp:spPr>
+        <a:xfrm>
+          <a:off x="4633160" y="974475"/>
+          <a:ext cx="2561723" cy="254055"/>
+        </a:xfrm>
+        <a:custGeom>
+          <a:avLst/>
+          <a:gdLst/>
+          <a:ahLst/>
+          <a:cxnLst/>
+          <a:rect l="0" t="0" r="0" b="0"/>
+          <a:pathLst>
+            <a:path>
+              <a:moveTo>
+                <a:pt x="0" y="0"/>
+              </a:moveTo>
+              <a:lnTo>
+                <a:pt x="0" y="127027"/>
+              </a:lnTo>
+              <a:lnTo>
+                <a:pt x="2561723" y="127027"/>
+              </a:lnTo>
+              <a:lnTo>
+                <a:pt x="2561723" y="254055"/>
+              </a:lnTo>
+            </a:path>
+          </a:pathLst>
+        </a:custGeom>
+        <a:noFill/>
+        <a:ln w="25400" cap="flat" cmpd="sng" algn="ctr">
+          <a:solidFill>
+            <a:schemeClr val="accent1">
+              <a:shade val="60000"/>
+              <a:hueOff val="0"/>
+              <a:satOff val="0"/>
+              <a:lumOff val="0"/>
+              <a:alphaOff val="0"/>
+            </a:schemeClr>
+          </a:solidFill>
+          <a:prstDash val="solid"/>
+        </a:ln>
+        <a:effectLst/>
+      </dsp:spPr>
+      <dsp:style>
+        <a:lnRef idx="2">
+          <a:scrgbClr r="0" g="0" b="0"/>
+        </a:lnRef>
+        <a:fillRef idx="0">
+          <a:scrgbClr r="0" g="0" b="0"/>
+        </a:fillRef>
+        <a:effectRef idx="0">
+          <a:scrgbClr r="0" g="0" b="0"/>
+        </a:effectRef>
+        <a:fontRef idx="minor"/>
+      </dsp:style>
+    </dsp:sp>
+    <dsp:sp modelId="{D005C72E-7DA5-664B-80A0-70CB993D21AB}">
+      <dsp:nvSpPr>
+        <dsp:cNvPr id="0" name=""/>
+        <dsp:cNvSpPr/>
+      </dsp:nvSpPr>
+      <dsp:spPr>
+        <a:xfrm>
+          <a:off x="4212759" y="1833423"/>
+          <a:ext cx="181467" cy="3133347"/>
+        </a:xfrm>
+        <a:custGeom>
+          <a:avLst/>
+          <a:gdLst/>
+          <a:ahLst/>
+          <a:cxnLst/>
+          <a:rect l="0" t="0" r="0" b="0"/>
+          <a:pathLst>
+            <a:path>
+              <a:moveTo>
+                <a:pt x="0" y="0"/>
+              </a:moveTo>
+              <a:lnTo>
+                <a:pt x="0" y="3133347"/>
+              </a:lnTo>
+              <a:lnTo>
+                <a:pt x="181467" y="3133347"/>
+              </a:lnTo>
+            </a:path>
+          </a:pathLst>
+        </a:custGeom>
+        <a:noFill/>
+        <a:ln w="25400" cap="flat" cmpd="sng" algn="ctr">
+          <a:solidFill>
+            <a:schemeClr val="accent1">
+              <a:shade val="80000"/>
+              <a:hueOff val="0"/>
+              <a:satOff val="0"/>
+              <a:lumOff val="0"/>
+              <a:alphaOff val="0"/>
+            </a:schemeClr>
+          </a:solidFill>
+          <a:prstDash val="solid"/>
+        </a:ln>
+        <a:effectLst/>
+      </dsp:spPr>
+      <dsp:style>
+        <a:lnRef idx="2">
+          <a:scrgbClr r="0" g="0" b="0"/>
+        </a:lnRef>
+        <a:fillRef idx="0">
+          <a:scrgbClr r="0" g="0" b="0"/>
+        </a:fillRef>
+        <a:effectRef idx="0">
+          <a:scrgbClr r="0" g="0" b="0"/>
+        </a:effectRef>
+        <a:fontRef idx="minor"/>
+      </dsp:style>
+    </dsp:sp>
+    <dsp:sp modelId="{12186C91-1EBA-244A-9E9A-36CDB778F25E}">
+      <dsp:nvSpPr>
+        <dsp:cNvPr id="0" name=""/>
+        <dsp:cNvSpPr/>
+      </dsp:nvSpPr>
+      <dsp:spPr>
+        <a:xfrm>
+          <a:off x="4212759" y="1833423"/>
+          <a:ext cx="181467" cy="2274398"/>
+        </a:xfrm>
+        <a:custGeom>
+          <a:avLst/>
+          <a:gdLst/>
+          <a:ahLst/>
+          <a:cxnLst/>
+          <a:rect l="0" t="0" r="0" b="0"/>
+          <a:pathLst>
+            <a:path>
+              <a:moveTo>
+                <a:pt x="0" y="0"/>
+              </a:moveTo>
+              <a:lnTo>
+                <a:pt x="0" y="2274398"/>
+              </a:lnTo>
+              <a:lnTo>
+                <a:pt x="181467" y="2274398"/>
+              </a:lnTo>
+            </a:path>
+          </a:pathLst>
+        </a:custGeom>
+        <a:noFill/>
+        <a:ln w="25400" cap="flat" cmpd="sng" algn="ctr">
+          <a:solidFill>
+            <a:schemeClr val="accent1">
+              <a:shade val="80000"/>
+              <a:hueOff val="0"/>
+              <a:satOff val="0"/>
+              <a:lumOff val="0"/>
+              <a:alphaOff val="0"/>
+            </a:schemeClr>
+          </a:solidFill>
+          <a:prstDash val="solid"/>
+        </a:ln>
+        <a:effectLst/>
+      </dsp:spPr>
+      <dsp:style>
+        <a:lnRef idx="2">
+          <a:scrgbClr r="0" g="0" b="0"/>
+        </a:lnRef>
+        <a:fillRef idx="0">
+          <a:scrgbClr r="0" g="0" b="0"/>
+        </a:fillRef>
+        <a:effectRef idx="0">
+          <a:scrgbClr r="0" g="0" b="0"/>
+        </a:effectRef>
+        <a:fontRef idx="minor"/>
+      </dsp:style>
+    </dsp:sp>
+    <dsp:sp modelId="{A92DF97C-9840-6D46-8114-8937FD91640B}">
+      <dsp:nvSpPr>
+        <dsp:cNvPr id="0" name=""/>
+        <dsp:cNvSpPr/>
+      </dsp:nvSpPr>
+      <dsp:spPr>
+        <a:xfrm>
+          <a:off x="4212759" y="1833423"/>
+          <a:ext cx="181467" cy="1415450"/>
+        </a:xfrm>
+        <a:custGeom>
+          <a:avLst/>
+          <a:gdLst/>
+          <a:ahLst/>
+          <a:cxnLst/>
+          <a:rect l="0" t="0" r="0" b="0"/>
+          <a:pathLst>
+            <a:path>
+              <a:moveTo>
+                <a:pt x="0" y="0"/>
+              </a:moveTo>
+              <a:lnTo>
+                <a:pt x="0" y="1415450"/>
+              </a:lnTo>
+              <a:lnTo>
+                <a:pt x="181467" y="1415450"/>
+              </a:lnTo>
+            </a:path>
+          </a:pathLst>
+        </a:custGeom>
+        <a:noFill/>
+        <a:ln w="25400" cap="flat" cmpd="sng" algn="ctr">
+          <a:solidFill>
+            <a:schemeClr val="accent1">
+              <a:shade val="80000"/>
+              <a:hueOff val="0"/>
+              <a:satOff val="0"/>
+              <a:lumOff val="0"/>
+              <a:alphaOff val="0"/>
+            </a:schemeClr>
+          </a:solidFill>
+          <a:prstDash val="solid"/>
+        </a:ln>
+        <a:effectLst/>
+      </dsp:spPr>
+      <dsp:style>
+        <a:lnRef idx="2">
+          <a:scrgbClr r="0" g="0" b="0"/>
+        </a:lnRef>
+        <a:fillRef idx="0">
+          <a:scrgbClr r="0" g="0" b="0"/>
+        </a:fillRef>
+        <a:effectRef idx="0">
+          <a:scrgbClr r="0" g="0" b="0"/>
+        </a:effectRef>
+        <a:fontRef idx="minor"/>
+      </dsp:style>
+    </dsp:sp>
+    <dsp:sp modelId="{55648A61-406F-D642-A3BD-FF41A1ACF64C}">
+      <dsp:nvSpPr>
+        <dsp:cNvPr id="0" name=""/>
+        <dsp:cNvSpPr/>
+      </dsp:nvSpPr>
+      <dsp:spPr>
+        <a:xfrm>
+          <a:off x="4212759" y="1833423"/>
+          <a:ext cx="181467" cy="556501"/>
+        </a:xfrm>
+        <a:custGeom>
+          <a:avLst/>
+          <a:gdLst/>
+          <a:ahLst/>
+          <a:cxnLst/>
+          <a:rect l="0" t="0" r="0" b="0"/>
+          <a:pathLst>
+            <a:path>
+              <a:moveTo>
+                <a:pt x="0" y="0"/>
+              </a:moveTo>
+              <a:lnTo>
+                <a:pt x="0" y="556501"/>
+              </a:lnTo>
+              <a:lnTo>
+                <a:pt x="181467" y="556501"/>
+              </a:lnTo>
+            </a:path>
+          </a:pathLst>
+        </a:custGeom>
+        <a:noFill/>
+        <a:ln w="25400" cap="flat" cmpd="sng" algn="ctr">
+          <a:solidFill>
+            <a:schemeClr val="accent1">
+              <a:shade val="80000"/>
+              <a:hueOff val="0"/>
+              <a:satOff val="0"/>
+              <a:lumOff val="0"/>
+              <a:alphaOff val="0"/>
+            </a:schemeClr>
+          </a:solidFill>
+          <a:prstDash val="solid"/>
+        </a:ln>
+        <a:effectLst/>
+      </dsp:spPr>
+      <dsp:style>
+        <a:lnRef idx="2">
+          <a:scrgbClr r="0" g="0" b="0"/>
+        </a:lnRef>
+        <a:fillRef idx="0">
+          <a:scrgbClr r="0" g="0" b="0"/>
+        </a:fillRef>
+        <a:effectRef idx="0">
+          <a:scrgbClr r="0" g="0" b="0"/>
+        </a:effectRef>
+        <a:fontRef idx="minor"/>
+      </dsp:style>
+    </dsp:sp>
+    <dsp:sp modelId="{69666FFE-6B6F-0648-BB17-45AD4B845811}">
+      <dsp:nvSpPr>
+        <dsp:cNvPr id="0" name=""/>
+        <dsp:cNvSpPr/>
+      </dsp:nvSpPr>
+      <dsp:spPr>
+        <a:xfrm>
+          <a:off x="4587440" y="974475"/>
+          <a:ext cx="91440" cy="254055"/>
+        </a:xfrm>
+        <a:custGeom>
+          <a:avLst/>
+          <a:gdLst/>
+          <a:ahLst/>
+          <a:cxnLst/>
+          <a:rect l="0" t="0" r="0" b="0"/>
+          <a:pathLst>
+            <a:path>
+              <a:moveTo>
+                <a:pt x="45720" y="0"/>
+              </a:moveTo>
+              <a:lnTo>
+                <a:pt x="45720" y="127027"/>
+              </a:lnTo>
+              <a:lnTo>
+                <a:pt x="109233" y="127027"/>
+              </a:lnTo>
+              <a:lnTo>
+                <a:pt x="109233" y="254055"/>
+              </a:lnTo>
+            </a:path>
+          </a:pathLst>
+        </a:custGeom>
+        <a:noFill/>
+        <a:ln w="25400" cap="flat" cmpd="sng" algn="ctr">
+          <a:solidFill>
+            <a:schemeClr val="accent1">
+              <a:shade val="60000"/>
+              <a:hueOff val="0"/>
+              <a:satOff val="0"/>
+              <a:lumOff val="0"/>
+              <a:alphaOff val="0"/>
+            </a:schemeClr>
+          </a:solidFill>
+          <a:prstDash val="solid"/>
+        </a:ln>
+        <a:effectLst/>
+      </dsp:spPr>
+      <dsp:style>
+        <a:lnRef idx="2">
+          <a:scrgbClr r="0" g="0" b="0"/>
+        </a:lnRef>
+        <a:fillRef idx="0">
+          <a:scrgbClr r="0" g="0" b="0"/>
+        </a:fillRef>
+        <a:effectRef idx="0">
+          <a:scrgbClr r="0" g="0" b="0"/>
+        </a:effectRef>
+        <a:fontRef idx="minor"/>
+      </dsp:style>
+    </dsp:sp>
+    <dsp:sp modelId="{B46608FF-EA23-4A4E-97D1-09B7A1D7C2D1}">
+      <dsp:nvSpPr>
+        <dsp:cNvPr id="0" name=""/>
+        <dsp:cNvSpPr/>
+      </dsp:nvSpPr>
+      <dsp:spPr>
+        <a:xfrm>
+          <a:off x="2071437" y="1833423"/>
+          <a:ext cx="1463841" cy="254055"/>
+        </a:xfrm>
+        <a:custGeom>
+          <a:avLst/>
+          <a:gdLst/>
+          <a:ahLst/>
+          <a:cxnLst/>
+          <a:rect l="0" t="0" r="0" b="0"/>
+          <a:pathLst>
+            <a:path>
+              <a:moveTo>
+                <a:pt x="0" y="0"/>
+              </a:moveTo>
+              <a:lnTo>
+                <a:pt x="0" y="127027"/>
+              </a:lnTo>
+              <a:lnTo>
+                <a:pt x="1463841" y="127027"/>
+              </a:lnTo>
+              <a:lnTo>
+                <a:pt x="1463841" y="254055"/>
+              </a:lnTo>
+            </a:path>
+          </a:pathLst>
+        </a:custGeom>
+        <a:noFill/>
+        <a:ln w="25400" cap="flat" cmpd="sng" algn="ctr">
+          <a:solidFill>
+            <a:schemeClr val="accent1">
+              <a:shade val="80000"/>
+              <a:hueOff val="0"/>
+              <a:satOff val="0"/>
+              <a:lumOff val="0"/>
+              <a:alphaOff val="0"/>
+            </a:schemeClr>
+          </a:solidFill>
+          <a:prstDash val="solid"/>
+        </a:ln>
+        <a:effectLst/>
+      </dsp:spPr>
+      <dsp:style>
+        <a:lnRef idx="2">
+          <a:scrgbClr r="0" g="0" b="0"/>
+        </a:lnRef>
+        <a:fillRef idx="0">
+          <a:scrgbClr r="0" g="0" b="0"/>
+        </a:fillRef>
+        <a:effectRef idx="0">
+          <a:scrgbClr r="0" g="0" b="0"/>
+        </a:effectRef>
+        <a:fontRef idx="minor"/>
+      </dsp:style>
+    </dsp:sp>
+    <dsp:sp modelId="{FAA47C2B-BBE5-2D44-A473-DEB2FF5EAB78}">
+      <dsp:nvSpPr>
+        <dsp:cNvPr id="0" name=""/>
+        <dsp:cNvSpPr/>
+      </dsp:nvSpPr>
+      <dsp:spPr>
+        <a:xfrm>
+          <a:off x="2025717" y="1833423"/>
+          <a:ext cx="91440" cy="254055"/>
+        </a:xfrm>
+        <a:custGeom>
+          <a:avLst/>
+          <a:gdLst/>
+          <a:ahLst/>
+          <a:cxnLst/>
+          <a:rect l="0" t="0" r="0" b="0"/>
+          <a:pathLst>
+            <a:path>
+              <a:moveTo>
+                <a:pt x="45720" y="0"/>
+              </a:moveTo>
+              <a:lnTo>
+                <a:pt x="45720" y="254055"/>
+              </a:lnTo>
+            </a:path>
+          </a:pathLst>
+        </a:custGeom>
+        <a:noFill/>
+        <a:ln w="25400" cap="flat" cmpd="sng" algn="ctr">
+          <a:solidFill>
+            <a:schemeClr val="accent1">
+              <a:shade val="80000"/>
+              <a:hueOff val="0"/>
+              <a:satOff val="0"/>
+              <a:lumOff val="0"/>
+              <a:alphaOff val="0"/>
+            </a:schemeClr>
+          </a:solidFill>
+          <a:prstDash val="solid"/>
+        </a:ln>
+        <a:effectLst/>
+      </dsp:spPr>
+      <dsp:style>
+        <a:lnRef idx="2">
+          <a:scrgbClr r="0" g="0" b="0"/>
+        </a:lnRef>
+        <a:fillRef idx="0">
+          <a:scrgbClr r="0" g="0" b="0"/>
+        </a:fillRef>
+        <a:effectRef idx="0">
+          <a:scrgbClr r="0" g="0" b="0"/>
+        </a:effectRef>
+        <a:fontRef idx="minor"/>
+      </dsp:style>
+    </dsp:sp>
+    <dsp:sp modelId="{D873CE1E-A12E-874C-966B-071ED20E8548}">
+      <dsp:nvSpPr>
+        <dsp:cNvPr id="0" name=""/>
+        <dsp:cNvSpPr/>
+      </dsp:nvSpPr>
+      <dsp:spPr>
+        <a:xfrm>
+          <a:off x="123680" y="2692372"/>
+          <a:ext cx="181467" cy="1415450"/>
+        </a:xfrm>
+        <a:custGeom>
+          <a:avLst/>
+          <a:gdLst/>
+          <a:ahLst/>
+          <a:cxnLst/>
+          <a:rect l="0" t="0" r="0" b="0"/>
+          <a:pathLst>
+            <a:path>
+              <a:moveTo>
+                <a:pt x="0" y="0"/>
+              </a:moveTo>
+              <a:lnTo>
+                <a:pt x="0" y="1415450"/>
+              </a:lnTo>
+              <a:lnTo>
+                <a:pt x="181467" y="1415450"/>
+              </a:lnTo>
+            </a:path>
+          </a:pathLst>
+        </a:custGeom>
+        <a:noFill/>
+        <a:ln w="25400" cap="flat" cmpd="sng" algn="ctr">
+          <a:solidFill>
+            <a:schemeClr val="accent1">
+              <a:shade val="80000"/>
+              <a:hueOff val="0"/>
+              <a:satOff val="0"/>
+              <a:lumOff val="0"/>
+              <a:alphaOff val="0"/>
+            </a:schemeClr>
+          </a:solidFill>
+          <a:prstDash val="solid"/>
+        </a:ln>
+        <a:effectLst/>
+      </dsp:spPr>
+      <dsp:style>
+        <a:lnRef idx="2">
+          <a:scrgbClr r="0" g="0" b="0"/>
+        </a:lnRef>
+        <a:fillRef idx="0">
+          <a:scrgbClr r="0" g="0" b="0"/>
+        </a:fillRef>
+        <a:effectRef idx="0">
+          <a:scrgbClr r="0" g="0" b="0"/>
+        </a:effectRef>
+        <a:fontRef idx="minor"/>
+      </dsp:style>
+    </dsp:sp>
+    <dsp:sp modelId="{4C69403D-70A2-5546-8B7E-58253008C0DD}">
+      <dsp:nvSpPr>
+        <dsp:cNvPr id="0" name=""/>
+        <dsp:cNvSpPr/>
+      </dsp:nvSpPr>
+      <dsp:spPr>
+        <a:xfrm>
+          <a:off x="123680" y="2692372"/>
+          <a:ext cx="181467" cy="556501"/>
+        </a:xfrm>
+        <a:custGeom>
+          <a:avLst/>
+          <a:gdLst/>
+          <a:ahLst/>
+          <a:cxnLst/>
+          <a:rect l="0" t="0" r="0" b="0"/>
+          <a:pathLst>
+            <a:path>
+              <a:moveTo>
+                <a:pt x="0" y="0"/>
+              </a:moveTo>
+              <a:lnTo>
+                <a:pt x="0" y="556501"/>
+              </a:lnTo>
+              <a:lnTo>
+                <a:pt x="181467" y="556501"/>
+              </a:lnTo>
+            </a:path>
+          </a:pathLst>
+        </a:custGeom>
+        <a:noFill/>
+        <a:ln w="25400" cap="flat" cmpd="sng" algn="ctr">
+          <a:solidFill>
+            <a:schemeClr val="accent1">
+              <a:shade val="80000"/>
+              <a:hueOff val="0"/>
+              <a:satOff val="0"/>
+              <a:lumOff val="0"/>
+              <a:alphaOff val="0"/>
+            </a:schemeClr>
+          </a:solidFill>
+          <a:prstDash val="solid"/>
+        </a:ln>
+        <a:effectLst/>
+      </dsp:spPr>
+      <dsp:style>
+        <a:lnRef idx="2">
+          <a:scrgbClr r="0" g="0" b="0"/>
+        </a:lnRef>
+        <a:fillRef idx="0">
+          <a:scrgbClr r="0" g="0" b="0"/>
+        </a:fillRef>
+        <a:effectRef idx="0">
+          <a:scrgbClr r="0" g="0" b="0"/>
+        </a:effectRef>
+        <a:fontRef idx="minor"/>
+      </dsp:style>
+    </dsp:sp>
+    <dsp:sp modelId="{FC63E833-8019-7143-A5A8-63D4C971260F}">
+      <dsp:nvSpPr>
+        <dsp:cNvPr id="0" name=""/>
+        <dsp:cNvSpPr/>
+      </dsp:nvSpPr>
+      <dsp:spPr>
+        <a:xfrm>
+          <a:off x="607595" y="1833423"/>
+          <a:ext cx="1463841" cy="254055"/>
+        </a:xfrm>
+        <a:custGeom>
+          <a:avLst/>
+          <a:gdLst/>
+          <a:ahLst/>
+          <a:cxnLst/>
+          <a:rect l="0" t="0" r="0" b="0"/>
+          <a:pathLst>
+            <a:path>
+              <a:moveTo>
+                <a:pt x="1463841" y="0"/>
+              </a:moveTo>
+              <a:lnTo>
+                <a:pt x="1463841" y="127027"/>
+              </a:lnTo>
+              <a:lnTo>
+                <a:pt x="0" y="127027"/>
+              </a:lnTo>
+              <a:lnTo>
+                <a:pt x="0" y="254055"/>
+              </a:lnTo>
+            </a:path>
+          </a:pathLst>
+        </a:custGeom>
+        <a:noFill/>
+        <a:ln w="25400" cap="flat" cmpd="sng" algn="ctr">
+          <a:solidFill>
+            <a:schemeClr val="accent1">
+              <a:shade val="80000"/>
+              <a:hueOff val="0"/>
+              <a:satOff val="0"/>
+              <a:lumOff val="0"/>
+              <a:alphaOff val="0"/>
+            </a:schemeClr>
+          </a:solidFill>
+          <a:prstDash val="solid"/>
+        </a:ln>
+        <a:effectLst/>
+      </dsp:spPr>
+      <dsp:style>
+        <a:lnRef idx="2">
+          <a:scrgbClr r="0" g="0" b="0"/>
+        </a:lnRef>
+        <a:fillRef idx="0">
+          <a:scrgbClr r="0" g="0" b="0"/>
+        </a:fillRef>
+        <a:effectRef idx="0">
+          <a:scrgbClr r="0" g="0" b="0"/>
+        </a:effectRef>
+        <a:fontRef idx="minor"/>
+      </dsp:style>
+    </dsp:sp>
+    <dsp:sp modelId="{3A859112-6AFB-7F4C-A60E-D7EBC06AA3D4}">
+      <dsp:nvSpPr>
+        <dsp:cNvPr id="0" name=""/>
+        <dsp:cNvSpPr/>
+      </dsp:nvSpPr>
+      <dsp:spPr>
+        <a:xfrm>
+          <a:off x="2071437" y="974475"/>
+          <a:ext cx="2561723" cy="254055"/>
+        </a:xfrm>
+        <a:custGeom>
+          <a:avLst/>
+          <a:gdLst/>
+          <a:ahLst/>
+          <a:cxnLst/>
+          <a:rect l="0" t="0" r="0" b="0"/>
+          <a:pathLst>
+            <a:path>
+              <a:moveTo>
+                <a:pt x="2561723" y="0"/>
+              </a:moveTo>
+              <a:lnTo>
+                <a:pt x="2561723" y="127027"/>
+              </a:lnTo>
+              <a:lnTo>
+                <a:pt x="0" y="127027"/>
+              </a:lnTo>
+              <a:lnTo>
+                <a:pt x="0" y="254055"/>
+              </a:lnTo>
+            </a:path>
+          </a:pathLst>
+        </a:custGeom>
+        <a:noFill/>
+        <a:ln w="25400" cap="flat" cmpd="sng" algn="ctr">
+          <a:solidFill>
+            <a:schemeClr val="accent1">
+              <a:shade val="60000"/>
+              <a:hueOff val="0"/>
+              <a:satOff val="0"/>
+              <a:lumOff val="0"/>
+              <a:alphaOff val="0"/>
+            </a:schemeClr>
+          </a:solidFill>
+          <a:prstDash val="solid"/>
+        </a:ln>
+        <a:effectLst/>
+      </dsp:spPr>
+      <dsp:style>
+        <a:lnRef idx="2">
+          <a:scrgbClr r="0" g="0" b="0"/>
+        </a:lnRef>
+        <a:fillRef idx="0">
+          <a:scrgbClr r="0" g="0" b="0"/>
+        </a:fillRef>
+        <a:effectRef idx="0">
+          <a:scrgbClr r="0" g="0" b="0"/>
+        </a:effectRef>
+        <a:fontRef idx="minor"/>
+      </dsp:style>
+    </dsp:sp>
+    <dsp:sp modelId="{D146F1CD-5017-1D4D-B61F-1C4582F21442}">
+      <dsp:nvSpPr>
+        <dsp:cNvPr id="0" name=""/>
+        <dsp:cNvSpPr/>
+      </dsp:nvSpPr>
+      <dsp:spPr>
+        <a:xfrm>
+          <a:off x="4028267" y="369582"/>
+          <a:ext cx="1209786" cy="604893"/>
+        </a:xfrm>
+        <a:prstGeom prst="rect">
+          <a:avLst/>
+        </a:prstGeom>
+        <a:solidFill>
+          <a:schemeClr val="accent1">
+            <a:hueOff val="0"/>
+            <a:satOff val="0"/>
+            <a:lumOff val="0"/>
+            <a:alphaOff val="0"/>
+          </a:schemeClr>
+        </a:solidFill>
+        <a:ln w="25400" cap="flat" cmpd="sng" algn="ctr">
+          <a:solidFill>
+            <a:schemeClr val="lt1">
+              <a:hueOff val="0"/>
+              <a:satOff val="0"/>
+              <a:lumOff val="0"/>
+              <a:alphaOff val="0"/>
+            </a:schemeClr>
+          </a:solidFill>
+          <a:prstDash val="solid"/>
+        </a:ln>
+        <a:effectLst/>
+      </dsp:spPr>
+      <dsp:style>
+        <a:lnRef idx="2">
+          <a:scrgbClr r="0" g="0" b="0"/>
+        </a:lnRef>
+        <a:fillRef idx="1">
+          <a:scrgbClr r="0" g="0" b="0"/>
+        </a:fillRef>
+        <a:effectRef idx="0">
+          <a:scrgbClr r="0" g="0" b="0"/>
+        </a:effectRef>
+        <a:fontRef idx="minor">
+          <a:schemeClr val="lt1"/>
+        </a:fontRef>
+      </dsp:style>
+      <dsp:txBody>
+        <a:bodyPr spcFirstLastPara="0" vert="horz" wrap="square" lIns="11430" tIns="11430" rIns="11430" bIns="11430" numCol="1" spcCol="1270" anchor="ctr" anchorCtr="0">
+          <a:noAutofit/>
+        </a:bodyPr>
+        <a:lstStyle/>
+        <a:p>
+          <a:pPr lvl="0" algn="ctr" defTabSz="800100">
+            <a:lnSpc>
+              <a:spcPct val="90000"/>
+            </a:lnSpc>
+            <a:spcBef>
+              <a:spcPct val="0"/>
+            </a:spcBef>
+            <a:spcAft>
+              <a:spcPct val="35000"/>
+            </a:spcAft>
+          </a:pPr>
+          <a:r>
+            <a:rPr lang="en-US" sz="1800" kern="1200" dirty="0" smtClean="0"/>
+            <a:t>Reference Build</a:t>
+          </a:r>
+          <a:endParaRPr lang="en-US" sz="1800" kern="1200" dirty="0"/>
+        </a:p>
+      </dsp:txBody>
+      <dsp:txXfrm>
+        <a:off x="4028267" y="369582"/>
+        <a:ext cx="1209786" cy="604893"/>
+      </dsp:txXfrm>
+    </dsp:sp>
+    <dsp:sp modelId="{BF556E7D-E077-724A-A217-37E00ED2B0F6}">
+      <dsp:nvSpPr>
+        <dsp:cNvPr id="0" name=""/>
+        <dsp:cNvSpPr/>
+      </dsp:nvSpPr>
+      <dsp:spPr>
+        <a:xfrm>
+          <a:off x="1466543" y="1228530"/>
+          <a:ext cx="1209786" cy="604893"/>
+        </a:xfrm>
+        <a:prstGeom prst="rect">
+          <a:avLst/>
+        </a:prstGeom>
+        <a:solidFill>
+          <a:schemeClr val="accent1">
+            <a:hueOff val="0"/>
+            <a:satOff val="0"/>
+            <a:lumOff val="0"/>
+            <a:alphaOff val="0"/>
+          </a:schemeClr>
+        </a:solidFill>
+        <a:ln w="25400" cap="flat" cmpd="sng" algn="ctr">
+          <a:solidFill>
+            <a:schemeClr val="lt1">
+              <a:hueOff val="0"/>
+              <a:satOff val="0"/>
+              <a:lumOff val="0"/>
+              <a:alphaOff val="0"/>
+            </a:schemeClr>
+          </a:solidFill>
+          <a:prstDash val="solid"/>
+        </a:ln>
+        <a:effectLst/>
+      </dsp:spPr>
+      <dsp:style>
+        <a:lnRef idx="2">
+          <a:scrgbClr r="0" g="0" b="0"/>
+        </a:lnRef>
+        <a:fillRef idx="1">
+          <a:scrgbClr r="0" g="0" b="0"/>
+        </a:fillRef>
+        <a:effectRef idx="0">
+          <a:scrgbClr r="0" g="0" b="0"/>
+        </a:effectRef>
+        <a:fontRef idx="minor">
+          <a:schemeClr val="lt1"/>
+        </a:fontRef>
+      </dsp:style>
+      <dsp:txBody>
+        <a:bodyPr spcFirstLastPara="0" vert="horz" wrap="square" lIns="11430" tIns="11430" rIns="11430" bIns="11430" numCol="1" spcCol="1270" anchor="ctr" anchorCtr="0">
+          <a:noAutofit/>
+        </a:bodyPr>
+        <a:lstStyle/>
+        <a:p>
+          <a:pPr lvl="0" algn="ctr" defTabSz="800100">
+            <a:lnSpc>
+              <a:spcPct val="90000"/>
+            </a:lnSpc>
+            <a:spcBef>
+              <a:spcPct val="0"/>
+            </a:spcBef>
+            <a:spcAft>
+              <a:spcPct val="35000"/>
+            </a:spcAft>
+          </a:pPr>
+          <a:r>
+            <a:rPr lang="en-US" sz="1800" kern="1200" dirty="0" smtClean="0"/>
+            <a:t>Platform</a:t>
+          </a:r>
+          <a:endParaRPr lang="en-US" sz="1800" kern="1200" dirty="0"/>
+        </a:p>
+      </dsp:txBody>
+      <dsp:txXfrm>
+        <a:off x="1466543" y="1228530"/>
+        <a:ext cx="1209786" cy="604893"/>
+      </dsp:txXfrm>
+    </dsp:sp>
+    <dsp:sp modelId="{C8CF91E3-CA00-1344-8033-6512CF2AF3D4}">
+      <dsp:nvSpPr>
+        <dsp:cNvPr id="0" name=""/>
+        <dsp:cNvSpPr/>
+      </dsp:nvSpPr>
+      <dsp:spPr>
+        <a:xfrm>
+          <a:off x="2702" y="2087479"/>
+          <a:ext cx="1209786" cy="604893"/>
+        </a:xfrm>
+        <a:prstGeom prst="rect">
+          <a:avLst/>
+        </a:prstGeom>
+        <a:solidFill>
+          <a:schemeClr val="accent1">
+            <a:hueOff val="0"/>
+            <a:satOff val="0"/>
+            <a:lumOff val="0"/>
+            <a:alphaOff val="0"/>
+          </a:schemeClr>
+        </a:solidFill>
+        <a:ln w="25400" cap="flat" cmpd="sng" algn="ctr">
+          <a:solidFill>
+            <a:schemeClr val="lt1">
+              <a:hueOff val="0"/>
+              <a:satOff val="0"/>
+              <a:lumOff val="0"/>
+              <a:alphaOff val="0"/>
+            </a:schemeClr>
+          </a:solidFill>
+          <a:prstDash val="solid"/>
+        </a:ln>
+        <a:effectLst/>
+      </dsp:spPr>
+      <dsp:style>
+        <a:lnRef idx="2">
+          <a:scrgbClr r="0" g="0" b="0"/>
+        </a:lnRef>
+        <a:fillRef idx="1">
+          <a:scrgbClr r="0" g="0" b="0"/>
+        </a:fillRef>
+        <a:effectRef idx="0">
+          <a:scrgbClr r="0" g="0" b="0"/>
+        </a:effectRef>
+        <a:fontRef idx="minor">
+          <a:schemeClr val="lt1"/>
+        </a:fontRef>
+      </dsp:style>
+      <dsp:txBody>
+        <a:bodyPr spcFirstLastPara="0" vert="horz" wrap="square" lIns="11430" tIns="11430" rIns="11430" bIns="11430" numCol="1" spcCol="1270" anchor="ctr" anchorCtr="0">
+          <a:noAutofit/>
+        </a:bodyPr>
+        <a:lstStyle/>
+        <a:p>
+          <a:pPr lvl="0" algn="ctr" defTabSz="800100">
+            <a:lnSpc>
+              <a:spcPct val="90000"/>
+            </a:lnSpc>
+            <a:spcBef>
+              <a:spcPct val="0"/>
+            </a:spcBef>
+            <a:spcAft>
+              <a:spcPct val="35000"/>
+            </a:spcAft>
+          </a:pPr>
+          <a:r>
+            <a:rPr lang="en-US" sz="1800" kern="1200" dirty="0" smtClean="0"/>
+            <a:t>Variants</a:t>
+          </a:r>
+          <a:endParaRPr lang="en-US" sz="1800" kern="1200" dirty="0"/>
+        </a:p>
+      </dsp:txBody>
+      <dsp:txXfrm>
+        <a:off x="2702" y="2087479"/>
+        <a:ext cx="1209786" cy="604893"/>
+      </dsp:txXfrm>
+    </dsp:sp>
+    <dsp:sp modelId="{C6C7BC74-138D-9346-9D4F-0F8B7AE1385F}">
+      <dsp:nvSpPr>
+        <dsp:cNvPr id="0" name=""/>
+        <dsp:cNvSpPr/>
+      </dsp:nvSpPr>
+      <dsp:spPr>
+        <a:xfrm>
+          <a:off x="305148" y="2946427"/>
+          <a:ext cx="1209786" cy="604893"/>
+        </a:xfrm>
+        <a:prstGeom prst="rect">
+          <a:avLst/>
+        </a:prstGeom>
+        <a:solidFill>
+          <a:schemeClr val="accent1">
+            <a:hueOff val="0"/>
+            <a:satOff val="0"/>
+            <a:lumOff val="0"/>
+            <a:alphaOff val="0"/>
+          </a:schemeClr>
+        </a:solidFill>
+        <a:ln w="25400" cap="flat" cmpd="sng" algn="ctr">
+          <a:solidFill>
+            <a:schemeClr val="lt1">
+              <a:hueOff val="0"/>
+              <a:satOff val="0"/>
+              <a:lumOff val="0"/>
+              <a:alphaOff val="0"/>
+            </a:schemeClr>
+          </a:solidFill>
+          <a:prstDash val="solid"/>
+        </a:ln>
+        <a:effectLst/>
+      </dsp:spPr>
+      <dsp:style>
+        <a:lnRef idx="2">
+          <a:scrgbClr r="0" g="0" b="0"/>
+        </a:lnRef>
+        <a:fillRef idx="1">
+          <a:scrgbClr r="0" g="0" b="0"/>
+        </a:fillRef>
+        <a:effectRef idx="0">
+          <a:scrgbClr r="0" g="0" b="0"/>
+        </a:effectRef>
+        <a:fontRef idx="minor">
+          <a:schemeClr val="lt1"/>
+        </a:fontRef>
+      </dsp:style>
+      <dsp:txBody>
+        <a:bodyPr spcFirstLastPara="0" vert="horz" wrap="square" lIns="11430" tIns="11430" rIns="11430" bIns="11430" numCol="1" spcCol="1270" anchor="ctr" anchorCtr="0">
+          <a:noAutofit/>
+        </a:bodyPr>
+        <a:lstStyle/>
+        <a:p>
+          <a:pPr lvl="0" algn="ctr" defTabSz="800100">
+            <a:lnSpc>
+              <a:spcPct val="90000"/>
+            </a:lnSpc>
+            <a:spcBef>
+              <a:spcPct val="0"/>
+            </a:spcBef>
+            <a:spcAft>
+              <a:spcPct val="35000"/>
+            </a:spcAft>
+          </a:pPr>
+          <a:r>
+            <a:rPr lang="en-US" sz="1800" kern="1200" dirty="0" smtClean="0"/>
+            <a:t>Illumina</a:t>
+          </a:r>
+          <a:endParaRPr lang="en-US" sz="1800" kern="1200" dirty="0"/>
+        </a:p>
+      </dsp:txBody>
+      <dsp:txXfrm>
+        <a:off x="305148" y="2946427"/>
+        <a:ext cx="1209786" cy="604893"/>
+      </dsp:txXfrm>
+    </dsp:sp>
+    <dsp:sp modelId="{0623D2E2-8216-2547-8B72-7D3316E79B5E}">
+      <dsp:nvSpPr>
+        <dsp:cNvPr id="0" name=""/>
+        <dsp:cNvSpPr/>
+      </dsp:nvSpPr>
+      <dsp:spPr>
+        <a:xfrm>
+          <a:off x="305148" y="3805376"/>
+          <a:ext cx="1209786" cy="604893"/>
+        </a:xfrm>
+        <a:prstGeom prst="rect">
+          <a:avLst/>
+        </a:prstGeom>
+        <a:solidFill>
+          <a:schemeClr val="accent1">
+            <a:hueOff val="0"/>
+            <a:satOff val="0"/>
+            <a:lumOff val="0"/>
+            <a:alphaOff val="0"/>
+          </a:schemeClr>
+        </a:solidFill>
+        <a:ln w="25400" cap="flat" cmpd="sng" algn="ctr">
+          <a:solidFill>
+            <a:schemeClr val="lt1">
+              <a:hueOff val="0"/>
+              <a:satOff val="0"/>
+              <a:lumOff val="0"/>
+              <a:alphaOff val="0"/>
+            </a:schemeClr>
+          </a:solidFill>
+          <a:prstDash val="solid"/>
+        </a:ln>
+        <a:effectLst/>
+      </dsp:spPr>
+      <dsp:style>
+        <a:lnRef idx="2">
+          <a:scrgbClr r="0" g="0" b="0"/>
+        </a:lnRef>
+        <a:fillRef idx="1">
+          <a:scrgbClr r="0" g="0" b="0"/>
+        </a:fillRef>
+        <a:effectRef idx="0">
+          <a:scrgbClr r="0" g="0" b="0"/>
+        </a:effectRef>
+        <a:fontRef idx="minor">
+          <a:schemeClr val="lt1"/>
+        </a:fontRef>
+      </dsp:style>
+      <dsp:txBody>
+        <a:bodyPr spcFirstLastPara="0" vert="horz" wrap="square" lIns="11430" tIns="11430" rIns="11430" bIns="11430" numCol="1" spcCol="1270" anchor="ctr" anchorCtr="0">
+          <a:noAutofit/>
+        </a:bodyPr>
+        <a:lstStyle/>
+        <a:p>
+          <a:pPr lvl="0" algn="ctr" defTabSz="800100">
+            <a:lnSpc>
+              <a:spcPct val="90000"/>
+            </a:lnSpc>
+            <a:spcBef>
+              <a:spcPct val="0"/>
+            </a:spcBef>
+            <a:spcAft>
+              <a:spcPct val="35000"/>
+            </a:spcAft>
+          </a:pPr>
+          <a:r>
+            <a:rPr lang="en-US" sz="1800" kern="1200" dirty="0" smtClean="0"/>
+            <a:t>CGI</a:t>
+          </a:r>
+          <a:endParaRPr lang="en-US" sz="1800" kern="1200" dirty="0"/>
+        </a:p>
+      </dsp:txBody>
+      <dsp:txXfrm>
+        <a:off x="305148" y="3805376"/>
+        <a:ext cx="1209786" cy="604893"/>
+      </dsp:txXfrm>
+    </dsp:sp>
+    <dsp:sp modelId="{07D6C3E9-0F4D-354C-8A8E-C1C890BE8B8F}">
+      <dsp:nvSpPr>
+        <dsp:cNvPr id="0" name=""/>
+        <dsp:cNvSpPr/>
+      </dsp:nvSpPr>
+      <dsp:spPr>
+        <a:xfrm>
+          <a:off x="1466543" y="2087479"/>
+          <a:ext cx="1209786" cy="604893"/>
+        </a:xfrm>
+        <a:prstGeom prst="rect">
+          <a:avLst/>
+        </a:prstGeom>
+        <a:solidFill>
+          <a:schemeClr val="accent1">
+            <a:hueOff val="0"/>
+            <a:satOff val="0"/>
+            <a:lumOff val="0"/>
+            <a:alphaOff val="0"/>
+          </a:schemeClr>
+        </a:solidFill>
+        <a:ln w="25400" cap="flat" cmpd="sng" algn="ctr">
+          <a:solidFill>
+            <a:schemeClr val="lt1">
+              <a:hueOff val="0"/>
+              <a:satOff val="0"/>
+              <a:lumOff val="0"/>
+              <a:alphaOff val="0"/>
+            </a:schemeClr>
+          </a:solidFill>
+          <a:prstDash val="solid"/>
+        </a:ln>
+        <a:effectLst/>
+      </dsp:spPr>
+      <dsp:style>
+        <a:lnRef idx="2">
+          <a:scrgbClr r="0" g="0" b="0"/>
+        </a:lnRef>
+        <a:fillRef idx="1">
+          <a:scrgbClr r="0" g="0" b="0"/>
+        </a:fillRef>
+        <a:effectRef idx="0">
+          <a:scrgbClr r="0" g="0" b="0"/>
+        </a:effectRef>
+        <a:fontRef idx="minor">
+          <a:schemeClr val="lt1"/>
+        </a:fontRef>
+      </dsp:style>
+      <dsp:txBody>
+        <a:bodyPr spcFirstLastPara="0" vert="horz" wrap="square" lIns="11430" tIns="11430" rIns="11430" bIns="11430" numCol="1" spcCol="1270" anchor="ctr" anchorCtr="0">
+          <a:noAutofit/>
+        </a:bodyPr>
+        <a:lstStyle/>
+        <a:p>
+          <a:pPr lvl="0" algn="ctr" defTabSz="800100">
+            <a:lnSpc>
+              <a:spcPct val="90000"/>
+            </a:lnSpc>
+            <a:spcBef>
+              <a:spcPct val="0"/>
+            </a:spcBef>
+            <a:spcAft>
+              <a:spcPct val="35000"/>
+            </a:spcAft>
+          </a:pPr>
+          <a:r>
+            <a:rPr lang="en-US" sz="1800" kern="1200" dirty="0" smtClean="0"/>
+            <a:t>Methylation Data</a:t>
+          </a:r>
+          <a:endParaRPr lang="en-US" sz="1800" kern="1200" dirty="0"/>
+        </a:p>
+      </dsp:txBody>
+      <dsp:txXfrm>
+        <a:off x="1466543" y="2087479"/>
+        <a:ext cx="1209786" cy="604893"/>
+      </dsp:txXfrm>
+    </dsp:sp>
+    <dsp:sp modelId="{FC447555-3871-BB43-A2F7-AD21AE988035}">
+      <dsp:nvSpPr>
+        <dsp:cNvPr id="0" name=""/>
+        <dsp:cNvSpPr/>
+      </dsp:nvSpPr>
+      <dsp:spPr>
+        <a:xfrm>
+          <a:off x="2930385" y="2087479"/>
+          <a:ext cx="1209786" cy="604893"/>
+        </a:xfrm>
+        <a:prstGeom prst="rect">
+          <a:avLst/>
+        </a:prstGeom>
+        <a:solidFill>
+          <a:schemeClr val="accent1">
+            <a:hueOff val="0"/>
+            <a:satOff val="0"/>
+            <a:lumOff val="0"/>
+            <a:alphaOff val="0"/>
+          </a:schemeClr>
+        </a:solidFill>
+        <a:ln w="25400" cap="flat" cmpd="sng" algn="ctr">
+          <a:solidFill>
+            <a:schemeClr val="lt1">
+              <a:hueOff val="0"/>
+              <a:satOff val="0"/>
+              <a:lumOff val="0"/>
+              <a:alphaOff val="0"/>
+            </a:schemeClr>
+          </a:solidFill>
+          <a:prstDash val="solid"/>
+        </a:ln>
+        <a:effectLst/>
+      </dsp:spPr>
+      <dsp:style>
+        <a:lnRef idx="2">
+          <a:scrgbClr r="0" g="0" b="0"/>
+        </a:lnRef>
+        <a:fillRef idx="1">
+          <a:scrgbClr r="0" g="0" b="0"/>
+        </a:fillRef>
+        <a:effectRef idx="0">
+          <a:scrgbClr r="0" g="0" b="0"/>
+        </a:effectRef>
+        <a:fontRef idx="minor">
+          <a:schemeClr val="lt1"/>
+        </a:fontRef>
+      </dsp:style>
+      <dsp:txBody>
+        <a:bodyPr spcFirstLastPara="0" vert="horz" wrap="square" lIns="11430" tIns="11430" rIns="11430" bIns="11430" numCol="1" spcCol="1270" anchor="ctr" anchorCtr="0">
+          <a:noAutofit/>
+        </a:bodyPr>
+        <a:lstStyle/>
+        <a:p>
+          <a:pPr lvl="0" algn="ctr" defTabSz="800100">
+            <a:lnSpc>
+              <a:spcPct val="90000"/>
+            </a:lnSpc>
+            <a:spcBef>
+              <a:spcPct val="0"/>
+            </a:spcBef>
+            <a:spcAft>
+              <a:spcPct val="35000"/>
+            </a:spcAft>
+          </a:pPr>
+          <a:r>
+            <a:rPr lang="en-US" sz="1800" kern="1200" dirty="0" smtClean="0"/>
+            <a:t>RNAseq</a:t>
+          </a:r>
+          <a:endParaRPr lang="en-US" sz="1800" kern="1200" dirty="0"/>
+        </a:p>
+      </dsp:txBody>
+      <dsp:txXfrm>
+        <a:off x="2930385" y="2087479"/>
+        <a:ext cx="1209786" cy="604893"/>
+      </dsp:txXfrm>
+    </dsp:sp>
+    <dsp:sp modelId="{F38D0AC8-4286-9D44-AEF5-F3E1C076E279}">
+      <dsp:nvSpPr>
+        <dsp:cNvPr id="0" name=""/>
+        <dsp:cNvSpPr/>
+      </dsp:nvSpPr>
+      <dsp:spPr>
+        <a:xfrm>
+          <a:off x="4091780" y="1228530"/>
+          <a:ext cx="1209786" cy="604893"/>
+        </a:xfrm>
+        <a:prstGeom prst="rect">
+          <a:avLst/>
+        </a:prstGeom>
+        <a:solidFill>
+          <a:schemeClr val="accent1">
+            <a:hueOff val="0"/>
+            <a:satOff val="0"/>
+            <a:lumOff val="0"/>
+            <a:alphaOff val="0"/>
+          </a:schemeClr>
+        </a:solidFill>
+        <a:ln w="25400" cap="flat" cmpd="sng" algn="ctr">
+          <a:solidFill>
+            <a:schemeClr val="lt1">
+              <a:hueOff val="0"/>
+              <a:satOff val="0"/>
+              <a:lumOff val="0"/>
+              <a:alphaOff val="0"/>
+            </a:schemeClr>
+          </a:solidFill>
+          <a:prstDash val="solid"/>
+        </a:ln>
+        <a:effectLst/>
+      </dsp:spPr>
+      <dsp:style>
+        <a:lnRef idx="2">
+          <a:scrgbClr r="0" g="0" b="0"/>
+        </a:lnRef>
+        <a:fillRef idx="1">
+          <a:scrgbClr r="0" g="0" b="0"/>
+        </a:fillRef>
+        <a:effectRef idx="0">
+          <a:scrgbClr r="0" g="0" b="0"/>
+        </a:effectRef>
+        <a:fontRef idx="minor">
+          <a:schemeClr val="lt1"/>
+        </a:fontRef>
+      </dsp:style>
+      <dsp:txBody>
+        <a:bodyPr spcFirstLastPara="0" vert="horz" wrap="square" lIns="11430" tIns="11430" rIns="11430" bIns="11430" numCol="1" spcCol="1270" anchor="ctr" anchorCtr="0">
+          <a:noAutofit/>
+        </a:bodyPr>
+        <a:lstStyle/>
+        <a:p>
+          <a:pPr lvl="0" algn="ctr" defTabSz="800100">
+            <a:lnSpc>
+              <a:spcPct val="90000"/>
+            </a:lnSpc>
+            <a:spcBef>
+              <a:spcPct val="0"/>
+            </a:spcBef>
+            <a:spcAft>
+              <a:spcPct val="35000"/>
+            </a:spcAft>
+          </a:pPr>
+          <a:r>
+            <a:rPr lang="en-US" sz="1800" kern="1200" dirty="0" smtClean="0"/>
+            <a:t>Reference</a:t>
+          </a:r>
+          <a:endParaRPr lang="en-US" sz="1800" kern="1200" dirty="0"/>
+        </a:p>
+      </dsp:txBody>
+      <dsp:txXfrm>
+        <a:off x="4091780" y="1228530"/>
+        <a:ext cx="1209786" cy="604893"/>
+      </dsp:txXfrm>
+    </dsp:sp>
+    <dsp:sp modelId="{DECC0428-4761-314C-976F-D05AC74DAFB1}">
+      <dsp:nvSpPr>
+        <dsp:cNvPr id="0" name=""/>
+        <dsp:cNvSpPr/>
+      </dsp:nvSpPr>
+      <dsp:spPr>
+        <a:xfrm>
+          <a:off x="4394227" y="2087479"/>
+          <a:ext cx="1209786" cy="604893"/>
+        </a:xfrm>
+        <a:prstGeom prst="rect">
+          <a:avLst/>
+        </a:prstGeom>
+        <a:solidFill>
+          <a:schemeClr val="accent1">
+            <a:hueOff val="0"/>
+            <a:satOff val="0"/>
+            <a:lumOff val="0"/>
+            <a:alphaOff val="0"/>
+          </a:schemeClr>
+        </a:solidFill>
+        <a:ln w="25400" cap="flat" cmpd="sng" algn="ctr">
+          <a:solidFill>
+            <a:schemeClr val="lt1">
+              <a:hueOff val="0"/>
+              <a:satOff val="0"/>
+              <a:lumOff val="0"/>
+              <a:alphaOff val="0"/>
+            </a:schemeClr>
+          </a:solidFill>
+          <a:prstDash val="solid"/>
+        </a:ln>
+        <a:effectLst/>
+      </dsp:spPr>
+      <dsp:style>
+        <a:lnRef idx="2">
+          <a:scrgbClr r="0" g="0" b="0"/>
+        </a:lnRef>
+        <a:fillRef idx="1">
+          <a:scrgbClr r="0" g="0" b="0"/>
+        </a:fillRef>
+        <a:effectRef idx="0">
+          <a:scrgbClr r="0" g="0" b="0"/>
+        </a:effectRef>
+        <a:fontRef idx="minor">
+          <a:schemeClr val="lt1"/>
+        </a:fontRef>
+      </dsp:style>
+      <dsp:txBody>
+        <a:bodyPr spcFirstLastPara="0" vert="horz" wrap="square" lIns="11430" tIns="11430" rIns="11430" bIns="11430" numCol="1" spcCol="1270" anchor="ctr" anchorCtr="0">
+          <a:noAutofit/>
+        </a:bodyPr>
+        <a:lstStyle/>
+        <a:p>
+          <a:pPr lvl="0" algn="ctr" defTabSz="800100">
+            <a:lnSpc>
+              <a:spcPct val="90000"/>
+            </a:lnSpc>
+            <a:spcBef>
+              <a:spcPct val="0"/>
+            </a:spcBef>
+            <a:spcAft>
+              <a:spcPct val="35000"/>
+            </a:spcAft>
+          </a:pPr>
+          <a:r>
+            <a:rPr lang="en-US" sz="1800" kern="1200" dirty="0" smtClean="0"/>
+            <a:t>Gene Based</a:t>
+          </a:r>
+          <a:endParaRPr lang="en-US" sz="1800" kern="1200" dirty="0"/>
+        </a:p>
+      </dsp:txBody>
+      <dsp:txXfrm>
+        <a:off x="4394227" y="2087479"/>
+        <a:ext cx="1209786" cy="604893"/>
+      </dsp:txXfrm>
+    </dsp:sp>
+    <dsp:sp modelId="{1F1A7F86-FC05-8B40-BC5D-91193C3FC5C1}">
+      <dsp:nvSpPr>
+        <dsp:cNvPr id="0" name=""/>
+        <dsp:cNvSpPr/>
+      </dsp:nvSpPr>
+      <dsp:spPr>
+        <a:xfrm>
+          <a:off x="4394227" y="2946427"/>
+          <a:ext cx="1209786" cy="604893"/>
+        </a:xfrm>
+        <a:prstGeom prst="rect">
+          <a:avLst/>
+        </a:prstGeom>
+        <a:solidFill>
+          <a:schemeClr val="accent1">
+            <a:hueOff val="0"/>
+            <a:satOff val="0"/>
+            <a:lumOff val="0"/>
+            <a:alphaOff val="0"/>
+          </a:schemeClr>
+        </a:solidFill>
+        <a:ln w="25400" cap="flat" cmpd="sng" algn="ctr">
+          <a:solidFill>
+            <a:schemeClr val="lt1">
+              <a:hueOff val="0"/>
+              <a:satOff val="0"/>
+              <a:lumOff val="0"/>
+              <a:alphaOff val="0"/>
+            </a:schemeClr>
+          </a:solidFill>
+          <a:prstDash val="solid"/>
+        </a:ln>
+        <a:effectLst/>
+      </dsp:spPr>
+      <dsp:style>
+        <a:lnRef idx="2">
+          <a:scrgbClr r="0" g="0" b="0"/>
+        </a:lnRef>
+        <a:fillRef idx="1">
+          <a:scrgbClr r="0" g="0" b="0"/>
+        </a:fillRef>
+        <a:effectRef idx="0">
+          <a:scrgbClr r="0" g="0" b="0"/>
+        </a:effectRef>
+        <a:fontRef idx="minor">
+          <a:schemeClr val="lt1"/>
+        </a:fontRef>
+      </dsp:style>
+      <dsp:txBody>
+        <a:bodyPr spcFirstLastPara="0" vert="horz" wrap="square" lIns="11430" tIns="11430" rIns="11430" bIns="11430" numCol="1" spcCol="1270" anchor="ctr" anchorCtr="0">
+          <a:noAutofit/>
+        </a:bodyPr>
+        <a:lstStyle/>
+        <a:p>
+          <a:pPr lvl="0" algn="ctr" defTabSz="800100">
+            <a:lnSpc>
+              <a:spcPct val="90000"/>
+            </a:lnSpc>
+            <a:spcBef>
+              <a:spcPct val="0"/>
+            </a:spcBef>
+            <a:spcAft>
+              <a:spcPct val="35000"/>
+            </a:spcAft>
+          </a:pPr>
+          <a:r>
+            <a:rPr lang="en-US" sz="1800" kern="1200" dirty="0" smtClean="0"/>
+            <a:t>Region Based</a:t>
+          </a:r>
+          <a:endParaRPr lang="en-US" sz="1800" kern="1200" dirty="0"/>
+        </a:p>
+      </dsp:txBody>
+      <dsp:txXfrm>
+        <a:off x="4394227" y="2946427"/>
+        <a:ext cx="1209786" cy="604893"/>
+      </dsp:txXfrm>
+    </dsp:sp>
+    <dsp:sp modelId="{451ED913-F53C-034C-86B9-635D78763A3F}">
+      <dsp:nvSpPr>
+        <dsp:cNvPr id="0" name=""/>
+        <dsp:cNvSpPr/>
+      </dsp:nvSpPr>
+      <dsp:spPr>
+        <a:xfrm>
+          <a:off x="4394227" y="3805376"/>
+          <a:ext cx="1209786" cy="604893"/>
+        </a:xfrm>
+        <a:prstGeom prst="rect">
+          <a:avLst/>
+        </a:prstGeom>
+        <a:solidFill>
+          <a:schemeClr val="accent1">
+            <a:hueOff val="0"/>
+            <a:satOff val="0"/>
+            <a:lumOff val="0"/>
+            <a:alphaOff val="0"/>
+          </a:schemeClr>
+        </a:solidFill>
+        <a:ln w="25400" cap="flat" cmpd="sng" algn="ctr">
+          <a:solidFill>
+            <a:schemeClr val="lt1">
+              <a:hueOff val="0"/>
+              <a:satOff val="0"/>
+              <a:lumOff val="0"/>
+              <a:alphaOff val="0"/>
+            </a:schemeClr>
+          </a:solidFill>
+          <a:prstDash val="solid"/>
+        </a:ln>
+        <a:effectLst/>
+      </dsp:spPr>
+      <dsp:style>
+        <a:lnRef idx="2">
+          <a:scrgbClr r="0" g="0" b="0"/>
+        </a:lnRef>
+        <a:fillRef idx="1">
+          <a:scrgbClr r="0" g="0" b="0"/>
+        </a:fillRef>
+        <a:effectRef idx="0">
+          <a:scrgbClr r="0" g="0" b="0"/>
+        </a:effectRef>
+        <a:fontRef idx="minor">
+          <a:schemeClr val="lt1"/>
+        </a:fontRef>
+      </dsp:style>
+      <dsp:txBody>
+        <a:bodyPr spcFirstLastPara="0" vert="horz" wrap="square" lIns="11430" tIns="11430" rIns="11430" bIns="11430" numCol="1" spcCol="1270" anchor="ctr" anchorCtr="0">
+          <a:noAutofit/>
+        </a:bodyPr>
+        <a:lstStyle/>
+        <a:p>
+          <a:pPr lvl="0" algn="ctr" defTabSz="800100">
+            <a:lnSpc>
+              <a:spcPct val="90000"/>
+            </a:lnSpc>
+            <a:spcBef>
+              <a:spcPct val="0"/>
+            </a:spcBef>
+            <a:spcAft>
+              <a:spcPct val="35000"/>
+            </a:spcAft>
+          </a:pPr>
+          <a:r>
+            <a:rPr lang="en-US" sz="1800" kern="1200" dirty="0" smtClean="0"/>
+            <a:t>Position Based</a:t>
+          </a:r>
+          <a:endParaRPr lang="en-US" sz="1800" kern="1200" dirty="0"/>
+        </a:p>
+      </dsp:txBody>
+      <dsp:txXfrm>
+        <a:off x="4394227" y="3805376"/>
+        <a:ext cx="1209786" cy="604893"/>
+      </dsp:txXfrm>
+    </dsp:sp>
+    <dsp:sp modelId="{F0449D0F-C642-1944-B74F-6F5D3CAEE11D}">
+      <dsp:nvSpPr>
+        <dsp:cNvPr id="0" name=""/>
+        <dsp:cNvSpPr/>
+      </dsp:nvSpPr>
+      <dsp:spPr>
+        <a:xfrm>
+          <a:off x="4394227" y="4664324"/>
+          <a:ext cx="1209786" cy="604893"/>
+        </a:xfrm>
+        <a:prstGeom prst="rect">
+          <a:avLst/>
+        </a:prstGeom>
+        <a:solidFill>
+          <a:schemeClr val="accent1">
+            <a:hueOff val="0"/>
+            <a:satOff val="0"/>
+            <a:lumOff val="0"/>
+            <a:alphaOff val="0"/>
+          </a:schemeClr>
+        </a:solidFill>
+        <a:ln w="25400" cap="flat" cmpd="sng" algn="ctr">
+          <a:solidFill>
+            <a:schemeClr val="lt1">
+              <a:hueOff val="0"/>
+              <a:satOff val="0"/>
+              <a:lumOff val="0"/>
+              <a:alphaOff val="0"/>
+            </a:schemeClr>
+          </a:solidFill>
+          <a:prstDash val="solid"/>
+        </a:ln>
+        <a:effectLst/>
+      </dsp:spPr>
+      <dsp:style>
+        <a:lnRef idx="2">
+          <a:scrgbClr r="0" g="0" b="0"/>
+        </a:lnRef>
+        <a:fillRef idx="1">
+          <a:scrgbClr r="0" g="0" b="0"/>
+        </a:fillRef>
+        <a:effectRef idx="0">
+          <a:scrgbClr r="0" g="0" b="0"/>
+        </a:effectRef>
+        <a:fontRef idx="minor">
+          <a:schemeClr val="lt1"/>
+        </a:fontRef>
+      </dsp:style>
+      <dsp:txBody>
+        <a:bodyPr spcFirstLastPara="0" vert="horz" wrap="square" lIns="11430" tIns="11430" rIns="11430" bIns="11430" numCol="1" spcCol="1270" anchor="ctr" anchorCtr="0">
+          <a:noAutofit/>
+        </a:bodyPr>
+        <a:lstStyle/>
+        <a:p>
+          <a:pPr lvl="0" algn="ctr" defTabSz="800100">
+            <a:lnSpc>
+              <a:spcPct val="90000"/>
+            </a:lnSpc>
+            <a:spcBef>
+              <a:spcPct val="0"/>
+            </a:spcBef>
+            <a:spcAft>
+              <a:spcPct val="35000"/>
+            </a:spcAft>
+          </a:pPr>
+          <a:r>
+            <a:rPr lang="en-US" sz="1800" kern="1200" dirty="0" smtClean="0"/>
+            <a:t>Custom Sets</a:t>
+          </a:r>
+          <a:endParaRPr lang="en-US" sz="1800" kern="1200" dirty="0"/>
+        </a:p>
+      </dsp:txBody>
+      <dsp:txXfrm>
+        <a:off x="4394227" y="4664324"/>
+        <a:ext cx="1209786" cy="604893"/>
+      </dsp:txXfrm>
+    </dsp:sp>
+    <dsp:sp modelId="{0C6BF815-12A9-9546-A137-EAAA205FDC1A}">
+      <dsp:nvSpPr>
+        <dsp:cNvPr id="0" name=""/>
+        <dsp:cNvSpPr/>
+      </dsp:nvSpPr>
+      <dsp:spPr>
+        <a:xfrm>
+          <a:off x="6589990" y="1228530"/>
+          <a:ext cx="1209786" cy="604893"/>
+        </a:xfrm>
+        <a:prstGeom prst="rect">
+          <a:avLst/>
+        </a:prstGeom>
+        <a:solidFill>
+          <a:schemeClr val="accent1">
+            <a:hueOff val="0"/>
+            <a:satOff val="0"/>
+            <a:lumOff val="0"/>
+            <a:alphaOff val="0"/>
+          </a:schemeClr>
+        </a:solidFill>
+        <a:ln w="25400" cap="flat" cmpd="sng" algn="ctr">
+          <a:solidFill>
+            <a:schemeClr val="lt1">
+              <a:hueOff val="0"/>
+              <a:satOff val="0"/>
+              <a:lumOff val="0"/>
+              <a:alphaOff val="0"/>
+            </a:schemeClr>
+          </a:solidFill>
+          <a:prstDash val="solid"/>
+        </a:ln>
+        <a:effectLst/>
+      </dsp:spPr>
+      <dsp:style>
+        <a:lnRef idx="2">
+          <a:scrgbClr r="0" g="0" b="0"/>
+        </a:lnRef>
+        <a:fillRef idx="1">
+          <a:scrgbClr r="0" g="0" b="0"/>
+        </a:fillRef>
+        <a:effectRef idx="0">
+          <a:scrgbClr r="0" g="0" b="0"/>
+        </a:effectRef>
+        <a:fontRef idx="minor">
+          <a:schemeClr val="lt1"/>
+        </a:fontRef>
+      </dsp:style>
+      <dsp:txBody>
+        <a:bodyPr spcFirstLastPara="0" vert="horz" wrap="square" lIns="11430" tIns="11430" rIns="11430" bIns="11430" numCol="1" spcCol="1270" anchor="ctr" anchorCtr="0">
+          <a:noAutofit/>
+        </a:bodyPr>
+        <a:lstStyle/>
+        <a:p>
+          <a:pPr lvl="0" algn="ctr" defTabSz="800100">
+            <a:lnSpc>
+              <a:spcPct val="90000"/>
+            </a:lnSpc>
+            <a:spcBef>
+              <a:spcPct val="0"/>
+            </a:spcBef>
+            <a:spcAft>
+              <a:spcPct val="35000"/>
+            </a:spcAft>
+          </a:pPr>
+          <a:r>
+            <a:rPr lang="en-US" sz="1800" kern="1200" smtClean="0"/>
+            <a:t>Product</a:t>
+          </a:r>
+          <a:endParaRPr lang="en-US" sz="1800" kern="1200" dirty="0"/>
+        </a:p>
+      </dsp:txBody>
+      <dsp:txXfrm>
+        <a:off x="6589990" y="1228530"/>
+        <a:ext cx="1209786" cy="604893"/>
+      </dsp:txXfrm>
+    </dsp:sp>
+    <dsp:sp modelId="{982AA2E0-5DE7-7D49-B28D-B4FF21480386}">
+      <dsp:nvSpPr>
+        <dsp:cNvPr id="0" name=""/>
+        <dsp:cNvSpPr/>
+      </dsp:nvSpPr>
+      <dsp:spPr>
+        <a:xfrm>
+          <a:off x="5858069" y="2087479"/>
+          <a:ext cx="1209786" cy="604893"/>
+        </a:xfrm>
+        <a:prstGeom prst="rect">
+          <a:avLst/>
+        </a:prstGeom>
+        <a:solidFill>
+          <a:schemeClr val="accent1">
+            <a:hueOff val="0"/>
+            <a:satOff val="0"/>
+            <a:lumOff val="0"/>
+            <a:alphaOff val="0"/>
+          </a:schemeClr>
+        </a:solidFill>
+        <a:ln w="25400" cap="flat" cmpd="sng" algn="ctr">
+          <a:solidFill>
+            <a:schemeClr val="lt1">
+              <a:hueOff val="0"/>
+              <a:satOff val="0"/>
+              <a:lumOff val="0"/>
+              <a:alphaOff val="0"/>
+            </a:schemeClr>
+          </a:solidFill>
+          <a:prstDash val="solid"/>
+        </a:ln>
+        <a:effectLst/>
+      </dsp:spPr>
+      <dsp:style>
+        <a:lnRef idx="2">
+          <a:scrgbClr r="0" g="0" b="0"/>
+        </a:lnRef>
+        <a:fillRef idx="1">
+          <a:scrgbClr r="0" g="0" b="0"/>
+        </a:fillRef>
+        <a:effectRef idx="0">
+          <a:scrgbClr r="0" g="0" b="0"/>
+        </a:effectRef>
+        <a:fontRef idx="minor">
+          <a:schemeClr val="lt1"/>
+        </a:fontRef>
+      </dsp:style>
+      <dsp:txBody>
+        <a:bodyPr spcFirstLastPara="0" vert="horz" wrap="square" lIns="11430" tIns="11430" rIns="11430" bIns="11430" numCol="1" spcCol="1270" anchor="ctr" anchorCtr="0">
+          <a:noAutofit/>
+        </a:bodyPr>
+        <a:lstStyle/>
+        <a:p>
+          <a:pPr lvl="0" algn="ctr" defTabSz="800100">
+            <a:lnSpc>
+              <a:spcPct val="90000"/>
+            </a:lnSpc>
+            <a:spcBef>
+              <a:spcPct val="0"/>
+            </a:spcBef>
+            <a:spcAft>
+              <a:spcPct val="35000"/>
+            </a:spcAft>
+          </a:pPr>
+          <a:r>
+            <a:rPr lang="en-US" sz="1800" kern="1200" dirty="0" smtClean="0"/>
+            <a:t>Metadata</a:t>
+          </a:r>
+          <a:endParaRPr lang="en-US" sz="1800" kern="1200" dirty="0"/>
+        </a:p>
+      </dsp:txBody>
+      <dsp:txXfrm>
+        <a:off x="5858069" y="2087479"/>
+        <a:ext cx="1209786" cy="604893"/>
+      </dsp:txXfrm>
+    </dsp:sp>
+    <dsp:sp modelId="{57DB70AC-77EA-994A-8E02-90EB4FAEFCA2}">
+      <dsp:nvSpPr>
+        <dsp:cNvPr id="0" name=""/>
+        <dsp:cNvSpPr/>
+      </dsp:nvSpPr>
+      <dsp:spPr>
+        <a:xfrm>
+          <a:off x="6160516" y="2946427"/>
+          <a:ext cx="1209786" cy="604893"/>
+        </a:xfrm>
+        <a:prstGeom prst="rect">
+          <a:avLst/>
+        </a:prstGeom>
+        <a:solidFill>
+          <a:schemeClr val="accent1">
+            <a:hueOff val="0"/>
+            <a:satOff val="0"/>
+            <a:lumOff val="0"/>
+            <a:alphaOff val="0"/>
+          </a:schemeClr>
+        </a:solidFill>
+        <a:ln w="25400" cap="flat" cmpd="sng" algn="ctr">
+          <a:solidFill>
+            <a:schemeClr val="lt1">
+              <a:hueOff val="0"/>
+              <a:satOff val="0"/>
+              <a:lumOff val="0"/>
+              <a:alphaOff val="0"/>
+            </a:schemeClr>
+          </a:solidFill>
+          <a:prstDash val="solid"/>
+        </a:ln>
+        <a:effectLst/>
+      </dsp:spPr>
+      <dsp:style>
+        <a:lnRef idx="2">
+          <a:scrgbClr r="0" g="0" b="0"/>
+        </a:lnRef>
+        <a:fillRef idx="1">
+          <a:scrgbClr r="0" g="0" b="0"/>
+        </a:fillRef>
+        <a:effectRef idx="0">
+          <a:scrgbClr r="0" g="0" b="0"/>
+        </a:effectRef>
+        <a:fontRef idx="minor">
+          <a:schemeClr val="lt1"/>
+        </a:fontRef>
+      </dsp:style>
+      <dsp:txBody>
+        <a:bodyPr spcFirstLastPara="0" vert="horz" wrap="square" lIns="11430" tIns="11430" rIns="11430" bIns="11430" numCol="1" spcCol="1270" anchor="ctr" anchorCtr="0">
+          <a:noAutofit/>
+        </a:bodyPr>
+        <a:lstStyle/>
+        <a:p>
+          <a:pPr lvl="0" algn="ctr" defTabSz="800100">
+            <a:lnSpc>
+              <a:spcPct val="90000"/>
+            </a:lnSpc>
+            <a:spcBef>
+              <a:spcPct val="0"/>
+            </a:spcBef>
+            <a:spcAft>
+              <a:spcPct val="35000"/>
+            </a:spcAft>
+          </a:pPr>
+          <a:r>
+            <a:rPr lang="en-US" sz="1800" kern="1200" dirty="0" smtClean="0"/>
+            <a:t>ITMI</a:t>
+          </a:r>
+          <a:endParaRPr lang="en-US" sz="1800" kern="1200" dirty="0"/>
+        </a:p>
+      </dsp:txBody>
+      <dsp:txXfrm>
+        <a:off x="6160516" y="2946427"/>
+        <a:ext cx="1209786" cy="604893"/>
+      </dsp:txXfrm>
+    </dsp:sp>
+    <dsp:sp modelId="{5F8D12E8-5D9F-4C4C-A507-7F013058F1D3}">
+      <dsp:nvSpPr>
+        <dsp:cNvPr id="0" name=""/>
+        <dsp:cNvSpPr/>
+      </dsp:nvSpPr>
+      <dsp:spPr>
+        <a:xfrm>
+          <a:off x="6160516" y="3805376"/>
+          <a:ext cx="1209786" cy="604893"/>
+        </a:xfrm>
+        <a:prstGeom prst="rect">
+          <a:avLst/>
+        </a:prstGeom>
+        <a:solidFill>
+          <a:schemeClr val="accent1">
+            <a:hueOff val="0"/>
+            <a:satOff val="0"/>
+            <a:lumOff val="0"/>
+            <a:alphaOff val="0"/>
+          </a:schemeClr>
+        </a:solidFill>
+        <a:ln w="25400" cap="flat" cmpd="sng" algn="ctr">
+          <a:solidFill>
+            <a:schemeClr val="lt1">
+              <a:hueOff val="0"/>
+              <a:satOff val="0"/>
+              <a:lumOff val="0"/>
+              <a:alphaOff val="0"/>
+            </a:schemeClr>
+          </a:solidFill>
+          <a:prstDash val="solid"/>
+        </a:ln>
+        <a:effectLst/>
+      </dsp:spPr>
+      <dsp:style>
+        <a:lnRef idx="2">
+          <a:scrgbClr r="0" g="0" b="0"/>
+        </a:lnRef>
+        <a:fillRef idx="1">
+          <a:scrgbClr r="0" g="0" b="0"/>
+        </a:fillRef>
+        <a:effectRef idx="0">
+          <a:scrgbClr r="0" g="0" b="0"/>
+        </a:effectRef>
+        <a:fontRef idx="minor">
+          <a:schemeClr val="lt1"/>
+        </a:fontRef>
+      </dsp:style>
+      <dsp:txBody>
+        <a:bodyPr spcFirstLastPara="0" vert="horz" wrap="square" lIns="11430" tIns="11430" rIns="11430" bIns="11430" numCol="1" spcCol="1270" anchor="ctr" anchorCtr="0">
+          <a:noAutofit/>
+        </a:bodyPr>
+        <a:lstStyle/>
+        <a:p>
+          <a:pPr lvl="0" algn="ctr" defTabSz="800100">
+            <a:lnSpc>
+              <a:spcPct val="90000"/>
+            </a:lnSpc>
+            <a:spcBef>
+              <a:spcPct val="0"/>
+            </a:spcBef>
+            <a:spcAft>
+              <a:spcPct val="35000"/>
+            </a:spcAft>
+          </a:pPr>
+          <a:r>
+            <a:rPr lang="en-US" sz="1800" kern="1200" dirty="0" smtClean="0"/>
+            <a:t>File</a:t>
+          </a:r>
+          <a:endParaRPr lang="en-US" sz="1800" kern="1200" dirty="0"/>
+        </a:p>
+      </dsp:txBody>
+      <dsp:txXfrm>
+        <a:off x="6160516" y="3805376"/>
+        <a:ext cx="1209786" cy="604893"/>
+      </dsp:txXfrm>
+    </dsp:sp>
+    <dsp:sp modelId="{9BC72BCD-D8EC-404C-B355-2649FEB233C7}">
+      <dsp:nvSpPr>
+        <dsp:cNvPr id="0" name=""/>
+        <dsp:cNvSpPr/>
+      </dsp:nvSpPr>
+      <dsp:spPr>
+        <a:xfrm>
+          <a:off x="6160516" y="4664324"/>
+          <a:ext cx="1209786" cy="604893"/>
+        </a:xfrm>
+        <a:prstGeom prst="rect">
+          <a:avLst/>
+        </a:prstGeom>
+        <a:solidFill>
+          <a:schemeClr val="accent1">
+            <a:hueOff val="0"/>
+            <a:satOff val="0"/>
+            <a:lumOff val="0"/>
+            <a:alphaOff val="0"/>
+          </a:schemeClr>
+        </a:solidFill>
+        <a:ln w="25400" cap="flat" cmpd="sng" algn="ctr">
+          <a:solidFill>
+            <a:schemeClr val="lt1">
+              <a:hueOff val="0"/>
+              <a:satOff val="0"/>
+              <a:lumOff val="0"/>
+              <a:alphaOff val="0"/>
+            </a:schemeClr>
+          </a:solidFill>
+          <a:prstDash val="solid"/>
+        </a:ln>
+        <a:effectLst/>
+      </dsp:spPr>
+      <dsp:style>
+        <a:lnRef idx="2">
+          <a:scrgbClr r="0" g="0" b="0"/>
+        </a:lnRef>
+        <a:fillRef idx="1">
+          <a:scrgbClr r="0" g="0" b="0"/>
+        </a:fillRef>
+        <a:effectRef idx="0">
+          <a:scrgbClr r="0" g="0" b="0"/>
+        </a:effectRef>
+        <a:fontRef idx="minor">
+          <a:schemeClr val="lt1"/>
+        </a:fontRef>
+      </dsp:style>
+      <dsp:txBody>
+        <a:bodyPr spcFirstLastPara="0" vert="horz" wrap="square" lIns="11430" tIns="11430" rIns="11430" bIns="11430" numCol="1" spcCol="1270" anchor="ctr" anchorCtr="0">
+          <a:noAutofit/>
+        </a:bodyPr>
+        <a:lstStyle/>
+        <a:p>
+          <a:pPr lvl="0" algn="ctr" defTabSz="800100">
+            <a:lnSpc>
+              <a:spcPct val="90000"/>
+            </a:lnSpc>
+            <a:spcBef>
+              <a:spcPct val="0"/>
+            </a:spcBef>
+            <a:spcAft>
+              <a:spcPct val="35000"/>
+            </a:spcAft>
+          </a:pPr>
+          <a:r>
+            <a:rPr lang="en-US" sz="1800" kern="1200" dirty="0" smtClean="0"/>
+            <a:t>Subject</a:t>
+          </a:r>
+          <a:endParaRPr lang="en-US" sz="1800" kern="1200" dirty="0"/>
+        </a:p>
+      </dsp:txBody>
+      <dsp:txXfrm>
+        <a:off x="6160516" y="4664324"/>
+        <a:ext cx="1209786" cy="604893"/>
+      </dsp:txXfrm>
+    </dsp:sp>
+    <dsp:sp modelId="{C313C9E9-E4A1-1246-B94C-4E536F4A34C2}">
+      <dsp:nvSpPr>
+        <dsp:cNvPr id="0" name=""/>
+        <dsp:cNvSpPr/>
+      </dsp:nvSpPr>
+      <dsp:spPr>
+        <a:xfrm>
+          <a:off x="7321911" y="2087479"/>
+          <a:ext cx="1209786" cy="604893"/>
+        </a:xfrm>
+        <a:prstGeom prst="rect">
+          <a:avLst/>
+        </a:prstGeom>
+        <a:solidFill>
+          <a:schemeClr val="accent1">
+            <a:hueOff val="0"/>
+            <a:satOff val="0"/>
+            <a:lumOff val="0"/>
+            <a:alphaOff val="0"/>
+          </a:schemeClr>
+        </a:solidFill>
+        <a:ln w="25400" cap="flat" cmpd="sng" algn="ctr">
+          <a:solidFill>
+            <a:schemeClr val="lt1">
+              <a:hueOff val="0"/>
+              <a:satOff val="0"/>
+              <a:lumOff val="0"/>
+              <a:alphaOff val="0"/>
+            </a:schemeClr>
+          </a:solidFill>
+          <a:prstDash val="solid"/>
+        </a:ln>
+        <a:effectLst/>
+      </dsp:spPr>
+      <dsp:style>
+        <a:lnRef idx="2">
+          <a:scrgbClr r="0" g="0" b="0"/>
+        </a:lnRef>
+        <a:fillRef idx="1">
+          <a:scrgbClr r="0" g="0" b="0"/>
+        </a:fillRef>
+        <a:effectRef idx="0">
+          <a:scrgbClr r="0" g="0" b="0"/>
+        </a:effectRef>
+        <a:fontRef idx="minor">
+          <a:schemeClr val="lt1"/>
+        </a:fontRef>
+      </dsp:style>
+      <dsp:txBody>
+        <a:bodyPr spcFirstLastPara="0" vert="horz" wrap="square" lIns="11430" tIns="11430" rIns="11430" bIns="11430" numCol="1" spcCol="1270" anchor="ctr" anchorCtr="0">
+          <a:noAutofit/>
+        </a:bodyPr>
+        <a:lstStyle/>
+        <a:p>
+          <a:pPr lvl="0" algn="ctr" defTabSz="800100">
+            <a:lnSpc>
+              <a:spcPct val="90000"/>
+            </a:lnSpc>
+            <a:spcBef>
+              <a:spcPct val="0"/>
+            </a:spcBef>
+            <a:spcAft>
+              <a:spcPct val="35000"/>
+            </a:spcAft>
+          </a:pPr>
+          <a:r>
+            <a:rPr lang="en-US" sz="1800" kern="1200" dirty="0" smtClean="0"/>
+            <a:t>ETL log</a:t>
+          </a:r>
+          <a:endParaRPr lang="en-US" sz="1800" kern="1200" dirty="0"/>
+        </a:p>
+      </dsp:txBody>
+      <dsp:txXfrm>
+        <a:off x="7321911" y="2087479"/>
+        <a:ext cx="1209786" cy="604893"/>
+      </dsp:txXfrm>
+    </dsp:sp>
   </dsp:spTree>
 </dsp:drawing>
 </file>
@@ -23666,7 +26504,7 @@
             <a:fld id="{83AD0C6C-0610-4D10-9E74-069D2C23B794}" type="slidenum">
               <a:rPr lang="en-US" smtClean="0"/>
               <a:pPr/>
-              <a:t>25</a:t>
+              <a:t>26</a:t>
             </a:fld>
             <a:endParaRPr lang="en-US"/>
           </a:p>
@@ -23753,7 +26591,7 @@
             <a:fld id="{83AD0C6C-0610-4D10-9E74-069D2C23B794}" type="slidenum">
               <a:rPr lang="en-US" smtClean="0"/>
               <a:pPr/>
-              <a:t>26</a:t>
+              <a:t>27</a:t>
             </a:fld>
             <a:endParaRPr lang="en-US"/>
           </a:p>
@@ -23840,7 +26678,7 @@
             <a:fld id="{83AD0C6C-0610-4D10-9E74-069D2C23B794}" type="slidenum">
               <a:rPr lang="en-US" smtClean="0"/>
               <a:pPr/>
-              <a:t>27</a:t>
+              <a:t>28</a:t>
             </a:fld>
             <a:endParaRPr lang="en-US"/>
           </a:p>
@@ -23927,7 +26765,7 @@
             <a:fld id="{83AD0C6C-0610-4D10-9E74-069D2C23B794}" type="slidenum">
               <a:rPr lang="en-US" smtClean="0"/>
               <a:pPr/>
-              <a:t>28</a:t>
+              <a:t>29</a:t>
             </a:fld>
             <a:endParaRPr lang="en-US"/>
           </a:p>
@@ -24014,7 +26852,7 @@
             <a:fld id="{83AD0C6C-0610-4D10-9E74-069D2C23B794}" type="slidenum">
               <a:rPr lang="en-US" smtClean="0"/>
               <a:pPr/>
-              <a:t>30</a:t>
+              <a:t>31</a:t>
             </a:fld>
             <a:endParaRPr lang="en-US"/>
           </a:p>
@@ -24099,7 +26937,7 @@
             <a:fld id="{83AD0C6C-0610-4D10-9E74-069D2C23B794}" type="slidenum">
               <a:rPr lang="en-US" smtClean="0"/>
               <a:pPr/>
-              <a:t>32</a:t>
+              <a:t>33</a:t>
             </a:fld>
             <a:endParaRPr lang="en-US"/>
           </a:p>
@@ -24186,7 +27024,7 @@
             <a:fld id="{83AD0C6C-0610-4D10-9E74-069D2C23B794}" type="slidenum">
               <a:rPr lang="en-US" smtClean="0"/>
               <a:pPr/>
-              <a:t>33</a:t>
+              <a:t>35</a:t>
             </a:fld>
             <a:endParaRPr lang="en-US"/>
           </a:p>
@@ -24273,7 +27111,7 @@
             <a:fld id="{83AD0C6C-0610-4D10-9E74-069D2C23B794}" type="slidenum">
               <a:rPr lang="en-US" smtClean="0"/>
               <a:pPr/>
-              <a:t>34</a:t>
+              <a:t>36</a:t>
             </a:fld>
             <a:endParaRPr lang="en-US"/>
           </a:p>
@@ -24446,6 +27284,10 @@
           <a:bodyPr/>
           <a:lstStyle/>
           <a:p>
+            <a:r>
+              <a:rPr lang="en-US" dirty="0" smtClean="0"/>
+              <a:t>https://github.com/summerela/impala_scripts/blob/master/training/connecting.pptx</a:t>
+            </a:r>
             <a:endParaRPr lang="en-US" dirty="0"/>
           </a:p>
         </p:txBody>
@@ -24626,6 +27468,31 @@
           <a:bodyPr/>
           <a:lstStyle/>
           <a:p>
+            <a:r>
+              <a:rPr lang="en-US" dirty="0" smtClean="0"/>
+              <a:t>Queries:</a:t>
+            </a:r>
+          </a:p>
+          <a:p>
+            <a:r>
+              <a:rPr lang="en-US" dirty="0" smtClean="0"/>
+              <a:t>https://github.com/summerela/impala_scripts/blob/master/training/Building%20Queries.pptx</a:t>
+            </a:r>
+          </a:p>
+          <a:p>
+            <a:endParaRPr lang="en-US" dirty="0" smtClean="0"/>
+          </a:p>
+          <a:p>
+            <a:r>
+              <a:rPr lang="en-US" dirty="0" smtClean="0"/>
+              <a:t>Pipelines:</a:t>
+            </a:r>
+          </a:p>
+          <a:p>
+            <a:r>
+              <a:rPr lang="en-US" dirty="0" smtClean="0"/>
+              <a:t>https://github.com/summerela/impala_scripts/blob/master/training/Pipelines.pptx</a:t>
+            </a:r>
             <a:endParaRPr lang="en-US" dirty="0"/>
           </a:p>
         </p:txBody>
@@ -24668,6 +27535,176 @@
 </file>
 
 <file path=ppt/notesSlides/notesSlide21.xml><?xml version="1.0" encoding="utf-8"?>
+<p:notes xmlns:a="http://schemas.openxmlformats.org/drawingml/2006/main" xmlns:r="http://schemas.openxmlformats.org/officeDocument/2006/relationships" xmlns:p="http://schemas.openxmlformats.org/presentationml/2006/main">
+  <p:cSld>
+    <p:spTree>
+      <p:nvGrpSpPr>
+        <p:cNvPr id="1" name=""/>
+        <p:cNvGrpSpPr/>
+        <p:nvPr/>
+      </p:nvGrpSpPr>
+      <p:grpSpPr>
+        <a:xfrm>
+          <a:off x="0" y="0"/>
+          <a:ext cx="0" cy="0"/>
+          <a:chOff x="0" y="0"/>
+          <a:chExt cx="0" cy="0"/>
+        </a:xfrm>
+      </p:grpSpPr>
+      <p:sp>
+        <p:nvSpPr>
+          <p:cNvPr id="2" name="Slide Image Placeholder 1"/>
+          <p:cNvSpPr>
+            <a:spLocks noGrp="1" noRot="1" noChangeAspect="1"/>
+          </p:cNvSpPr>
+          <p:nvPr>
+            <p:ph type="sldImg"/>
+          </p:nvPr>
+        </p:nvSpPr>
+        <p:spPr/>
+      </p:sp>
+      <p:sp>
+        <p:nvSpPr>
+          <p:cNvPr id="3" name="Notes Placeholder 2"/>
+          <p:cNvSpPr>
+            <a:spLocks noGrp="1"/>
+          </p:cNvSpPr>
+          <p:nvPr>
+            <p:ph type="body" idx="1"/>
+          </p:nvPr>
+        </p:nvSpPr>
+        <p:spPr/>
+        <p:txBody>
+          <a:bodyPr/>
+          <a:lstStyle/>
+          <a:p>
+            <a:endParaRPr lang="en-US" dirty="0"/>
+          </a:p>
+        </p:txBody>
+      </p:sp>
+      <p:sp>
+        <p:nvSpPr>
+          <p:cNvPr id="4" name="Slide Number Placeholder 3"/>
+          <p:cNvSpPr>
+            <a:spLocks noGrp="1"/>
+          </p:cNvSpPr>
+          <p:nvPr>
+            <p:ph type="sldNum" sz="quarter" idx="10"/>
+          </p:nvPr>
+        </p:nvSpPr>
+        <p:spPr/>
+        <p:txBody>
+          <a:bodyPr/>
+          <a:lstStyle/>
+          <a:p>
+            <a:fld id="{83AD0C6C-0610-4D10-9E74-069D2C23B794}" type="slidenum">
+              <a:rPr lang="en-US" smtClean="0"/>
+              <a:pPr/>
+              <a:t>50</a:t>
+            </a:fld>
+            <a:endParaRPr lang="en-US"/>
+          </a:p>
+        </p:txBody>
+      </p:sp>
+    </p:spTree>
+    <p:extLst>
+      <p:ext uri="{BB962C8B-B14F-4D97-AF65-F5344CB8AC3E}">
+        <p14:creationId xmlns:p14="http://schemas.microsoft.com/office/powerpoint/2010/main" val="3449026176"/>
+      </p:ext>
+    </p:extLst>
+  </p:cSld>
+  <p:clrMapOvr>
+    <a:masterClrMapping/>
+  </p:clrMapOvr>
+</p:notes>
+</file>
+
+<file path=ppt/notesSlides/notesSlide22.xml><?xml version="1.0" encoding="utf-8"?>
+<p:notes xmlns:a="http://schemas.openxmlformats.org/drawingml/2006/main" xmlns:r="http://schemas.openxmlformats.org/officeDocument/2006/relationships" xmlns:p="http://schemas.openxmlformats.org/presentationml/2006/main">
+  <p:cSld>
+    <p:spTree>
+      <p:nvGrpSpPr>
+        <p:cNvPr id="1" name=""/>
+        <p:cNvGrpSpPr/>
+        <p:nvPr/>
+      </p:nvGrpSpPr>
+      <p:grpSpPr>
+        <a:xfrm>
+          <a:off x="0" y="0"/>
+          <a:ext cx="0" cy="0"/>
+          <a:chOff x="0" y="0"/>
+          <a:chExt cx="0" cy="0"/>
+        </a:xfrm>
+      </p:grpSpPr>
+      <p:sp>
+        <p:nvSpPr>
+          <p:cNvPr id="2" name="Slide Image Placeholder 1"/>
+          <p:cNvSpPr>
+            <a:spLocks noGrp="1" noRot="1" noChangeAspect="1"/>
+          </p:cNvSpPr>
+          <p:nvPr>
+            <p:ph type="sldImg"/>
+          </p:nvPr>
+        </p:nvSpPr>
+        <p:spPr/>
+      </p:sp>
+      <p:sp>
+        <p:nvSpPr>
+          <p:cNvPr id="3" name="Notes Placeholder 2"/>
+          <p:cNvSpPr>
+            <a:spLocks noGrp="1"/>
+          </p:cNvSpPr>
+          <p:nvPr>
+            <p:ph type="body" idx="1"/>
+          </p:nvPr>
+        </p:nvSpPr>
+        <p:spPr/>
+        <p:txBody>
+          <a:bodyPr/>
+          <a:lstStyle/>
+          <a:p>
+            <a:endParaRPr lang="en-US" dirty="0"/>
+          </a:p>
+        </p:txBody>
+      </p:sp>
+      <p:sp>
+        <p:nvSpPr>
+          <p:cNvPr id="4" name="Slide Number Placeholder 3"/>
+          <p:cNvSpPr>
+            <a:spLocks noGrp="1"/>
+          </p:cNvSpPr>
+          <p:nvPr>
+            <p:ph type="sldNum" sz="quarter" idx="10"/>
+          </p:nvPr>
+        </p:nvSpPr>
+        <p:spPr/>
+        <p:txBody>
+          <a:bodyPr/>
+          <a:lstStyle/>
+          <a:p>
+            <a:fld id="{83AD0C6C-0610-4D10-9E74-069D2C23B794}" type="slidenum">
+              <a:rPr lang="en-US" smtClean="0"/>
+              <a:pPr/>
+              <a:t>51</a:t>
+            </a:fld>
+            <a:endParaRPr lang="en-US"/>
+          </a:p>
+        </p:txBody>
+      </p:sp>
+    </p:spTree>
+    <p:extLst>
+      <p:ext uri="{BB962C8B-B14F-4D97-AF65-F5344CB8AC3E}">
+        <p14:creationId xmlns:p14="http://schemas.microsoft.com/office/powerpoint/2010/main" val="3267658814"/>
+      </p:ext>
+    </p:extLst>
+  </p:cSld>
+  <p:clrMapOvr>
+    <a:masterClrMapping/>
+  </p:clrMapOvr>
+</p:notes>
+</file>
+
+<file path=ppt/notesSlides/notesSlide23.xml><?xml version="1.0" encoding="utf-8"?>
 <p:notes xmlns:a="http://schemas.openxmlformats.org/drawingml/2006/main" xmlns:r="http://schemas.openxmlformats.org/officeDocument/2006/relationships" xmlns:p="http://schemas.openxmlformats.org/presentationml/2006/main">
   <p:cSld>
     <p:spTree>
@@ -24905,7 +27942,7 @@
             <a:fld id="{83AD0C6C-0610-4D10-9E74-069D2C23B794}" type="slidenum">
               <a:rPr lang="en-US" smtClean="0"/>
               <a:pPr/>
-              <a:t>19</a:t>
+              <a:t>20</a:t>
             </a:fld>
             <a:endParaRPr lang="en-US"/>
           </a:p>
@@ -24992,7 +28029,7 @@
             <a:fld id="{83AD0C6C-0610-4D10-9E74-069D2C23B794}" type="slidenum">
               <a:rPr lang="en-US" smtClean="0"/>
               <a:pPr/>
-              <a:t>20</a:t>
+              <a:t>21</a:t>
             </a:fld>
             <a:endParaRPr lang="en-US"/>
           </a:p>
@@ -25079,7 +28116,7 @@
             <a:fld id="{83AD0C6C-0610-4D10-9E74-069D2C23B794}" type="slidenum">
               <a:rPr lang="en-US" smtClean="0"/>
               <a:pPr/>
-              <a:t>21</a:t>
+              <a:t>22</a:t>
             </a:fld>
             <a:endParaRPr lang="en-US"/>
           </a:p>
@@ -25166,7 +28203,7 @@
             <a:fld id="{83AD0C6C-0610-4D10-9E74-069D2C23B794}" type="slidenum">
               <a:rPr lang="en-US" smtClean="0"/>
               <a:pPr/>
-              <a:t>22</a:t>
+              <a:t>23</a:t>
             </a:fld>
             <a:endParaRPr lang="en-US"/>
           </a:p>
@@ -25253,7 +28290,7 @@
             <a:fld id="{83AD0C6C-0610-4D10-9E74-069D2C23B794}" type="slidenum">
               <a:rPr lang="en-US" smtClean="0"/>
               <a:pPr/>
-              <a:t>23</a:t>
+              <a:t>24</a:t>
             </a:fld>
             <a:endParaRPr lang="en-US"/>
           </a:p>
@@ -25340,7 +28377,7 @@
             <a:fld id="{83AD0C6C-0610-4D10-9E74-069D2C23B794}" type="slidenum">
               <a:rPr lang="en-US" smtClean="0"/>
               <a:pPr/>
-              <a:t>24</a:t>
+              <a:t>25</a:t>
             </a:fld>
             <a:endParaRPr lang="en-US"/>
           </a:p>
@@ -29680,13 +32717,26 @@
               <a:t>Summer </a:t>
             </a:r>
             <a:r>
+              <a:rPr lang="en-US" dirty="0" smtClean="0"/>
+              <a:t>Elasady</a:t>
+            </a:r>
+            <a:r>
+              <a:rPr lang="en-US" dirty="0" smtClean="0"/>
+              <a:t>, </a:t>
+            </a:r>
+            <a:r>
+              <a:rPr lang="en-US" dirty="0" smtClean="0"/>
+              <a:t>Denise Mauldin, Joe </a:t>
+            </a:r>
+            <a:r>
               <a:rPr lang="en-US" dirty="0" err="1" smtClean="0"/>
-              <a:t>Elasady</a:t>
+              <a:t>Slagel</a:t>
             </a:r>
             <a:r>
               <a:rPr lang="en-US" dirty="0" smtClean="0"/>
-              <a:t> and Denise Mauldin</a:t>
-            </a:r>
+              <a:t> and Brady Bernard</a:t>
+            </a:r>
+            <a:endParaRPr lang="en-US" dirty="0" smtClean="0"/>
           </a:p>
           <a:p>
             <a:r>
@@ -29746,6 +32796,125 @@
           <a:p>
             <a:r>
               <a:rPr lang="en-US" dirty="0" smtClean="0"/>
+              <a:t>ACMG Actionable Genes</a:t>
+            </a:r>
+            <a:endParaRPr lang="en-US" dirty="0"/>
+          </a:p>
+        </p:txBody>
+      </p:sp>
+      <p:pic>
+        <p:nvPicPr>
+          <p:cNvPr id="5" name="Picture 4"/>
+          <p:cNvPicPr>
+            <a:picLocks noChangeAspect="1"/>
+          </p:cNvPicPr>
+          <p:nvPr/>
+        </p:nvPicPr>
+        <p:blipFill rotWithShape="1">
+          <a:blip r:embed="rId2"/>
+          <a:srcRect t="1717" r="44570"/>
+          <a:stretch/>
+        </p:blipFill>
+        <p:spPr>
+          <a:xfrm>
+            <a:off x="2590800" y="4860284"/>
+            <a:ext cx="3436948" cy="1235716"/>
+          </a:xfrm>
+          <a:prstGeom prst="rect">
+            <a:avLst/>
+          </a:prstGeom>
+        </p:spPr>
+      </p:pic>
+      <p:pic>
+        <p:nvPicPr>
+          <p:cNvPr id="8" name="Picture 7"/>
+          <p:cNvPicPr>
+            <a:picLocks noChangeAspect="1"/>
+          </p:cNvPicPr>
+          <p:nvPr/>
+        </p:nvPicPr>
+        <p:blipFill>
+          <a:blip r:embed="rId3">
+            <a:extLst>
+              <a:ext uri="{BEBA8EAE-BF5A-486C-A8C5-ECC9F3942E4B}">
+                <a14:imgProps xmlns:a14="http://schemas.microsoft.com/office/drawing/2010/main">
+                  <a14:imgLayer r:embed="rId4">
+                    <a14:imgEffect>
+                      <a14:sharpenSoften amount="25000"/>
+                    </a14:imgEffect>
+                  </a14:imgLayer>
+                </a14:imgProps>
+              </a:ext>
+            </a:extLst>
+          </a:blip>
+          <a:stretch>
+            <a:fillRect/>
+          </a:stretch>
+        </p:blipFill>
+        <p:spPr>
+          <a:xfrm>
+            <a:off x="457200" y="1371600"/>
+            <a:ext cx="8343900" cy="3200400"/>
+          </a:xfrm>
+          <a:prstGeom prst="rect">
+            <a:avLst/>
+          </a:prstGeom>
+        </p:spPr>
+      </p:pic>
+    </p:spTree>
+    <p:extLst>
+      <p:ext uri="{BB962C8B-B14F-4D97-AF65-F5344CB8AC3E}">
+        <p14:creationId xmlns:p14="http://schemas.microsoft.com/office/powerpoint/2010/main" val="1241351818"/>
+      </p:ext>
+    </p:extLst>
+  </p:cSld>
+  <p:clrMapOvr>
+    <a:masterClrMapping/>
+  </p:clrMapOvr>
+  <p:timing>
+    <p:tnLst>
+      <p:par>
+        <p:cTn id="1" dur="indefinite" restart="never" nodeType="tmRoot"/>
+      </p:par>
+    </p:tnLst>
+  </p:timing>
+</p:sld>
+</file>
+
+<file path=ppt/slides/slide11.xml><?xml version="1.0" encoding="utf-8"?>
+<p:sld xmlns:a="http://schemas.openxmlformats.org/drawingml/2006/main" xmlns:r="http://schemas.openxmlformats.org/officeDocument/2006/relationships" xmlns:p="http://schemas.openxmlformats.org/presentationml/2006/main">
+  <p:cSld>
+    <p:spTree>
+      <p:nvGrpSpPr>
+        <p:cNvPr id="1" name=""/>
+        <p:cNvGrpSpPr/>
+        <p:nvPr/>
+      </p:nvGrpSpPr>
+      <p:grpSpPr>
+        <a:xfrm>
+          <a:off x="0" y="0"/>
+          <a:ext cx="0" cy="0"/>
+          <a:chOff x="0" y="0"/>
+          <a:chExt cx="0" cy="0"/>
+        </a:xfrm>
+      </p:grpSpPr>
+      <p:sp>
+        <p:nvSpPr>
+          <p:cNvPr id="2" name="Title 1"/>
+          <p:cNvSpPr>
+            <a:spLocks noGrp="1"/>
+          </p:cNvSpPr>
+          <p:nvPr>
+            <p:ph type="title"/>
+          </p:nvPr>
+        </p:nvSpPr>
+        <p:spPr/>
+        <p:txBody>
+          <a:bodyPr/>
+          <a:lstStyle/>
+          <a:p>
+            <a:r>
+              <a:rPr lang="en-US" dirty="0" smtClean="0"/>
               <a:t>ACMG Genes: Impala Solution</a:t>
             </a:r>
             <a:endParaRPr lang="en-US" dirty="0"/>
@@ -29797,7 +32966,7 @@
 </p:sld>
 </file>
 
-<file path=ppt/slides/slide11.xml><?xml version="1.0" encoding="utf-8"?>
+<file path=ppt/slides/slide12.xml><?xml version="1.0" encoding="utf-8"?>
 <p:sld xmlns:a="http://schemas.openxmlformats.org/drawingml/2006/main" xmlns:r="http://schemas.openxmlformats.org/officeDocument/2006/relationships" xmlns:p="http://schemas.openxmlformats.org/presentationml/2006/main">
   <p:cSld>
     <p:spTree>
@@ -29965,7 +33134,7 @@
 </p:sld>
 </file>
 
-<file path=ppt/slides/slide12.xml><?xml version="1.0" encoding="utf-8"?>
+<file path=ppt/slides/slide13.xml><?xml version="1.0" encoding="utf-8"?>
 <p:sld xmlns:a="http://schemas.openxmlformats.org/drawingml/2006/main" xmlns:r="http://schemas.openxmlformats.org/officeDocument/2006/relationships" xmlns:p="http://schemas.openxmlformats.org/presentationml/2006/main">
   <p:cSld>
     <p:spTree>
@@ -30050,7 +33219,7 @@
 </p:sld>
 </file>
 
-<file path=ppt/slides/slide13.xml><?xml version="1.0" encoding="utf-8"?>
+<file path=ppt/slides/slide14.xml><?xml version="1.0" encoding="utf-8"?>
 <p:sld xmlns:a="http://schemas.openxmlformats.org/drawingml/2006/main" xmlns:r="http://schemas.openxmlformats.org/officeDocument/2006/relationships" xmlns:p="http://schemas.openxmlformats.org/presentationml/2006/main">
   <p:cSld>
     <p:spTree>
@@ -30123,7 +33292,7 @@
         </p:nvGrpSpPr>
         <p:grpSpPr>
           <a:xfrm>
-            <a:off x="7315200" y="2667000"/>
+            <a:off x="7086600" y="2667000"/>
             <a:ext cx="1828800" cy="1981200"/>
             <a:chOff x="5257800" y="1905000"/>
             <a:chExt cx="2133600" cy="2286000"/>
@@ -30227,7 +33396,7 @@
 </p:sld>
 </file>
 
-<file path=ppt/slides/slide14.xml><?xml version="1.0" encoding="utf-8"?>
+<file path=ppt/slides/slide15.xml><?xml version="1.0" encoding="utf-8"?>
 <p:sld xmlns:a="http://schemas.openxmlformats.org/drawingml/2006/main" xmlns:r="http://schemas.openxmlformats.org/officeDocument/2006/relationships" xmlns:p="http://schemas.openxmlformats.org/presentationml/2006/main">
   <p:cSld>
     <p:spTree>
@@ -30310,7 +33479,7 @@
 </p:sld>
 </file>
 
-<file path=ppt/slides/slide15.xml><?xml version="1.0" encoding="utf-8"?>
+<file path=ppt/slides/slide16.xml><?xml version="1.0" encoding="utf-8"?>
 <p:sld xmlns:a="http://schemas.openxmlformats.org/drawingml/2006/main" xmlns:r="http://schemas.openxmlformats.org/officeDocument/2006/relationships" xmlns:p="http://schemas.openxmlformats.org/presentationml/2006/main">
   <p:cSld>
     <p:spTree>
@@ -30633,7 +33802,7 @@
 </p:sld>
 </file>
 
-<file path=ppt/slides/slide16.xml><?xml version="1.0" encoding="utf-8"?>
+<file path=ppt/slides/slide17.xml><?xml version="1.0" encoding="utf-8"?>
 <p:sld xmlns:a="http://schemas.openxmlformats.org/drawingml/2006/main" xmlns:r="http://schemas.openxmlformats.org/officeDocument/2006/relationships" xmlns:p="http://schemas.openxmlformats.org/presentationml/2006/main">
   <p:cSld>
     <p:spTree>
@@ -30750,23 +33919,7 @@
                   <a:srgbClr val="FF0000"/>
                 </a:solidFill>
               </a:rPr>
-              <a:t>Requires java </a:t>
-            </a:r>
-            <a:r>
-              <a:rPr lang="en-US" b="1" dirty="0" smtClean="0">
-                <a:solidFill>
-                  <a:srgbClr val="FF0000"/>
-                </a:solidFill>
-              </a:rPr>
-              <a:t>and/or </a:t>
-            </a:r>
-            <a:r>
-              <a:rPr lang="en-US" b="1" dirty="0" smtClean="0">
-                <a:solidFill>
-                  <a:srgbClr val="FF0000"/>
-                </a:solidFill>
-              </a:rPr>
-              <a:t>custom languages</a:t>
+              <a:t>Requires java and/or custom languages</a:t>
             </a:r>
           </a:p>
           <a:p>
@@ -30800,7 +33953,7 @@
 </p:sld>
 </file>
 
-<file path=ppt/slides/slide17.xml><?xml version="1.0" encoding="utf-8"?>
+<file path=ppt/slides/slide18.xml><?xml version="1.0" encoding="utf-8"?>
 <p:sld xmlns:a="http://schemas.openxmlformats.org/drawingml/2006/main" xmlns:r="http://schemas.openxmlformats.org/officeDocument/2006/relationships" xmlns:p="http://schemas.openxmlformats.org/presentationml/2006/main">
   <p:cSld>
     <p:spTree>
@@ -30971,7 +34124,7 @@
 </p:sld>
 </file>
 
-<file path=ppt/slides/slide18.xml><?xml version="1.0" encoding="utf-8"?>
+<file path=ppt/slides/slide19.xml><?xml version="1.0" encoding="utf-8"?>
 <p:sld xmlns:a="http://schemas.openxmlformats.org/drawingml/2006/main" xmlns:r="http://schemas.openxmlformats.org/officeDocument/2006/relationships" xmlns:p="http://schemas.openxmlformats.org/presentationml/2006/main">
   <p:cSld>
     <p:spTree>
@@ -31054,7 +34207,137 @@
 </p:sld>
 </file>
 
-<file path=ppt/slides/slide19.xml><?xml version="1.0" encoding="utf-8"?>
+<file path=ppt/slides/slide2.xml><?xml version="1.0" encoding="utf-8"?>
+<p:sld xmlns:a="http://schemas.openxmlformats.org/drawingml/2006/main" xmlns:r="http://schemas.openxmlformats.org/officeDocument/2006/relationships" xmlns:p="http://schemas.openxmlformats.org/presentationml/2006/main">
+  <p:cSld>
+    <p:spTree>
+      <p:nvGrpSpPr>
+        <p:cNvPr id="1" name=""/>
+        <p:cNvGrpSpPr/>
+        <p:nvPr/>
+      </p:nvGrpSpPr>
+      <p:grpSpPr>
+        <a:xfrm>
+          <a:off x="0" y="0"/>
+          <a:ext cx="0" cy="0"/>
+          <a:chOff x="0" y="0"/>
+          <a:chExt cx="0" cy="0"/>
+        </a:xfrm>
+      </p:grpSpPr>
+      <p:sp>
+        <p:nvSpPr>
+          <p:cNvPr id="2" name="Title 1"/>
+          <p:cNvSpPr>
+            <a:spLocks noGrp="1"/>
+          </p:cNvSpPr>
+          <p:nvPr>
+            <p:ph type="title"/>
+          </p:nvPr>
+        </p:nvSpPr>
+        <p:spPr/>
+        <p:txBody>
+          <a:bodyPr/>
+          <a:lstStyle/>
+          <a:p>
+            <a:r>
+              <a:rPr lang="en-US" dirty="0" smtClean="0"/>
+              <a:t>Connect! </a:t>
+            </a:r>
+            <a:endParaRPr lang="en-US" dirty="0"/>
+          </a:p>
+        </p:txBody>
+      </p:sp>
+      <p:sp>
+        <p:nvSpPr>
+          <p:cNvPr id="3" name="Content Placeholder 2"/>
+          <p:cNvSpPr>
+            <a:spLocks noGrp="1"/>
+          </p:cNvSpPr>
+          <p:nvPr>
+            <p:ph idx="1"/>
+          </p:nvPr>
+        </p:nvSpPr>
+        <p:spPr/>
+        <p:txBody>
+          <a:bodyPr/>
+          <a:lstStyle/>
+          <a:p>
+            <a:pPr marL="0" indent="0">
+              <a:buNone/>
+            </a:pPr>
+            <a:r>
+              <a:rPr lang="en-US" dirty="0" smtClean="0"/>
+              <a:t>GitHub tutorials and PowerPoint: </a:t>
+            </a:r>
+          </a:p>
+          <a:p>
+            <a:pPr marL="0" indent="0">
+              <a:buNone/>
+            </a:pPr>
+            <a:endParaRPr lang="en-US" dirty="0" smtClean="0"/>
+          </a:p>
+          <a:p>
+            <a:pPr marL="0" indent="0">
+              <a:buNone/>
+            </a:pPr>
+            <a:r>
+              <a:rPr lang="en-US" dirty="0" err="1" smtClean="0">
+                <a:latin typeface="Courier New"/>
+                <a:cs typeface="Courier New"/>
+              </a:rPr>
+              <a:t>git</a:t>
+            </a:r>
+            <a:r>
+              <a:rPr lang="en-US" dirty="0" smtClean="0">
+                <a:latin typeface="Courier New"/>
+                <a:cs typeface="Courier New"/>
+              </a:rPr>
+              <a:t> clone </a:t>
+            </a:r>
+            <a:r>
+              <a:rPr lang="en-US" dirty="0" smtClean="0">
+                <a:latin typeface="Courier New"/>
+                <a:cs typeface="Courier New"/>
+                <a:hlinkClick r:id="rId2"/>
+              </a:rPr>
+              <a:t>https</a:t>
+            </a:r>
+            <a:r>
+              <a:rPr lang="en-US" dirty="0">
+                <a:latin typeface="Courier New"/>
+                <a:cs typeface="Courier New"/>
+                <a:hlinkClick r:id="rId2"/>
+              </a:rPr>
+              <a:t>://github.com/summerela/impala_training/</a:t>
+            </a:r>
+            <a:endParaRPr lang="en-US" dirty="0">
+              <a:latin typeface="Courier New"/>
+              <a:cs typeface="Courier New"/>
+            </a:endParaRPr>
+          </a:p>
+        </p:txBody>
+      </p:sp>
+    </p:spTree>
+    <p:extLst>
+      <p:ext uri="{BB962C8B-B14F-4D97-AF65-F5344CB8AC3E}">
+        <p14:creationId xmlns:p14="http://schemas.microsoft.com/office/powerpoint/2010/main" val="4244578810"/>
+      </p:ext>
+    </p:extLst>
+  </p:cSld>
+  <p:clrMapOvr>
+    <a:masterClrMapping/>
+  </p:clrMapOvr>
+  <p:timing>
+    <p:tnLst>
+      <p:par>
+        <p:cTn id="1" dur="indefinite" restart="never" nodeType="tmRoot"/>
+      </p:par>
+    </p:tnLst>
+  </p:timing>
+</p:sld>
+</file>
+
+<file path=ppt/slides/slide20.xml><?xml version="1.0" encoding="utf-8"?>
 <p:sld xmlns:a="http://schemas.openxmlformats.org/drawingml/2006/main" xmlns:r="http://schemas.openxmlformats.org/officeDocument/2006/relationships" xmlns:p="http://schemas.openxmlformats.org/presentationml/2006/main">
   <p:cSld>
     <p:spTree>
@@ -31144,137 +34427,7 @@
 </p:sld>
 </file>
 
-<file path=ppt/slides/slide2.xml><?xml version="1.0" encoding="utf-8"?>
-<p:sld xmlns:a="http://schemas.openxmlformats.org/drawingml/2006/main" xmlns:r="http://schemas.openxmlformats.org/officeDocument/2006/relationships" xmlns:p="http://schemas.openxmlformats.org/presentationml/2006/main">
-  <p:cSld>
-    <p:spTree>
-      <p:nvGrpSpPr>
-        <p:cNvPr id="1" name=""/>
-        <p:cNvGrpSpPr/>
-        <p:nvPr/>
-      </p:nvGrpSpPr>
-      <p:grpSpPr>
-        <a:xfrm>
-          <a:off x="0" y="0"/>
-          <a:ext cx="0" cy="0"/>
-          <a:chOff x="0" y="0"/>
-          <a:chExt cx="0" cy="0"/>
-        </a:xfrm>
-      </p:grpSpPr>
-      <p:sp>
-        <p:nvSpPr>
-          <p:cNvPr id="2" name="Title 1"/>
-          <p:cNvSpPr>
-            <a:spLocks noGrp="1"/>
-          </p:cNvSpPr>
-          <p:nvPr>
-            <p:ph type="title"/>
-          </p:nvPr>
-        </p:nvSpPr>
-        <p:spPr/>
-        <p:txBody>
-          <a:bodyPr/>
-          <a:lstStyle/>
-          <a:p>
-            <a:r>
-              <a:rPr lang="en-US" dirty="0" smtClean="0"/>
-              <a:t>Connect! </a:t>
-            </a:r>
-            <a:endParaRPr lang="en-US" dirty="0"/>
-          </a:p>
-        </p:txBody>
-      </p:sp>
-      <p:sp>
-        <p:nvSpPr>
-          <p:cNvPr id="3" name="Content Placeholder 2"/>
-          <p:cNvSpPr>
-            <a:spLocks noGrp="1"/>
-          </p:cNvSpPr>
-          <p:nvPr>
-            <p:ph idx="1"/>
-          </p:nvPr>
-        </p:nvSpPr>
-        <p:spPr/>
-        <p:txBody>
-          <a:bodyPr/>
-          <a:lstStyle/>
-          <a:p>
-            <a:pPr marL="0" indent="0">
-              <a:buNone/>
-            </a:pPr>
-            <a:r>
-              <a:rPr lang="en-US" dirty="0" smtClean="0"/>
-              <a:t>GitHub tutorials and PowerPoint: </a:t>
-            </a:r>
-          </a:p>
-          <a:p>
-            <a:pPr marL="0" indent="0">
-              <a:buNone/>
-            </a:pPr>
-            <a:endParaRPr lang="en-US" dirty="0" smtClean="0"/>
-          </a:p>
-          <a:p>
-            <a:pPr marL="0" indent="0">
-              <a:buNone/>
-            </a:pPr>
-            <a:r>
-              <a:rPr lang="en-US" dirty="0" err="1" smtClean="0">
-                <a:latin typeface="Courier New"/>
-                <a:cs typeface="Courier New"/>
-              </a:rPr>
-              <a:t>git</a:t>
-            </a:r>
-            <a:r>
-              <a:rPr lang="en-US" dirty="0" smtClean="0">
-                <a:latin typeface="Courier New"/>
-                <a:cs typeface="Courier New"/>
-              </a:rPr>
-              <a:t> clone </a:t>
-            </a:r>
-            <a:r>
-              <a:rPr lang="en-US" dirty="0" smtClean="0">
-                <a:latin typeface="Courier New"/>
-                <a:cs typeface="Courier New"/>
-                <a:hlinkClick r:id="rId2"/>
-              </a:rPr>
-              <a:t>https</a:t>
-            </a:r>
-            <a:r>
-              <a:rPr lang="en-US" dirty="0">
-                <a:latin typeface="Courier New"/>
-                <a:cs typeface="Courier New"/>
-                <a:hlinkClick r:id="rId2"/>
-              </a:rPr>
-              <a:t>://github.com/summerela/impala_training/</a:t>
-            </a:r>
-            <a:endParaRPr lang="en-US" dirty="0">
-              <a:latin typeface="Courier New"/>
-              <a:cs typeface="Courier New"/>
-            </a:endParaRPr>
-          </a:p>
-        </p:txBody>
-      </p:sp>
-    </p:spTree>
-    <p:extLst>
-      <p:ext uri="{BB962C8B-B14F-4D97-AF65-F5344CB8AC3E}">
-        <p14:creationId xmlns:p14="http://schemas.microsoft.com/office/powerpoint/2010/main" val="4244578810"/>
-      </p:ext>
-    </p:extLst>
-  </p:cSld>
-  <p:clrMapOvr>
-    <a:masterClrMapping/>
-  </p:clrMapOvr>
-  <p:timing>
-    <p:tnLst>
-      <p:par>
-        <p:cTn id="1" dur="indefinite" restart="never" nodeType="tmRoot"/>
-      </p:par>
-    </p:tnLst>
-  </p:timing>
-</p:sld>
-</file>
-
-<file path=ppt/slides/slide20.xml><?xml version="1.0" encoding="utf-8"?>
+<file path=ppt/slides/slide21.xml><?xml version="1.0" encoding="utf-8"?>
 <p:sld xmlns:a="http://schemas.openxmlformats.org/drawingml/2006/main" xmlns:r="http://schemas.openxmlformats.org/officeDocument/2006/relationships" xmlns:p="http://schemas.openxmlformats.org/presentationml/2006/main">
   <p:cSld>
     <p:spTree>
@@ -31407,7 +34560,7 @@
 </p:sld>
 </file>
 
-<file path=ppt/slides/slide21.xml><?xml version="1.0" encoding="utf-8"?>
+<file path=ppt/slides/slide22.xml><?xml version="1.0" encoding="utf-8"?>
 <p:sld xmlns:a="http://schemas.openxmlformats.org/drawingml/2006/main" xmlns:r="http://schemas.openxmlformats.org/officeDocument/2006/relationships" xmlns:p="http://schemas.openxmlformats.org/presentationml/2006/main">
   <p:cSld>
     <p:spTree>
@@ -31535,7 +34688,7 @@
 </p:sld>
 </file>
 
-<file path=ppt/slides/slide22.xml><?xml version="1.0" encoding="utf-8"?>
+<file path=ppt/slides/slide23.xml><?xml version="1.0" encoding="utf-8"?>
 <p:sld xmlns:a="http://schemas.openxmlformats.org/drawingml/2006/main" xmlns:r="http://schemas.openxmlformats.org/officeDocument/2006/relationships" xmlns:p="http://schemas.openxmlformats.org/presentationml/2006/main">
   <p:cSld>
     <p:spTree>
@@ -31764,7 +34917,7 @@
 </p:sld>
 </file>
 
-<file path=ppt/slides/slide23.xml><?xml version="1.0" encoding="utf-8"?>
+<file path=ppt/slides/slide24.xml><?xml version="1.0" encoding="utf-8"?>
 <p:sld xmlns:a="http://schemas.openxmlformats.org/drawingml/2006/main" xmlns:r="http://schemas.openxmlformats.org/officeDocument/2006/relationships" xmlns:p="http://schemas.openxmlformats.org/presentationml/2006/main">
   <p:cSld>
     <p:spTree>
@@ -31878,7 +35031,7 @@
 </p:sld>
 </file>
 
-<file path=ppt/slides/slide24.xml><?xml version="1.0" encoding="utf-8"?>
+<file path=ppt/slides/slide25.xml><?xml version="1.0" encoding="utf-8"?>
 <p:sld xmlns:a="http://schemas.openxmlformats.org/drawingml/2006/main" xmlns:r="http://schemas.openxmlformats.org/officeDocument/2006/relationships" xmlns:p="http://schemas.openxmlformats.org/presentationml/2006/main">
   <p:cSld>
     <p:spTree>
@@ -32004,7 +35157,7 @@
 </p:sld>
 </file>
 
-<file path=ppt/slides/slide25.xml><?xml version="1.0" encoding="utf-8"?>
+<file path=ppt/slides/slide26.xml><?xml version="1.0" encoding="utf-8"?>
 <p:sld xmlns:a="http://schemas.openxmlformats.org/drawingml/2006/main" xmlns:r="http://schemas.openxmlformats.org/officeDocument/2006/relationships" xmlns:p="http://schemas.openxmlformats.org/presentationml/2006/main">
   <p:cSld>
     <p:spTree>
@@ -32094,90 +35247,6 @@
 </p:sld>
 </file>
 
-<file path=ppt/slides/slide26.xml><?xml version="1.0" encoding="utf-8"?>
-<p:sld xmlns:a="http://schemas.openxmlformats.org/drawingml/2006/main" xmlns:r="http://schemas.openxmlformats.org/officeDocument/2006/relationships" xmlns:p="http://schemas.openxmlformats.org/presentationml/2006/main">
-  <p:cSld>
-    <p:spTree>
-      <p:nvGrpSpPr>
-        <p:cNvPr id="1" name=""/>
-        <p:cNvGrpSpPr/>
-        <p:nvPr/>
-      </p:nvGrpSpPr>
-      <p:grpSpPr>
-        <a:xfrm>
-          <a:off x="0" y="0"/>
-          <a:ext cx="0" cy="0"/>
-          <a:chOff x="0" y="0"/>
-          <a:chExt cx="0" cy="0"/>
-        </a:xfrm>
-      </p:grpSpPr>
-      <p:sp>
-        <p:nvSpPr>
-          <p:cNvPr id="2" name="Title 1"/>
-          <p:cNvSpPr>
-            <a:spLocks noGrp="1"/>
-          </p:cNvSpPr>
-          <p:nvPr>
-            <p:ph type="title"/>
-          </p:nvPr>
-        </p:nvSpPr>
-        <p:spPr/>
-        <p:txBody>
-          <a:bodyPr/>
-          <a:lstStyle/>
-          <a:p>
-            <a:r>
-              <a:rPr lang="en-US" dirty="0" smtClean="0"/>
-              <a:t>Access Data</a:t>
-            </a:r>
-            <a:endParaRPr lang="en-US" dirty="0"/>
-          </a:p>
-        </p:txBody>
-      </p:sp>
-      <p:pic>
-        <p:nvPicPr>
-          <p:cNvPr id="3" name="Picture 2"/>
-          <p:cNvPicPr>
-            <a:picLocks noChangeAspect="1"/>
-          </p:cNvPicPr>
-          <p:nvPr/>
-        </p:nvPicPr>
-        <p:blipFill>
-          <a:blip r:embed="rId3"/>
-          <a:stretch>
-            <a:fillRect/>
-          </a:stretch>
-        </p:blipFill>
-        <p:spPr>
-          <a:xfrm>
-            <a:off x="3848100" y="1828800"/>
-            <a:ext cx="1257300" cy="990600"/>
-          </a:xfrm>
-          <a:prstGeom prst="rect">
-            <a:avLst/>
-          </a:prstGeom>
-        </p:spPr>
-      </p:pic>
-    </p:spTree>
-    <p:extLst>
-      <p:ext uri="{BB962C8B-B14F-4D97-AF65-F5344CB8AC3E}">
-        <p14:creationId xmlns:p14="http://schemas.microsoft.com/office/powerpoint/2010/main" val="3807359585"/>
-      </p:ext>
-    </p:extLst>
-  </p:cSld>
-  <p:clrMapOvr>
-    <a:masterClrMapping/>
-  </p:clrMapOvr>
-  <p:timing>
-    <p:tnLst>
-      <p:par>
-        <p:cTn id="1" dur="indefinite" restart="never" nodeType="tmRoot"/>
-      </p:par>
-    </p:tnLst>
-  </p:timing>
-</p:sld>
-</file>
-
 <file path=ppt/slides/slide27.xml><?xml version="1.0" encoding="utf-8"?>
 <p:sld xmlns:a="http://schemas.openxmlformats.org/drawingml/2006/main" xmlns:r="http://schemas.openxmlformats.org/officeDocument/2006/relationships" xmlns:p="http://schemas.openxmlformats.org/presentationml/2006/main">
   <p:cSld>
@@ -32242,51 +35311,10 @@
           </a:prstGeom>
         </p:spPr>
       </p:pic>
-      <p:pic>
-        <p:nvPicPr>
-          <p:cNvPr id="4" name="Picture 2" descr="http://www.technologydatagroup.com/img/pageimg/os.jpg"/>
-          <p:cNvPicPr>
-            <a:picLocks noChangeAspect="1" noChangeArrowheads="1"/>
-          </p:cNvPicPr>
-          <p:nvPr/>
-        </p:nvPicPr>
-        <p:blipFill>
-          <a:blip r:embed="rId4" cstate="print">
-            <a:extLst>
-              <a:ext uri="{28A0092B-C50C-407E-A947-70E740481C1C}">
-                <a14:useLocalDpi xmlns:a14="http://schemas.microsoft.com/office/drawing/2010/main" val="0"/>
-              </a:ext>
-            </a:extLst>
-          </a:blip>
-          <a:srcRect/>
-          <a:stretch>
-            <a:fillRect/>
-          </a:stretch>
-        </p:blipFill>
-        <p:spPr bwMode="auto">
-          <a:xfrm>
-            <a:off x="2590800" y="3429000"/>
-            <a:ext cx="3771374" cy="2514752"/>
-          </a:xfrm>
-          <a:prstGeom prst="rect">
-            <a:avLst/>
-          </a:prstGeom>
-          <a:noFill/>
-          <a:extLst>
-            <a:ext uri="{909E8E84-426E-40DD-AFC4-6F175D3DCCD1}">
-              <a14:hiddenFill xmlns:a14="http://schemas.microsoft.com/office/drawing/2010/main">
-                <a:solidFill>
-                  <a:srgbClr val="FFFFFF"/>
-                </a:solidFill>
-              </a14:hiddenFill>
-            </a:ext>
-          </a:extLst>
-        </p:spPr>
-      </p:pic>
     </p:spTree>
     <p:extLst>
       <p:ext uri="{BB962C8B-B14F-4D97-AF65-F5344CB8AC3E}">
-        <p14:creationId xmlns:p14="http://schemas.microsoft.com/office/powerpoint/2010/main" val="2252993039"/>
+        <p14:creationId xmlns:p14="http://schemas.microsoft.com/office/powerpoint/2010/main" val="3807359585"/>
       </p:ext>
     </p:extLst>
   </p:cSld>
@@ -32337,7 +35365,7 @@
           <a:p>
             <a:r>
               <a:rPr lang="en-US" dirty="0" smtClean="0"/>
-              <a:t>Structured Query Language (SQL)</a:t>
+              <a:t>Access Data</a:t>
             </a:r>
             <a:endParaRPr lang="en-US" dirty="0"/>
           </a:p>
@@ -32369,153 +35397,88 @@
       </p:pic>
       <p:sp>
         <p:nvSpPr>
-          <p:cNvPr id="4" name="TextBox 3"/>
-          <p:cNvSpPr txBox="1"/>
+          <p:cNvPr id="5" name="AutoShape 2" descr="https://upload.wikimedia.org/wikipedia/commons/5/55/Contrived_MS-DOS_logo.svg"/>
+          <p:cNvSpPr>
+            <a:spLocks noChangeAspect="1" noChangeArrowheads="1"/>
+          </p:cNvSpPr>
           <p:nvPr/>
         </p:nvSpPr>
-        <p:spPr>
+        <p:spPr bwMode="auto">
           <a:xfrm>
-            <a:off x="762000" y="3048000"/>
-            <a:ext cx="3429000" cy="1938992"/>
+            <a:off x="155575" y="-144463"/>
+            <a:ext cx="304800" cy="304801"/>
           </a:xfrm>
           <a:prstGeom prst="rect">
             <a:avLst/>
           </a:prstGeom>
           <a:noFill/>
+          <a:extLst>
+            <a:ext uri="{909E8E84-426E-40DD-AFC4-6F175D3DCCD1}">
+              <a14:hiddenFill xmlns:a14="http://schemas.microsoft.com/office/drawing/2010/main">
+                <a:solidFill>
+                  <a:srgbClr val="FFFFFF"/>
+                </a:solidFill>
+              </a14:hiddenFill>
+            </a:ext>
+          </a:extLst>
         </p:spPr>
         <p:txBody>
-          <a:bodyPr wrap="square" rtlCol="0">
-            <a:spAutoFit/>
+          <a:bodyPr vert="horz" wrap="square" lIns="91440" tIns="45720" rIns="91440" bIns="45720" numCol="1" anchor="t" anchorCtr="0" compatLnSpc="1">
+            <a:prstTxWarp prst="textNoShape">
+              <a:avLst/>
+            </a:prstTxWarp>
           </a:bodyPr>
           <a:lstStyle/>
           <a:p>
-            <a:r>
-              <a:rPr lang="en-US" sz="2400" b="1" dirty="0" smtClean="0"/>
-              <a:t>Basic SQL Syntax</a:t>
-            </a:r>
-          </a:p>
-          <a:p>
-            <a:endParaRPr lang="en-US" sz="2400" dirty="0"/>
-          </a:p>
-          <a:p>
-            <a:r>
-              <a:rPr lang="en-US" dirty="0"/>
-              <a:t>SELECT </a:t>
-            </a:r>
-            <a:r>
-              <a:rPr lang="en-US" dirty="0" err="1"/>
-              <a:t>column_name</a:t>
-            </a:r>
-            <a:r>
-              <a:rPr lang="en-US" dirty="0"/>
-              <a:t>(s) </a:t>
-            </a:r>
-          </a:p>
-          <a:p>
-            <a:r>
-              <a:rPr lang="en-US" dirty="0"/>
-              <a:t>FROM </a:t>
-            </a:r>
-            <a:r>
-              <a:rPr lang="en-US" dirty="0" err="1"/>
-              <a:t>database.table</a:t>
-            </a:r>
-            <a:r>
-              <a:rPr lang="en-US" dirty="0"/>
-              <a:t> </a:t>
-            </a:r>
-          </a:p>
-          <a:p>
-            <a:r>
-              <a:rPr lang="en-US" dirty="0"/>
-              <a:t>WHERE conditions </a:t>
-            </a:r>
-          </a:p>
-          <a:p>
-            <a:r>
-              <a:rPr lang="en-US" dirty="0" smtClean="0"/>
-              <a:t>LIMIT </a:t>
-            </a:r>
-            <a:r>
-              <a:rPr lang="en-US" dirty="0"/>
-              <a:t>number of rows to </a:t>
-            </a:r>
-            <a:r>
-              <a:rPr lang="en-US" dirty="0" smtClean="0"/>
-              <a:t>return</a:t>
-            </a:r>
-            <a:endParaRPr lang="en-US" dirty="0"/>
+            <a:endParaRPr lang="en-US"/>
           </a:p>
         </p:txBody>
       </p:sp>
-      <p:sp>
-        <p:nvSpPr>
-          <p:cNvPr id="6" name="Rectangle 5"/>
-          <p:cNvSpPr/>
+      <p:pic>
+        <p:nvPicPr>
+          <p:cNvPr id="1028" name="Picture 4" descr="File:Contrived MS-DOS logo.svg"/>
+          <p:cNvPicPr>
+            <a:picLocks noChangeAspect="1" noChangeArrowheads="1"/>
+          </p:cNvPicPr>
           <p:nvPr/>
-        </p:nvSpPr>
-        <p:spPr>
+        </p:nvPicPr>
+        <p:blipFill>
+          <a:blip r:embed="rId4" cstate="print">
+            <a:extLst>
+              <a:ext uri="{28A0092B-C50C-407E-A947-70E740481C1C}">
+                <a14:useLocalDpi xmlns:a14="http://schemas.microsoft.com/office/drawing/2010/main" val="0"/>
+              </a:ext>
+            </a:extLst>
+          </a:blip>
+          <a:srcRect/>
+          <a:stretch>
+            <a:fillRect/>
+          </a:stretch>
+        </p:blipFill>
+        <p:spPr bwMode="auto">
           <a:xfrm>
-            <a:off x="4572000" y="3048000"/>
-            <a:ext cx="4267200" cy="1846659"/>
+            <a:off x="3124200" y="3962400"/>
+            <a:ext cx="2894012" cy="1820182"/>
           </a:xfrm>
           <a:prstGeom prst="rect">
             <a:avLst/>
           </a:prstGeom>
+          <a:noFill/>
+          <a:extLst>
+            <a:ext uri="{909E8E84-426E-40DD-AFC4-6F175D3DCCD1}">
+              <a14:hiddenFill xmlns:a14="http://schemas.microsoft.com/office/drawing/2010/main">
+                <a:solidFill>
+                  <a:srgbClr val="FFFFFF"/>
+                </a:solidFill>
+              </a14:hiddenFill>
+            </a:ext>
+          </a:extLst>
         </p:spPr>
-        <p:txBody>
-          <a:bodyPr wrap="square">
-            <a:spAutoFit/>
-          </a:bodyPr>
-          <a:lstStyle/>
-          <a:p>
-            <a:r>
-              <a:rPr lang="en-US" sz="2400" b="1" dirty="0" smtClean="0"/>
-              <a:t>Example</a:t>
-            </a:r>
-            <a:endParaRPr lang="en-US" b="1" dirty="0" smtClean="0"/>
-          </a:p>
-          <a:p>
-            <a:endParaRPr lang="en-US" b="1" dirty="0"/>
-          </a:p>
-          <a:p>
-            <a:r>
-              <a:rPr lang="en-US" dirty="0"/>
-              <a:t>SELECT * </a:t>
-            </a:r>
-          </a:p>
-          <a:p>
-            <a:r>
-              <a:rPr lang="en-US" dirty="0"/>
-              <a:t>FROM p7_ref_grch37.ucsc_genes </a:t>
-            </a:r>
-          </a:p>
-          <a:p>
-            <a:r>
-              <a:rPr lang="en-US" dirty="0"/>
-              <a:t>WHERE </a:t>
-            </a:r>
-            <a:r>
-              <a:rPr lang="en-US" dirty="0" err="1"/>
-              <a:t>chrom</a:t>
-            </a:r>
-            <a:r>
-              <a:rPr lang="en-US" dirty="0"/>
-              <a:t> = '1' </a:t>
-            </a:r>
-          </a:p>
-          <a:p>
-            <a:r>
-              <a:rPr lang="en-US" dirty="0"/>
-              <a:t>LIMIT 5</a:t>
-            </a:r>
-          </a:p>
-        </p:txBody>
-      </p:sp>
+      </p:pic>
     </p:spTree>
     <p:extLst>
       <p:ext uri="{BB962C8B-B14F-4D97-AF65-F5344CB8AC3E}">
-        <p14:creationId xmlns:p14="http://schemas.microsoft.com/office/powerpoint/2010/main" val="2900146680"/>
+        <p14:creationId xmlns:p14="http://schemas.microsoft.com/office/powerpoint/2010/main" val="2252993039"/>
       </p:ext>
     </p:extLst>
   </p:cSld>
@@ -32566,7 +35529,113 @@
           <a:p>
             <a:r>
               <a:rPr lang="en-US" dirty="0" smtClean="0"/>
-              <a:t>Cloudera vs. Traditional RDBMS</a:t>
+              <a:t>Structured Query Language (SQL)</a:t>
+            </a:r>
+            <a:endParaRPr lang="en-US" dirty="0"/>
+          </a:p>
+        </p:txBody>
+      </p:sp>
+      <p:pic>
+        <p:nvPicPr>
+          <p:cNvPr id="3" name="Picture 2"/>
+          <p:cNvPicPr>
+            <a:picLocks noChangeAspect="1"/>
+          </p:cNvPicPr>
+          <p:nvPr/>
+        </p:nvPicPr>
+        <p:blipFill>
+          <a:blip r:embed="rId3"/>
+          <a:stretch>
+            <a:fillRect/>
+          </a:stretch>
+        </p:blipFill>
+        <p:spPr>
+          <a:xfrm>
+            <a:off x="3848100" y="1828800"/>
+            <a:ext cx="1257300" cy="990600"/>
+          </a:xfrm>
+          <a:prstGeom prst="rect">
+            <a:avLst/>
+          </a:prstGeom>
+        </p:spPr>
+      </p:pic>
+      <p:sp>
+        <p:nvSpPr>
+          <p:cNvPr id="4" name="TextBox 3"/>
+          <p:cNvSpPr txBox="1"/>
+          <p:nvPr/>
+        </p:nvSpPr>
+        <p:spPr>
+          <a:xfrm>
+            <a:off x="762000" y="3048000"/>
+            <a:ext cx="3581400" cy="1938992"/>
+          </a:xfrm>
+          <a:prstGeom prst="rect">
+            <a:avLst/>
+          </a:prstGeom>
+          <a:noFill/>
+        </p:spPr>
+        <p:txBody>
+          <a:bodyPr wrap="square" rtlCol="0">
+            <a:spAutoFit/>
+          </a:bodyPr>
+          <a:lstStyle/>
+          <a:p>
+            <a:r>
+              <a:rPr lang="en-US" sz="2400" b="1" dirty="0" smtClean="0"/>
+              <a:t>Basic SQL Syntax</a:t>
+            </a:r>
+          </a:p>
+          <a:p>
+            <a:endParaRPr lang="en-US" sz="2400" dirty="0"/>
+          </a:p>
+          <a:p>
+            <a:r>
+              <a:rPr lang="en-US" dirty="0"/>
+              <a:t>SELECT </a:t>
+            </a:r>
+            <a:r>
+              <a:rPr lang="en-US" dirty="0" err="1"/>
+              <a:t>column_name</a:t>
+            </a:r>
+            <a:r>
+              <a:rPr lang="en-US" dirty="0"/>
+              <a:t>(s) </a:t>
+            </a:r>
+          </a:p>
+          <a:p>
+            <a:r>
+              <a:rPr lang="en-US" dirty="0"/>
+              <a:t>FROM </a:t>
+            </a:r>
+            <a:r>
+              <a:rPr lang="en-US" dirty="0" err="1" smtClean="0"/>
+              <a:t>database_name.table_name</a:t>
+            </a:r>
+            <a:r>
+              <a:rPr lang="en-US" dirty="0" smtClean="0"/>
+              <a:t> </a:t>
+            </a:r>
+            <a:endParaRPr lang="en-US" dirty="0"/>
+          </a:p>
+          <a:p>
+            <a:r>
+              <a:rPr lang="en-US" dirty="0"/>
+              <a:t>WHERE conditions </a:t>
+            </a:r>
+          </a:p>
+          <a:p>
+            <a:r>
+              <a:rPr lang="en-US" dirty="0" smtClean="0"/>
+              <a:t>LIMIT </a:t>
+            </a:r>
+            <a:r>
+              <a:rPr lang="en-US" dirty="0"/>
+              <a:t>number of rows to </a:t>
+            </a:r>
+            <a:r>
+              <a:rPr lang="en-US" dirty="0" smtClean="0"/>
+              <a:t>return</a:t>
             </a:r>
             <a:endParaRPr lang="en-US" dirty="0"/>
           </a:p>
@@ -32574,101 +35643,85 @@
       </p:sp>
       <p:sp>
         <p:nvSpPr>
-          <p:cNvPr id="3" name="Content Placeholder 2"/>
-          <p:cNvSpPr>
-            <a:spLocks noGrp="1"/>
-          </p:cNvSpPr>
-          <p:nvPr>
-            <p:ph idx="1"/>
-          </p:nvPr>
+          <p:cNvPr id="6" name="Rectangle 5"/>
+          <p:cNvSpPr/>
+          <p:nvPr/>
         </p:nvSpPr>
-        <p:spPr/>
+        <p:spPr>
+          <a:xfrm>
+            <a:off x="4572000" y="3124200"/>
+            <a:ext cx="4267200" cy="1846659"/>
+          </a:xfrm>
+          <a:prstGeom prst="rect">
+            <a:avLst/>
+          </a:prstGeom>
+        </p:spPr>
         <p:txBody>
-          <a:bodyPr>
-            <a:normAutofit fontScale="92500" lnSpcReduction="20000"/>
+          <a:bodyPr wrap="square">
+            <a:spAutoFit/>
           </a:bodyPr>
           <a:lstStyle/>
           <a:p>
             <a:r>
-              <a:rPr lang="en-US" dirty="0" smtClean="0"/>
-              <a:t>No transactional operations:</a:t>
-            </a:r>
-          </a:p>
-          <a:p>
-            <a:pPr lvl="1"/>
-            <a:r>
-              <a:rPr lang="en-US" dirty="0" smtClean="0"/>
-              <a:t>DELETE</a:t>
-            </a:r>
-          </a:p>
-          <a:p>
-            <a:pPr lvl="1"/>
-            <a:r>
-              <a:rPr lang="en-US" dirty="0" smtClean="0"/>
-              <a:t>UPDATE</a:t>
-            </a:r>
-          </a:p>
-          <a:p>
-            <a:pPr lvl="1"/>
-            <a:r>
-              <a:rPr lang="en-US" dirty="0" smtClean="0"/>
-              <a:t>COMMIT/ROLLBACK</a:t>
-            </a:r>
-          </a:p>
-          <a:p>
-            <a:r>
-              <a:rPr lang="en-US" dirty="0" smtClean="0"/>
-              <a:t>Flexible schemas</a:t>
-            </a:r>
-          </a:p>
-          <a:p>
-            <a:pPr lvl="1"/>
-            <a:r>
-              <a:rPr lang="en-US" dirty="0" smtClean="0"/>
-              <a:t>No indexing</a:t>
-            </a:r>
-          </a:p>
-          <a:p>
-            <a:pPr lvl="1"/>
-            <a:r>
-              <a:rPr lang="en-US" dirty="0" smtClean="0"/>
-              <a:t>Primary key not required</a:t>
-            </a:r>
-          </a:p>
-          <a:p>
-            <a:pPr lvl="1"/>
-            <a:r>
-              <a:rPr lang="en-US" dirty="0" smtClean="0"/>
-              <a:t>Replication of data not a concern</a:t>
-            </a:r>
-          </a:p>
-          <a:p>
-            <a:r>
-              <a:rPr lang="en-US" dirty="0" smtClean="0"/>
-              <a:t>Optimized by partitioning</a:t>
-            </a:r>
-          </a:p>
-          <a:p>
-            <a:r>
-              <a:rPr lang="en-US" dirty="0" smtClean="0"/>
-              <a:t>Data distributed on clusters</a:t>
-            </a:r>
-          </a:p>
-          <a:p>
-            <a:endParaRPr lang="en-US" dirty="0"/>
+              <a:rPr lang="en-US" sz="2400" b="1" dirty="0" smtClean="0"/>
+              <a:t>Example</a:t>
+            </a:r>
+            <a:endParaRPr lang="en-US" b="1" dirty="0" smtClean="0"/>
+          </a:p>
+          <a:p>
+            <a:endParaRPr lang="en-US" b="1" dirty="0"/>
+          </a:p>
+          <a:p>
+            <a:r>
+              <a:rPr lang="en-US" dirty="0"/>
+              <a:t>SELECT * </a:t>
+            </a:r>
+          </a:p>
+          <a:p>
+            <a:r>
+              <a:rPr lang="en-US" dirty="0"/>
+              <a:t>FROM p7_ref_grch37.ucsc_genes </a:t>
+            </a:r>
+          </a:p>
+          <a:p>
+            <a:r>
+              <a:rPr lang="en-US" dirty="0"/>
+              <a:t>WHERE </a:t>
+            </a:r>
+            <a:r>
+              <a:rPr lang="en-US" dirty="0" err="1"/>
+              <a:t>chrom</a:t>
+            </a:r>
+            <a:r>
+              <a:rPr lang="en-US" dirty="0"/>
+              <a:t> = '1' </a:t>
+            </a:r>
+          </a:p>
+          <a:p>
+            <a:r>
+              <a:rPr lang="en-US" dirty="0"/>
+              <a:t>LIMIT 5</a:t>
+            </a:r>
           </a:p>
         </p:txBody>
       </p:sp>
     </p:spTree>
     <p:extLst>
       <p:ext uri="{BB962C8B-B14F-4D97-AF65-F5344CB8AC3E}">
-        <p14:creationId xmlns:p14="http://schemas.microsoft.com/office/powerpoint/2010/main" val="3912500373"/>
+        <p14:creationId xmlns:p14="http://schemas.microsoft.com/office/powerpoint/2010/main" val="2900146680"/>
       </p:ext>
     </p:extLst>
   </p:cSld>
   <p:clrMapOvr>
     <a:masterClrMapping/>
   </p:clrMapOvr>
+  <p:timing>
+    <p:tnLst>
+      <p:par>
+        <p:cTn id="1" dur="indefinite" restart="never" nodeType="tmRoot"/>
+      </p:par>
+    </p:tnLst>
+  </p:timing>
 </p:sld>
 </file>
 
@@ -32737,7 +35790,6 @@
               <a:rPr lang="en-US" dirty="0" smtClean="0"/>
               <a:t>Overview of Impala Ecosystem</a:t>
             </a:r>
-            <a:endParaRPr lang="en-US" dirty="0" smtClean="0"/>
           </a:p>
           <a:p>
             <a:pPr marL="971550" lvl="1" indent="-571500">
@@ -32818,7 +35870,6 @@
               <a:rPr lang="en-US" dirty="0" smtClean="0"/>
               <a:t>Python</a:t>
             </a:r>
-            <a:endParaRPr lang="en-US" dirty="0" smtClean="0"/>
           </a:p>
           <a:p>
             <a:pPr marL="571500" indent="-571500">
@@ -32849,7 +35900,6 @@
               <a:rPr lang="en-US" dirty="0" smtClean="0"/>
               <a:t>Pipelines</a:t>
             </a:r>
-            <a:endParaRPr lang="en-US" dirty="0" smtClean="0"/>
           </a:p>
           <a:p>
             <a:pPr marL="571500" indent="-571500">
@@ -32858,17 +35908,8 @@
             </a:pPr>
             <a:r>
               <a:rPr lang="en-US" dirty="0" smtClean="0"/>
-              <a:t>Where </a:t>
-            </a:r>
-            <a:r>
-              <a:rPr lang="en-US" dirty="0" smtClean="0"/>
-              <a:t>to Find </a:t>
-            </a:r>
-            <a:r>
-              <a:rPr lang="en-US" dirty="0" smtClean="0"/>
-              <a:t>Help</a:t>
-            </a:r>
-            <a:endParaRPr lang="en-US" dirty="0" smtClean="0"/>
+              <a:t>Where to Find Help</a:t>
+            </a:r>
           </a:p>
           <a:p>
             <a:pPr marL="571500" indent="-571500">
@@ -32965,7 +36006,147 @@
           <a:p>
             <a:r>
               <a:rPr lang="en-US" dirty="0" smtClean="0"/>
-              <a:t>Connect</a:t>
+              <a:t>Cloudera vs. Traditional RDBMS</a:t>
+            </a:r>
+            <a:endParaRPr lang="en-US" dirty="0"/>
+          </a:p>
+        </p:txBody>
+      </p:sp>
+      <p:sp>
+        <p:nvSpPr>
+          <p:cNvPr id="3" name="Content Placeholder 2"/>
+          <p:cNvSpPr>
+            <a:spLocks noGrp="1"/>
+          </p:cNvSpPr>
+          <p:nvPr>
+            <p:ph idx="1"/>
+          </p:nvPr>
+        </p:nvSpPr>
+        <p:spPr/>
+        <p:txBody>
+          <a:bodyPr>
+            <a:normAutofit fontScale="92500" lnSpcReduction="20000"/>
+          </a:bodyPr>
+          <a:lstStyle/>
+          <a:p>
+            <a:r>
+              <a:rPr lang="en-US" dirty="0" smtClean="0"/>
+              <a:t>No transactional operations:</a:t>
+            </a:r>
+          </a:p>
+          <a:p>
+            <a:pPr lvl="1"/>
+            <a:r>
+              <a:rPr lang="en-US" dirty="0" smtClean="0"/>
+              <a:t>DELETE</a:t>
+            </a:r>
+          </a:p>
+          <a:p>
+            <a:pPr lvl="1"/>
+            <a:r>
+              <a:rPr lang="en-US" dirty="0" smtClean="0"/>
+              <a:t>UPDATE</a:t>
+            </a:r>
+          </a:p>
+          <a:p>
+            <a:pPr lvl="1"/>
+            <a:r>
+              <a:rPr lang="en-US" dirty="0" smtClean="0"/>
+              <a:t>COMMIT/ROLLBACK</a:t>
+            </a:r>
+          </a:p>
+          <a:p>
+            <a:r>
+              <a:rPr lang="en-US" dirty="0" smtClean="0"/>
+              <a:t>Flexible schemas</a:t>
+            </a:r>
+          </a:p>
+          <a:p>
+            <a:pPr lvl="1"/>
+            <a:r>
+              <a:rPr lang="en-US" dirty="0" smtClean="0"/>
+              <a:t>No indexing</a:t>
+            </a:r>
+          </a:p>
+          <a:p>
+            <a:pPr lvl="1"/>
+            <a:r>
+              <a:rPr lang="en-US" dirty="0" smtClean="0"/>
+              <a:t>Primary key not required</a:t>
+            </a:r>
+          </a:p>
+          <a:p>
+            <a:pPr lvl="1"/>
+            <a:r>
+              <a:rPr lang="en-US" dirty="0" smtClean="0"/>
+              <a:t>Replication of data not a concern</a:t>
+            </a:r>
+          </a:p>
+          <a:p>
+            <a:r>
+              <a:rPr lang="en-US" dirty="0" smtClean="0"/>
+              <a:t>Optimized by partitioning</a:t>
+            </a:r>
+          </a:p>
+          <a:p>
+            <a:r>
+              <a:rPr lang="en-US" dirty="0" smtClean="0"/>
+              <a:t>Data distributed on clusters</a:t>
+            </a:r>
+          </a:p>
+          <a:p>
+            <a:endParaRPr lang="en-US" dirty="0"/>
+          </a:p>
+        </p:txBody>
+      </p:sp>
+    </p:spTree>
+    <p:extLst>
+      <p:ext uri="{BB962C8B-B14F-4D97-AF65-F5344CB8AC3E}">
+        <p14:creationId xmlns:p14="http://schemas.microsoft.com/office/powerpoint/2010/main" val="3912500373"/>
+      </p:ext>
+    </p:extLst>
+  </p:cSld>
+  <p:clrMapOvr>
+    <a:masterClrMapping/>
+  </p:clrMapOvr>
+</p:sld>
+</file>
+
+<file path=ppt/slides/slide31.xml><?xml version="1.0" encoding="utf-8"?>
+<p:sld xmlns:a="http://schemas.openxmlformats.org/drawingml/2006/main" xmlns:r="http://schemas.openxmlformats.org/officeDocument/2006/relationships" xmlns:p="http://schemas.openxmlformats.org/presentationml/2006/main">
+  <p:cSld>
+    <p:spTree>
+      <p:nvGrpSpPr>
+        <p:cNvPr id="1" name=""/>
+        <p:cNvGrpSpPr/>
+        <p:nvPr/>
+      </p:nvGrpSpPr>
+      <p:grpSpPr>
+        <a:xfrm>
+          <a:off x="0" y="0"/>
+          <a:ext cx="0" cy="0"/>
+          <a:chOff x="0" y="0"/>
+          <a:chExt cx="0" cy="0"/>
+        </a:xfrm>
+      </p:grpSpPr>
+      <p:sp>
+        <p:nvSpPr>
+          <p:cNvPr id="2" name="Title 1"/>
+          <p:cNvSpPr>
+            <a:spLocks noGrp="1"/>
+          </p:cNvSpPr>
+          <p:nvPr>
+            <p:ph type="title"/>
+          </p:nvPr>
+        </p:nvSpPr>
+        <p:spPr/>
+        <p:txBody>
+          <a:bodyPr/>
+          <a:lstStyle/>
+          <a:p>
+            <a:r>
+              <a:rPr lang="en-US" dirty="0" smtClean="0"/>
+              <a:t>Connect to Impala</a:t>
             </a:r>
             <a:endParaRPr lang="en-US" dirty="0"/>
           </a:p>
@@ -33528,7 +36709,7 @@
 </p:sld>
 </file>
 
-<file path=ppt/slides/slide31.xml><?xml version="1.0" encoding="utf-8"?>
+<file path=ppt/slides/slide32.xml><?xml version="1.0" encoding="utf-8"?>
 <p:sld xmlns:a="http://schemas.openxmlformats.org/drawingml/2006/main" xmlns:r="http://schemas.openxmlformats.org/officeDocument/2006/relationships" xmlns:p="http://schemas.openxmlformats.org/presentationml/2006/main">
   <p:cSld>
     <p:spTree>
@@ -33604,7 +36785,7 @@
 </p:sld>
 </file>
 
-<file path=ppt/slides/slide32.xml><?xml version="1.0" encoding="utf-8"?>
+<file path=ppt/slides/slide33.xml><?xml version="1.0" encoding="utf-8"?>
 <p:sld xmlns:a="http://schemas.openxmlformats.org/drawingml/2006/main" xmlns:r="http://schemas.openxmlformats.org/officeDocument/2006/relationships" xmlns:p="http://schemas.openxmlformats.org/presentationml/2006/main">
   <p:cSld>
     <p:spTree>
@@ -33640,7 +36821,7 @@
           <a:p>
             <a:r>
               <a:rPr lang="en-US" dirty="0" smtClean="0"/>
-              <a:t>Data Schema</a:t>
+              <a:t>Schema</a:t>
             </a:r>
             <a:endParaRPr lang="en-US" dirty="0"/>
           </a:p>
@@ -33688,7 +36869,351 @@
 </p:sld>
 </file>
 
-<file path=ppt/slides/slide33.xml><?xml version="1.0" encoding="utf-8"?>
+<file path=ppt/slides/slide34.xml><?xml version="1.0" encoding="utf-8"?>
+<p:sld xmlns:a="http://schemas.openxmlformats.org/drawingml/2006/main" xmlns:r="http://schemas.openxmlformats.org/officeDocument/2006/relationships" xmlns:p="http://schemas.openxmlformats.org/presentationml/2006/main">
+  <p:cSld>
+    <p:spTree>
+      <p:nvGrpSpPr>
+        <p:cNvPr id="1" name=""/>
+        <p:cNvGrpSpPr/>
+        <p:nvPr/>
+      </p:nvGrpSpPr>
+      <p:grpSpPr>
+        <a:xfrm>
+          <a:off x="0" y="0"/>
+          <a:ext cx="0" cy="0"/>
+          <a:chOff x="0" y="0"/>
+          <a:chExt cx="0" cy="0"/>
+        </a:xfrm>
+      </p:grpSpPr>
+      <p:sp>
+        <p:nvSpPr>
+          <p:cNvPr id="2" name="Title 1"/>
+          <p:cNvSpPr>
+            <a:spLocks noGrp="1"/>
+          </p:cNvSpPr>
+          <p:nvPr>
+            <p:ph type="title"/>
+          </p:nvPr>
+        </p:nvSpPr>
+        <p:spPr>
+          <a:xfrm>
+            <a:off x="457200" y="93197"/>
+            <a:ext cx="8229600" cy="1143000"/>
+          </a:xfrm>
+        </p:spPr>
+        <p:txBody>
+          <a:bodyPr>
+            <a:normAutofit/>
+          </a:bodyPr>
+          <a:lstStyle/>
+          <a:p>
+            <a:r>
+              <a:rPr lang="en-US" dirty="0" smtClean="0"/>
+              <a:t>Infrastructure goal and requirements</a:t>
+            </a:r>
+            <a:br>
+              <a:rPr lang="en-US" dirty="0" smtClean="0"/>
+            </a:br>
+            <a:r>
+              <a:rPr lang="en-US" sz="2700" dirty="0" smtClean="0">
+                <a:solidFill>
+                  <a:srgbClr val="5E6A71"/>
+                </a:solidFill>
+              </a:rPr>
+              <a:t>Enabling speed and reproducibility</a:t>
+            </a:r>
+            <a:endParaRPr lang="en-US" sz="2700" dirty="0">
+              <a:solidFill>
+                <a:srgbClr val="5E6A71"/>
+              </a:solidFill>
+            </a:endParaRPr>
+          </a:p>
+        </p:txBody>
+      </p:sp>
+      <p:sp>
+        <p:nvSpPr>
+          <p:cNvPr id="3" name="Content Placeholder 2"/>
+          <p:cNvSpPr>
+            <a:spLocks noGrp="1"/>
+          </p:cNvSpPr>
+          <p:nvPr>
+            <p:ph idx="1"/>
+          </p:nvPr>
+        </p:nvSpPr>
+        <p:spPr>
+          <a:xfrm>
+            <a:off x="457200" y="1390845"/>
+            <a:ext cx="8320482" cy="4525963"/>
+          </a:xfrm>
+        </p:spPr>
+        <p:txBody>
+          <a:bodyPr>
+            <a:normAutofit fontScale="85000" lnSpcReduction="10000"/>
+          </a:bodyPr>
+          <a:lstStyle/>
+          <a:p>
+            <a:r>
+              <a:rPr lang="en-US" sz="3000" dirty="0" smtClean="0"/>
+              <a:t>Incremental updates</a:t>
+            </a:r>
+          </a:p>
+          <a:p>
+            <a:pPr lvl="1"/>
+            <a:r>
+              <a:rPr lang="en-US" sz="2600" dirty="0" smtClean="0"/>
+              <a:t>add more genomes and re-analyze</a:t>
+            </a:r>
+          </a:p>
+          <a:p>
+            <a:pPr lvl="1"/>
+            <a:r>
+              <a:rPr lang="en-US" sz="2600" dirty="0"/>
+              <a:t>u</a:t>
+            </a:r>
+            <a:r>
+              <a:rPr lang="en-US" sz="2600" dirty="0" smtClean="0"/>
+              <a:t>pdate annotations and re-analyze</a:t>
+            </a:r>
+          </a:p>
+          <a:p>
+            <a:endParaRPr lang="en-US" sz="3000" dirty="0" smtClean="0"/>
+          </a:p>
+          <a:p>
+            <a:r>
+              <a:rPr lang="en-US" sz="3000" dirty="0"/>
+              <a:t>Accessible from high performance computing environment</a:t>
+            </a:r>
+          </a:p>
+          <a:p>
+            <a:endParaRPr lang="en-US" sz="3000" dirty="0" smtClean="0"/>
+          </a:p>
+          <a:p>
+            <a:r>
+              <a:rPr lang="en-US" sz="3000" dirty="0" smtClean="0"/>
+              <a:t>Provenance and </a:t>
+            </a:r>
+            <a:r>
+              <a:rPr lang="en-US" sz="3000" dirty="0"/>
+              <a:t>versioning </a:t>
+            </a:r>
+            <a:r>
+              <a:rPr lang="en-US" sz="3000" dirty="0" smtClean="0"/>
+              <a:t>➝ reproducible research</a:t>
+            </a:r>
+            <a:endParaRPr lang="en-US" sz="3000" dirty="0"/>
+          </a:p>
+          <a:p>
+            <a:pPr marL="0" indent="0">
+              <a:buNone/>
+            </a:pPr>
+            <a:endParaRPr lang="en-US" sz="3000" dirty="0" smtClean="0"/>
+          </a:p>
+          <a:p>
+            <a:r>
+              <a:rPr lang="en-US" sz="3000" dirty="0" smtClean="0"/>
+              <a:t>Central to analysis, reports, research, interactive exploration, and clinical integration</a:t>
+            </a:r>
+          </a:p>
+          <a:p>
+            <a:endParaRPr lang="en-US" dirty="0"/>
+          </a:p>
+        </p:txBody>
+      </p:sp>
+    </p:spTree>
+    <p:extLst>
+      <p:ext uri="{BB962C8B-B14F-4D97-AF65-F5344CB8AC3E}">
+        <p14:creationId xmlns:p14="http://schemas.microsoft.com/office/powerpoint/2010/main" val="1469300344"/>
+      </p:ext>
+    </p:extLst>
+  </p:cSld>
+  <p:clrMapOvr>
+    <a:masterClrMapping/>
+  </p:clrMapOvr>
+  <p:timing>
+    <p:tnLst>
+      <p:par>
+        <p:cTn id="1" dur="indefinite" restart="never" nodeType="tmRoot">
+          <p:childTnLst>
+            <p:seq concurrent="1" nextAc="seek">
+              <p:cTn id="2" dur="indefinite" nodeType="mainSeq">
+                <p:childTnLst>
+                  <p:par>
+                    <p:cTn id="3" fill="hold">
+                      <p:stCondLst>
+                        <p:cond delay="indefinite"/>
+                      </p:stCondLst>
+                      <p:childTnLst>
+                        <p:par>
+                          <p:cTn id="4" fill="hold">
+                            <p:stCondLst>
+                              <p:cond delay="0"/>
+                            </p:stCondLst>
+                            <p:childTnLst>
+                              <p:par>
+                                <p:cTn id="5" presetID="1" presetClass="entr" presetSubtype="0" fill="hold" grpId="0" nodeType="clickEffect">
+                                  <p:stCondLst>
+                                    <p:cond delay="0"/>
+                                  </p:stCondLst>
+                                  <p:childTnLst>
+                                    <p:set>
+                                      <p:cBhvr>
+                                        <p:cTn id="6" dur="1" fill="hold">
+                                          <p:stCondLst>
+                                            <p:cond delay="0"/>
+                                          </p:stCondLst>
+                                        </p:cTn>
+                                        <p:tgtEl>
+                                          <p:spTgt spid="3">
+                                            <p:txEl>
+                                              <p:pRg st="4" end="4"/>
+                                            </p:txEl>
+                                          </p:spTgt>
+                                        </p:tgtEl>
+                                        <p:attrNameLst>
+                                          <p:attrName>style.visibility</p:attrName>
+                                        </p:attrNameLst>
+                                      </p:cBhvr>
+                                      <p:to>
+                                        <p:strVal val="visible"/>
+                                      </p:to>
+                                    </p:set>
+                                  </p:childTnLst>
+                                </p:cTn>
+                              </p:par>
+                            </p:childTnLst>
+                          </p:cTn>
+                        </p:par>
+                      </p:childTnLst>
+                    </p:cTn>
+                  </p:par>
+                  <p:par>
+                    <p:cTn id="7" fill="hold">
+                      <p:stCondLst>
+                        <p:cond delay="indefinite"/>
+                      </p:stCondLst>
+                      <p:childTnLst>
+                        <p:par>
+                          <p:cTn id="8" fill="hold">
+                            <p:stCondLst>
+                              <p:cond delay="0"/>
+                            </p:stCondLst>
+                            <p:childTnLst>
+                              <p:par>
+                                <p:cTn id="9" presetID="1" presetClass="entr" presetSubtype="0" fill="hold" grpId="0" nodeType="clickEffect">
+                                  <p:stCondLst>
+                                    <p:cond delay="0"/>
+                                  </p:stCondLst>
+                                  <p:childTnLst>
+                                    <p:set>
+                                      <p:cBhvr>
+                                        <p:cTn id="10" dur="1" fill="hold">
+                                          <p:stCondLst>
+                                            <p:cond delay="0"/>
+                                          </p:stCondLst>
+                                        </p:cTn>
+                                        <p:tgtEl>
+                                          <p:spTgt spid="3">
+                                            <p:txEl>
+                                              <p:pRg st="6" end="6"/>
+                                            </p:txEl>
+                                          </p:spTgt>
+                                        </p:tgtEl>
+                                        <p:attrNameLst>
+                                          <p:attrName>style.visibility</p:attrName>
+                                        </p:attrNameLst>
+                                      </p:cBhvr>
+                                      <p:to>
+                                        <p:strVal val="visible"/>
+                                      </p:to>
+                                    </p:set>
+                                  </p:childTnLst>
+                                </p:cTn>
+                              </p:par>
+                            </p:childTnLst>
+                          </p:cTn>
+                        </p:par>
+                      </p:childTnLst>
+                    </p:cTn>
+                  </p:par>
+                  <p:par>
+                    <p:cTn id="11" fill="hold">
+                      <p:stCondLst>
+                        <p:cond delay="indefinite"/>
+                      </p:stCondLst>
+                      <p:childTnLst>
+                        <p:par>
+                          <p:cTn id="12" fill="hold">
+                            <p:stCondLst>
+                              <p:cond delay="0"/>
+                            </p:stCondLst>
+                            <p:childTnLst>
+                              <p:par>
+                                <p:cTn id="13" presetID="1" presetClass="entr" presetSubtype="0" fill="hold" grpId="0" nodeType="clickEffect">
+                                  <p:stCondLst>
+                                    <p:cond delay="0"/>
+                                  </p:stCondLst>
+                                  <p:childTnLst>
+                                    <p:set>
+                                      <p:cBhvr>
+                                        <p:cTn id="14" dur="1" fill="hold">
+                                          <p:stCondLst>
+                                            <p:cond delay="0"/>
+                                          </p:stCondLst>
+                                        </p:cTn>
+                                        <p:tgtEl>
+                                          <p:spTgt spid="3">
+                                            <p:txEl>
+                                              <p:pRg st="8" end="8"/>
+                                            </p:txEl>
+                                          </p:spTgt>
+                                        </p:tgtEl>
+                                        <p:attrNameLst>
+                                          <p:attrName>style.visibility</p:attrName>
+                                        </p:attrNameLst>
+                                      </p:cBhvr>
+                                      <p:to>
+                                        <p:strVal val="visible"/>
+                                      </p:to>
+                                    </p:set>
+                                  </p:childTnLst>
+                                </p:cTn>
+                              </p:par>
+                            </p:childTnLst>
+                          </p:cTn>
+                        </p:par>
+                      </p:childTnLst>
+                    </p:cTn>
+                  </p:par>
+                </p:childTnLst>
+              </p:cTn>
+              <p:prevCondLst>
+                <p:cond evt="onPrev" delay="0">
+                  <p:tgtEl>
+                    <p:sldTgt/>
+                  </p:tgtEl>
+                </p:cond>
+              </p:prevCondLst>
+              <p:nextCondLst>
+                <p:cond evt="onNext" delay="0">
+                  <p:tgtEl>
+                    <p:sldTgt/>
+                  </p:tgtEl>
+                </p:cond>
+              </p:nextCondLst>
+            </p:seq>
+          </p:childTnLst>
+        </p:cTn>
+      </p:par>
+    </p:tnLst>
+    <p:bldLst>
+      <p:bldP spid="3" grpId="0" build="p"/>
+    </p:bldLst>
+  </p:timing>
+</p:sld>
+</file>
+
+<file path=ppt/slides/slide35.xml><?xml version="1.0" encoding="utf-8"?>
 <p:sld xmlns:a="http://schemas.openxmlformats.org/drawingml/2006/main" xmlns:r="http://schemas.openxmlformats.org/officeDocument/2006/relationships" xmlns:p="http://schemas.openxmlformats.org/presentationml/2006/main">
   <p:cSld>
     <p:spTree>
@@ -33830,7 +37355,7 @@
 </p:sld>
 </file>
 
-<file path=ppt/slides/slide34.xml><?xml version="1.0" encoding="utf-8"?>
+<file path=ppt/slides/slide36.xml><?xml version="1.0" encoding="utf-8"?>
 <p:sld xmlns:a="http://schemas.openxmlformats.org/drawingml/2006/main" xmlns:r="http://schemas.openxmlformats.org/officeDocument/2006/relationships" xmlns:p="http://schemas.openxmlformats.org/presentationml/2006/main">
   <p:cSld>
     <p:spTree>
@@ -33949,7 +37474,7 @@
 </p:sld>
 </file>
 
-<file path=ppt/slides/slide35.xml><?xml version="1.0" encoding="utf-8"?>
+<file path=ppt/slides/slide37.xml><?xml version="1.0" encoding="utf-8"?>
 <p:sld xmlns:a="http://schemas.openxmlformats.org/drawingml/2006/main" xmlns:r="http://schemas.openxmlformats.org/officeDocument/2006/relationships" xmlns:p="http://schemas.openxmlformats.org/presentationml/2006/main">
   <p:cSld>
     <p:spTree>
@@ -34025,7 +37550,7 @@
 </p:sld>
 </file>
 
-<file path=ppt/slides/slide36.xml><?xml version="1.0" encoding="utf-8"?>
+<file path=ppt/slides/slide38.xml><?xml version="1.0" encoding="utf-8"?>
 <p:sld xmlns:a="http://schemas.openxmlformats.org/drawingml/2006/main" xmlns:r="http://schemas.openxmlformats.org/officeDocument/2006/relationships" xmlns:p="http://schemas.openxmlformats.org/presentationml/2006/main">
   <p:cSld>
     <p:spTree>
@@ -34198,7 +37723,7 @@
 </p:sld>
 </file>
 
-<file path=ppt/slides/slide37.xml><?xml version="1.0" encoding="utf-8"?>
+<file path=ppt/slides/slide39.xml><?xml version="1.0" encoding="utf-8"?>
 <p:sld xmlns:a="http://schemas.openxmlformats.org/drawingml/2006/main" xmlns:r="http://schemas.openxmlformats.org/officeDocument/2006/relationships" xmlns:p="http://schemas.openxmlformats.org/presentationml/2006/main">
   <p:cSld>
     <p:spTree>
@@ -34468,1156 +37993,6 @@
 </p:sld>
 </file>
 
-<file path=ppt/slides/slide38.xml><?xml version="1.0" encoding="utf-8"?>
-<p:sld xmlns:a="http://schemas.openxmlformats.org/drawingml/2006/main" xmlns:r="http://schemas.openxmlformats.org/officeDocument/2006/relationships" xmlns:p="http://schemas.openxmlformats.org/presentationml/2006/main">
-  <p:cSld>
-    <p:spTree>
-      <p:nvGrpSpPr>
-        <p:cNvPr id="1" name=""/>
-        <p:cNvGrpSpPr/>
-        <p:nvPr/>
-      </p:nvGrpSpPr>
-      <p:grpSpPr>
-        <a:xfrm>
-          <a:off x="0" y="0"/>
-          <a:ext cx="0" cy="0"/>
-          <a:chOff x="0" y="0"/>
-          <a:chExt cx="0" cy="0"/>
-        </a:xfrm>
-      </p:grpSpPr>
-      <p:sp>
-        <p:nvSpPr>
-          <p:cNvPr id="4" name="Title 3"/>
-          <p:cNvSpPr>
-            <a:spLocks noGrp="1"/>
-          </p:cNvSpPr>
-          <p:nvPr>
-            <p:ph type="title"/>
-          </p:nvPr>
-        </p:nvSpPr>
-        <p:spPr>
-          <a:xfrm>
-            <a:off x="457200" y="274638"/>
-            <a:ext cx="8229600" cy="1143000"/>
-          </a:xfrm>
-        </p:spPr>
-        <p:txBody>
-          <a:bodyPr/>
-          <a:lstStyle/>
-          <a:p>
-            <a:pPr algn="l"/>
-            <a:r>
-              <a:rPr lang="en-US" dirty="0" smtClean="0"/>
-              <a:t>Range Call Format (RCF) Overview</a:t>
-            </a:r>
-            <a:endParaRPr lang="en-US" dirty="0"/>
-          </a:p>
-        </p:txBody>
-      </p:sp>
-      <p:sp>
-        <p:nvSpPr>
-          <p:cNvPr id="5" name="TextBox 4"/>
-          <p:cNvSpPr txBox="1"/>
-          <p:nvPr/>
-        </p:nvSpPr>
-        <p:spPr>
-          <a:xfrm>
-            <a:off x="3962400" y="1752600"/>
-            <a:ext cx="4826962" cy="3693319"/>
-          </a:xfrm>
-          <a:prstGeom prst="rect">
-            <a:avLst/>
-          </a:prstGeom>
-          <a:noFill/>
-        </p:spPr>
-        <p:txBody>
-          <a:bodyPr wrap="none" rtlCol="0">
-            <a:spAutoFit/>
-          </a:bodyPr>
-          <a:lstStyle/>
-          <a:p>
-            <a:r>
-              <a:rPr lang="en-US" b="1" dirty="0" smtClean="0"/>
-              <a:t>What is RCF? </a:t>
-            </a:r>
-          </a:p>
-          <a:p>
-            <a:pPr marL="285750" indent="-285750">
-              <a:buFont typeface="Arial"/>
-              <a:buChar char="•"/>
-            </a:pPr>
-            <a:r>
-              <a:rPr lang="en-US" dirty="0" smtClean="0"/>
-              <a:t>VCF format + end position column</a:t>
-            </a:r>
-            <a:endParaRPr lang="en-US" dirty="0"/>
-          </a:p>
-          <a:p>
-            <a:pPr marL="285750" indent="-285750" algn="ctr">
-              <a:buFont typeface="Arial"/>
-              <a:buChar char="•"/>
-            </a:pPr>
-            <a:r>
-              <a:rPr lang="en-US" dirty="0" smtClean="0"/>
-              <a:t>BED-like format 0-based start and 1-based end</a:t>
-            </a:r>
-          </a:p>
-          <a:p>
-            <a:endParaRPr lang="en-US" dirty="0" smtClean="0"/>
-          </a:p>
-          <a:p>
-            <a:r>
-              <a:rPr lang="en-US" b="1" dirty="0" smtClean="0"/>
-              <a:t>Benefits</a:t>
-            </a:r>
-            <a:r>
-              <a:rPr lang="en-US" dirty="0" smtClean="0"/>
-              <a:t>:</a:t>
-            </a:r>
-            <a:endParaRPr lang="en-US" dirty="0"/>
-          </a:p>
-          <a:p>
-            <a:pPr marL="285750" indent="-285750">
-              <a:buFont typeface="Arial" panose="020B0604020202020204" pitchFamily="34" charset="0"/>
-              <a:buChar char="•"/>
-            </a:pPr>
-            <a:r>
-              <a:rPr lang="en-US" dirty="0"/>
-              <a:t>Compact </a:t>
-            </a:r>
-            <a:endParaRPr lang="en-US" dirty="0" smtClean="0"/>
-          </a:p>
-          <a:p>
-            <a:pPr marL="285750" indent="-285750">
-              <a:buFont typeface="Arial" panose="020B0604020202020204" pitchFamily="34" charset="0"/>
-              <a:buChar char="•"/>
-            </a:pPr>
-            <a:r>
-              <a:rPr lang="en-US" dirty="0" smtClean="0"/>
-              <a:t>Cross platform </a:t>
-            </a:r>
-            <a:endParaRPr lang="en-US" dirty="0"/>
-          </a:p>
-          <a:p>
-            <a:pPr marL="285750" indent="-285750">
-              <a:buFont typeface="Arial" panose="020B0604020202020204" pitchFamily="34" charset="0"/>
-              <a:buChar char="•"/>
-            </a:pPr>
-            <a:r>
-              <a:rPr lang="en-US" dirty="0" smtClean="0"/>
-              <a:t>Includes no</a:t>
-            </a:r>
-            <a:r>
-              <a:rPr lang="en-US" dirty="0"/>
-              <a:t>-call information</a:t>
-            </a:r>
-          </a:p>
-          <a:p>
-            <a:pPr marL="285750" indent="-285750">
-              <a:buFont typeface="Arial" panose="020B0604020202020204" pitchFamily="34" charset="0"/>
-              <a:buChar char="•"/>
-            </a:pPr>
-            <a:r>
-              <a:rPr lang="en-US" dirty="0"/>
-              <a:t>Compatible with </a:t>
-            </a:r>
-            <a:r>
-              <a:rPr lang="en-US" dirty="0" err="1"/>
-              <a:t>bedtools</a:t>
-            </a:r>
-            <a:endParaRPr lang="en-US" dirty="0"/>
-          </a:p>
-          <a:p>
-            <a:endParaRPr lang="en-US" dirty="0" smtClean="0"/>
-          </a:p>
-          <a:p>
-            <a:r>
-              <a:rPr lang="en-US" b="1" dirty="0" smtClean="0"/>
-              <a:t>To </a:t>
-            </a:r>
-            <a:r>
-              <a:rPr lang="en-US" b="1" dirty="0"/>
-              <a:t>be implemented:</a:t>
-            </a:r>
-          </a:p>
-          <a:p>
-            <a:pPr marL="285750" indent="-285750">
-              <a:buFont typeface="Arial" panose="020B0604020202020204" pitchFamily="34" charset="0"/>
-              <a:buChar char="•"/>
-            </a:pPr>
-            <a:r>
-              <a:rPr lang="en-US" dirty="0" smtClean="0"/>
-              <a:t>Comparable cross-platform </a:t>
-            </a:r>
-            <a:r>
-              <a:rPr lang="en-US" dirty="0"/>
-              <a:t>quality scores</a:t>
-            </a:r>
-          </a:p>
-          <a:p>
-            <a:pPr algn="ctr"/>
-            <a:endParaRPr lang="en-US" dirty="0"/>
-          </a:p>
-        </p:txBody>
-      </p:sp>
-      <p:grpSp>
-        <p:nvGrpSpPr>
-          <p:cNvPr id="2" name="Group 1"/>
-          <p:cNvGrpSpPr/>
-          <p:nvPr/>
-        </p:nvGrpSpPr>
-        <p:grpSpPr>
-          <a:xfrm>
-            <a:off x="381000" y="2438400"/>
-            <a:ext cx="3160059" cy="2092822"/>
-            <a:chOff x="264938" y="2209800"/>
-            <a:chExt cx="3160059" cy="2092822"/>
-          </a:xfrm>
-        </p:grpSpPr>
-        <p:sp>
-          <p:nvSpPr>
-            <p:cNvPr id="6" name="Rounded Rectangle 5"/>
-            <p:cNvSpPr/>
-            <p:nvPr/>
-          </p:nvSpPr>
-          <p:spPr>
-            <a:xfrm>
-              <a:off x="341138" y="2209800"/>
-              <a:ext cx="1143000" cy="914400"/>
-            </a:xfrm>
-            <a:prstGeom prst="roundRect">
-              <a:avLst/>
-            </a:prstGeom>
-          </p:spPr>
-          <p:style>
-            <a:lnRef idx="2">
-              <a:schemeClr val="accent1">
-                <a:shade val="50000"/>
-              </a:schemeClr>
-            </a:lnRef>
-            <a:fillRef idx="1">
-              <a:schemeClr val="accent1"/>
-            </a:fillRef>
-            <a:effectRef idx="0">
-              <a:schemeClr val="accent1"/>
-            </a:effectRef>
-            <a:fontRef idx="minor">
-              <a:schemeClr val="lt1"/>
-            </a:fontRef>
-          </p:style>
-          <p:txBody>
-            <a:bodyPr rtlCol="0" anchor="ctr"/>
-            <a:lstStyle/>
-            <a:p>
-              <a:pPr algn="ctr"/>
-              <a:r>
-                <a:rPr lang="en-US" dirty="0" smtClean="0"/>
-                <a:t>Illumina </a:t>
-              </a:r>
-              <a:r>
-                <a:rPr lang="en-US" dirty="0" err="1" smtClean="0"/>
-                <a:t>gVCF</a:t>
-              </a:r>
-              <a:endParaRPr lang="en-US" dirty="0"/>
-            </a:p>
-          </p:txBody>
-        </p:sp>
-        <p:sp>
-          <p:nvSpPr>
-            <p:cNvPr id="7" name="Rounded Rectangle 6"/>
-            <p:cNvSpPr/>
-            <p:nvPr/>
-          </p:nvSpPr>
-          <p:spPr>
-            <a:xfrm>
-              <a:off x="264938" y="3388222"/>
-              <a:ext cx="1295400" cy="914400"/>
-            </a:xfrm>
-            <a:prstGeom prst="roundRect">
-              <a:avLst/>
-            </a:prstGeom>
-          </p:spPr>
-          <p:style>
-            <a:lnRef idx="2">
-              <a:schemeClr val="accent1">
-                <a:shade val="50000"/>
-              </a:schemeClr>
-            </a:lnRef>
-            <a:fillRef idx="1">
-              <a:schemeClr val="accent1"/>
-            </a:fillRef>
-            <a:effectRef idx="0">
-              <a:schemeClr val="accent1"/>
-            </a:effectRef>
-            <a:fontRef idx="minor">
-              <a:schemeClr val="lt1"/>
-            </a:fontRef>
-          </p:style>
-          <p:txBody>
-            <a:bodyPr rtlCol="0" anchor="ctr"/>
-            <a:lstStyle/>
-            <a:p>
-              <a:pPr algn="ctr"/>
-              <a:r>
-                <a:rPr lang="en-US" dirty="0" smtClean="0"/>
-                <a:t>CGI</a:t>
-              </a:r>
-            </a:p>
-            <a:p>
-              <a:pPr algn="ctr"/>
-              <a:r>
-                <a:rPr lang="en-US" dirty="0" err="1" smtClean="0"/>
-                <a:t>vcfBeta</a:t>
-              </a:r>
-              <a:endParaRPr lang="en-US" dirty="0"/>
-            </a:p>
-          </p:txBody>
-        </p:sp>
-        <p:cxnSp>
-          <p:nvCxnSpPr>
-            <p:cNvPr id="13" name="Straight Arrow Connector 12"/>
-            <p:cNvCxnSpPr>
-              <a:stCxn id="6" idx="3"/>
-            </p:cNvCxnSpPr>
-            <p:nvPr/>
-          </p:nvCxnSpPr>
-          <p:spPr>
-            <a:xfrm>
-              <a:off x="1484138" y="2667000"/>
-              <a:ext cx="533400" cy="304800"/>
-            </a:xfrm>
-            <a:prstGeom prst="straightConnector1">
-              <a:avLst/>
-            </a:prstGeom>
-            <a:ln>
-              <a:tailEnd type="arrow"/>
-            </a:ln>
-          </p:spPr>
-          <p:style>
-            <a:lnRef idx="1">
-              <a:schemeClr val="accent1"/>
-            </a:lnRef>
-            <a:fillRef idx="0">
-              <a:schemeClr val="accent1"/>
-            </a:fillRef>
-            <a:effectRef idx="0">
-              <a:schemeClr val="accent1"/>
-            </a:effectRef>
-            <a:fontRef idx="minor">
-              <a:schemeClr val="tx1"/>
-            </a:fontRef>
-          </p:style>
-        </p:cxnSp>
-        <p:cxnSp>
-          <p:nvCxnSpPr>
-            <p:cNvPr id="16" name="Straight Arrow Connector 15"/>
-            <p:cNvCxnSpPr>
-              <a:stCxn id="7" idx="3"/>
-            </p:cNvCxnSpPr>
-            <p:nvPr/>
-          </p:nvCxnSpPr>
-          <p:spPr>
-            <a:xfrm flipV="1">
-              <a:off x="1560338" y="3581400"/>
-              <a:ext cx="457200" cy="264022"/>
-            </a:xfrm>
-            <a:prstGeom prst="straightConnector1">
-              <a:avLst/>
-            </a:prstGeom>
-            <a:ln>
-              <a:tailEnd type="arrow"/>
-            </a:ln>
-          </p:spPr>
-          <p:style>
-            <a:lnRef idx="1">
-              <a:schemeClr val="accent1"/>
-            </a:lnRef>
-            <a:fillRef idx="0">
-              <a:schemeClr val="accent1"/>
-            </a:fillRef>
-            <a:effectRef idx="0">
-              <a:schemeClr val="accent1"/>
-            </a:effectRef>
-            <a:fontRef idx="minor">
-              <a:schemeClr val="tx1"/>
-            </a:fontRef>
-          </p:style>
-        </p:cxnSp>
-        <p:sp>
-          <p:nvSpPr>
-            <p:cNvPr id="52" name="Rounded Rectangle 51"/>
-            <p:cNvSpPr/>
-            <p:nvPr/>
-          </p:nvSpPr>
-          <p:spPr>
-            <a:xfrm>
-              <a:off x="2017538" y="2819400"/>
-              <a:ext cx="1407459" cy="827205"/>
-            </a:xfrm>
-            <a:prstGeom prst="roundRect">
-              <a:avLst/>
-            </a:prstGeom>
-          </p:spPr>
-          <p:style>
-            <a:lnRef idx="2">
-              <a:schemeClr val="accent1">
-                <a:shade val="50000"/>
-              </a:schemeClr>
-            </a:lnRef>
-            <a:fillRef idx="1">
-              <a:schemeClr val="accent1"/>
-            </a:fillRef>
-            <a:effectRef idx="0">
-              <a:schemeClr val="accent1"/>
-            </a:effectRef>
-            <a:fontRef idx="minor">
-              <a:schemeClr val="lt1"/>
-            </a:fontRef>
-          </p:style>
-          <p:txBody>
-            <a:bodyPr rtlCol="0" anchor="ctr"/>
-            <a:lstStyle/>
-            <a:p>
-              <a:pPr algn="ctr"/>
-              <a:r>
-                <a:rPr lang="en-US" dirty="0" smtClean="0"/>
-                <a:t>Sorted, Normalized RCF</a:t>
-              </a:r>
-              <a:endParaRPr lang="en-US" dirty="0"/>
-            </a:p>
-          </p:txBody>
-        </p:sp>
-      </p:grpSp>
-      <p:sp>
-        <p:nvSpPr>
-          <p:cNvPr id="57" name="TextBox 56"/>
-          <p:cNvSpPr txBox="1"/>
-          <p:nvPr/>
-        </p:nvSpPr>
-        <p:spPr>
-          <a:xfrm>
-            <a:off x="5166445" y="6248400"/>
-            <a:ext cx="3842077" cy="461665"/>
-          </a:xfrm>
-          <a:prstGeom prst="rect">
-            <a:avLst/>
-          </a:prstGeom>
-          <a:noFill/>
-        </p:spPr>
-        <p:txBody>
-          <a:bodyPr wrap="none" rtlCol="0">
-            <a:spAutoFit/>
-          </a:bodyPr>
-          <a:lstStyle/>
-          <a:p>
-            <a:r>
-              <a:rPr lang="en-US" sz="1200" dirty="0" smtClean="0"/>
-              <a:t>* https://github.com/atks/vt implementing </a:t>
-            </a:r>
-            <a:br>
-              <a:rPr lang="en-US" sz="1200" dirty="0" smtClean="0"/>
-            </a:br>
-            <a:r>
-              <a:rPr lang="en-US" sz="1200" dirty="0" smtClean="0"/>
-              <a:t>http://genome.sph.umich.edu/wiki/Variant_Normalization</a:t>
-            </a:r>
-            <a:endParaRPr lang="en-US" sz="1200" dirty="0"/>
-          </a:p>
-        </p:txBody>
-      </p:sp>
-    </p:spTree>
-    <p:extLst>
-      <p:ext uri="{BB962C8B-B14F-4D97-AF65-F5344CB8AC3E}">
-        <p14:creationId xmlns:p14="http://schemas.microsoft.com/office/powerpoint/2010/main" val="4178811464"/>
-      </p:ext>
-    </p:extLst>
-  </p:cSld>
-  <p:clrMapOvr>
-    <a:masterClrMapping/>
-  </p:clrMapOvr>
-  <p:timing>
-    <p:tnLst>
-      <p:par>
-        <p:cTn id="1" dur="indefinite" restart="never" nodeType="tmRoot"/>
-      </p:par>
-    </p:tnLst>
-  </p:timing>
-</p:sld>
-</file>
-
-<file path=ppt/slides/slide39.xml><?xml version="1.0" encoding="utf-8"?>
-<p:sld xmlns:a="http://schemas.openxmlformats.org/drawingml/2006/main" xmlns:r="http://schemas.openxmlformats.org/officeDocument/2006/relationships" xmlns:p="http://schemas.openxmlformats.org/presentationml/2006/main">
-  <p:cSld>
-    <p:spTree>
-      <p:nvGrpSpPr>
-        <p:cNvPr id="1" name=""/>
-        <p:cNvGrpSpPr/>
-        <p:nvPr/>
-      </p:nvGrpSpPr>
-      <p:grpSpPr>
-        <a:xfrm>
-          <a:off x="0" y="0"/>
-          <a:ext cx="0" cy="0"/>
-          <a:chOff x="0" y="0"/>
-          <a:chExt cx="0" cy="0"/>
-        </a:xfrm>
-      </p:grpSpPr>
-      <p:sp>
-        <p:nvSpPr>
-          <p:cNvPr id="4" name="Title 3"/>
-          <p:cNvSpPr>
-            <a:spLocks noGrp="1"/>
-          </p:cNvSpPr>
-          <p:nvPr>
-            <p:ph type="title"/>
-          </p:nvPr>
-        </p:nvSpPr>
-        <p:spPr>
-          <a:xfrm>
-            <a:off x="457200" y="274638"/>
-            <a:ext cx="8229600" cy="1143000"/>
-          </a:xfrm>
-        </p:spPr>
-        <p:txBody>
-          <a:bodyPr/>
-          <a:lstStyle/>
-          <a:p>
-            <a:pPr algn="l"/>
-            <a:r>
-              <a:rPr lang="en-US" dirty="0" smtClean="0"/>
-              <a:t>RCF Illumina Pipeline</a:t>
-            </a:r>
-            <a:endParaRPr lang="en-US" dirty="0"/>
-          </a:p>
-        </p:txBody>
-      </p:sp>
-      <p:sp>
-        <p:nvSpPr>
-          <p:cNvPr id="6" name="Rounded Rectangle 5"/>
-          <p:cNvSpPr/>
-          <p:nvPr/>
-        </p:nvSpPr>
-        <p:spPr>
-          <a:xfrm>
-            <a:off x="341138" y="2209800"/>
-            <a:ext cx="1143000" cy="914400"/>
-          </a:xfrm>
-          <a:prstGeom prst="roundRect">
-            <a:avLst/>
-          </a:prstGeom>
-        </p:spPr>
-        <p:style>
-          <a:lnRef idx="2">
-            <a:schemeClr val="accent1">
-              <a:shade val="50000"/>
-            </a:schemeClr>
-          </a:lnRef>
-          <a:fillRef idx="1">
-            <a:schemeClr val="accent1"/>
-          </a:fillRef>
-          <a:effectRef idx="0">
-            <a:schemeClr val="accent1"/>
-          </a:effectRef>
-          <a:fontRef idx="minor">
-            <a:schemeClr val="lt1"/>
-          </a:fontRef>
-        </p:style>
-        <p:txBody>
-          <a:bodyPr rtlCol="0" anchor="ctr"/>
-          <a:lstStyle/>
-          <a:p>
-            <a:pPr algn="ctr"/>
-            <a:r>
-              <a:rPr lang="en-US" dirty="0" smtClean="0"/>
-              <a:t>Illumina </a:t>
-            </a:r>
-            <a:r>
-              <a:rPr lang="en-US" dirty="0" err="1" smtClean="0"/>
-              <a:t>gVCF</a:t>
-            </a:r>
-            <a:endParaRPr lang="en-US" dirty="0"/>
-          </a:p>
-        </p:txBody>
-      </p:sp>
-      <p:sp>
-        <p:nvSpPr>
-          <p:cNvPr id="9" name="TextBox 8"/>
-          <p:cNvSpPr txBox="1"/>
-          <p:nvPr/>
-        </p:nvSpPr>
-        <p:spPr>
-          <a:xfrm>
-            <a:off x="685800" y="4800600"/>
-            <a:ext cx="4953000" cy="1077218"/>
-          </a:xfrm>
-          <a:prstGeom prst="rect">
-            <a:avLst/>
-          </a:prstGeom>
-          <a:noFill/>
-        </p:spPr>
-        <p:txBody>
-          <a:bodyPr wrap="square" rtlCol="0">
-            <a:spAutoFit/>
-          </a:bodyPr>
-          <a:lstStyle/>
-          <a:p>
-            <a:r>
-              <a:rPr lang="en-US" sz="1600" dirty="0" smtClean="0"/>
-              <a:t>Illumina:</a:t>
-            </a:r>
-          </a:p>
-          <a:p>
-            <a:pPr marL="285750" indent="-285750">
-              <a:buFont typeface="Arial" panose="020B0604020202020204" pitchFamily="34" charset="0"/>
-              <a:buChar char="•"/>
-            </a:pPr>
-            <a:r>
-              <a:rPr lang="en-US" sz="1600" dirty="0" smtClean="0"/>
-              <a:t>FILTER != PASS &gt;  </a:t>
-            </a:r>
-            <a:r>
-              <a:rPr lang="en-US" sz="1600" dirty="0" err="1" smtClean="0"/>
-              <a:t>nc</a:t>
-            </a:r>
-            <a:endParaRPr lang="en-US" sz="1600" dirty="0" smtClean="0"/>
-          </a:p>
-          <a:p>
-            <a:pPr marL="285750" indent="-285750">
-              <a:buFont typeface="Arial" panose="020B0604020202020204" pitchFamily="34" charset="0"/>
-              <a:buChar char="•"/>
-            </a:pPr>
-            <a:r>
-              <a:rPr lang="en-US" sz="1600" dirty="0" smtClean="0"/>
-              <a:t>Exclude reference (filter == PASS &amp;&amp; GT = 0/0)</a:t>
-            </a:r>
-          </a:p>
-          <a:p>
-            <a:pPr marL="285750" indent="-285750">
-              <a:buFont typeface="Arial" panose="020B0604020202020204" pitchFamily="34" charset="0"/>
-              <a:buChar char="•"/>
-            </a:pPr>
-            <a:r>
-              <a:rPr lang="en-US" sz="1600" dirty="0" smtClean="0"/>
-              <a:t>Remove leading reference base</a:t>
-            </a:r>
-          </a:p>
-        </p:txBody>
-      </p:sp>
-      <p:sp>
-        <p:nvSpPr>
-          <p:cNvPr id="11" name="Rounded Rectangle 10"/>
-          <p:cNvSpPr/>
-          <p:nvPr/>
-        </p:nvSpPr>
-        <p:spPr>
-          <a:xfrm>
-            <a:off x="3200400" y="2916345"/>
-            <a:ext cx="1371600" cy="914400"/>
-          </a:xfrm>
-          <a:prstGeom prst="roundRect">
-            <a:avLst/>
-          </a:prstGeom>
-        </p:spPr>
-        <p:style>
-          <a:lnRef idx="2">
-            <a:schemeClr val="accent1">
-              <a:shade val="50000"/>
-            </a:schemeClr>
-          </a:lnRef>
-          <a:fillRef idx="1">
-            <a:schemeClr val="accent1"/>
-          </a:fillRef>
-          <a:effectRef idx="0">
-            <a:schemeClr val="accent1"/>
-          </a:effectRef>
-          <a:fontRef idx="minor">
-            <a:schemeClr val="lt1"/>
-          </a:fontRef>
-        </p:style>
-        <p:txBody>
-          <a:bodyPr rtlCol="0" anchor="ctr"/>
-          <a:lstStyle/>
-          <a:p>
-            <a:pPr algn="ctr"/>
-            <a:r>
-              <a:rPr lang="en-US" dirty="0" smtClean="0"/>
-              <a:t>Normalized VCF</a:t>
-            </a:r>
-            <a:endParaRPr lang="en-US" dirty="0"/>
-          </a:p>
-        </p:txBody>
-      </p:sp>
-      <p:cxnSp>
-        <p:nvCxnSpPr>
-          <p:cNvPr id="13" name="Straight Arrow Connector 12"/>
-          <p:cNvCxnSpPr>
-            <a:stCxn id="6" idx="3"/>
-            <a:endCxn id="38" idx="0"/>
-          </p:cNvCxnSpPr>
-          <p:nvPr/>
-        </p:nvCxnSpPr>
-        <p:spPr>
-          <a:xfrm>
-            <a:off x="1484138" y="2667000"/>
-            <a:ext cx="801943" cy="383380"/>
-          </a:xfrm>
-          <a:prstGeom prst="straightConnector1">
-            <a:avLst/>
-          </a:prstGeom>
-          <a:ln>
-            <a:tailEnd type="arrow"/>
-          </a:ln>
-        </p:spPr>
-        <p:style>
-          <a:lnRef idx="1">
-            <a:schemeClr val="accent1"/>
-          </a:lnRef>
-          <a:fillRef idx="0">
-            <a:schemeClr val="accent1"/>
-          </a:fillRef>
-          <a:effectRef idx="0">
-            <a:schemeClr val="accent1"/>
-          </a:effectRef>
-          <a:fontRef idx="minor">
-            <a:schemeClr val="tx1"/>
-          </a:fontRef>
-        </p:style>
-      </p:cxnSp>
-      <p:sp>
-        <p:nvSpPr>
-          <p:cNvPr id="22" name="Rounded Rectangle 21"/>
-          <p:cNvSpPr/>
-          <p:nvPr/>
-        </p:nvSpPr>
-        <p:spPr>
-          <a:xfrm>
-            <a:off x="7376130" y="2916345"/>
-            <a:ext cx="1371600" cy="914400"/>
-          </a:xfrm>
-          <a:prstGeom prst="roundRect">
-            <a:avLst/>
-          </a:prstGeom>
-        </p:spPr>
-        <p:style>
-          <a:lnRef idx="2">
-            <a:schemeClr val="accent1">
-              <a:shade val="50000"/>
-            </a:schemeClr>
-          </a:lnRef>
-          <a:fillRef idx="1">
-            <a:schemeClr val="accent1"/>
-          </a:fillRef>
-          <a:effectRef idx="0">
-            <a:schemeClr val="accent1"/>
-          </a:effectRef>
-          <a:fontRef idx="minor">
-            <a:schemeClr val="lt1"/>
-          </a:fontRef>
-        </p:style>
-        <p:txBody>
-          <a:bodyPr rtlCol="0" anchor="ctr"/>
-          <a:lstStyle/>
-          <a:p>
-            <a:pPr algn="ctr"/>
-            <a:r>
-              <a:rPr lang="en-US" dirty="0" smtClean="0"/>
-              <a:t>Normalized RCF</a:t>
-            </a:r>
-            <a:endParaRPr lang="en-US" dirty="0"/>
-          </a:p>
-        </p:txBody>
-      </p:sp>
-      <p:cxnSp>
-        <p:nvCxnSpPr>
-          <p:cNvPr id="26" name="Straight Arrow Connector 25"/>
-          <p:cNvCxnSpPr>
-            <a:stCxn id="11" idx="3"/>
-            <a:endCxn id="22" idx="1"/>
-          </p:cNvCxnSpPr>
-          <p:nvPr/>
-        </p:nvCxnSpPr>
-        <p:spPr>
-          <a:xfrm>
-            <a:off x="4572000" y="3373545"/>
-            <a:ext cx="2804130" cy="0"/>
-          </a:xfrm>
-          <a:prstGeom prst="straightConnector1">
-            <a:avLst/>
-          </a:prstGeom>
-          <a:ln>
-            <a:tailEnd type="arrow"/>
-          </a:ln>
-        </p:spPr>
-        <p:style>
-          <a:lnRef idx="1">
-            <a:schemeClr val="accent1"/>
-          </a:lnRef>
-          <a:fillRef idx="0">
-            <a:schemeClr val="accent1"/>
-          </a:fillRef>
-          <a:effectRef idx="0">
-            <a:schemeClr val="accent1"/>
-          </a:effectRef>
-          <a:fontRef idx="minor">
-            <a:schemeClr val="tx1"/>
-          </a:fontRef>
-        </p:style>
-      </p:cxnSp>
-      <p:sp>
-        <p:nvSpPr>
-          <p:cNvPr id="38" name="TextBox 37"/>
-          <p:cNvSpPr txBox="1"/>
-          <p:nvPr/>
-        </p:nvSpPr>
-        <p:spPr>
-          <a:xfrm>
-            <a:off x="1697009" y="3050380"/>
-            <a:ext cx="1178143" cy="646331"/>
-          </a:xfrm>
-          <a:prstGeom prst="rect">
-            <a:avLst/>
-          </a:prstGeom>
-          <a:solidFill>
-            <a:schemeClr val="bg1"/>
-          </a:solidFill>
-          <a:ln>
-            <a:solidFill>
-              <a:schemeClr val="accent1"/>
-            </a:solidFill>
-          </a:ln>
-        </p:spPr>
-        <p:txBody>
-          <a:bodyPr wrap="none" rtlCol="0">
-            <a:spAutoFit/>
-          </a:bodyPr>
-          <a:lstStyle/>
-          <a:p>
-            <a:pPr algn="ctr"/>
-            <a:r>
-              <a:rPr lang="en-US" dirty="0" err="1"/>
-              <a:t>v</a:t>
-            </a:r>
-            <a:r>
-              <a:rPr lang="en-US" dirty="0" err="1" smtClean="0"/>
-              <a:t>t</a:t>
-            </a:r>
-            <a:r>
-              <a:rPr lang="en-US" dirty="0" smtClean="0"/>
-              <a:t> </a:t>
-            </a:r>
-          </a:p>
-          <a:p>
-            <a:pPr algn="ctr"/>
-            <a:r>
-              <a:rPr lang="en-US" dirty="0"/>
-              <a:t>n</a:t>
-            </a:r>
-            <a:r>
-              <a:rPr lang="en-US" dirty="0" smtClean="0"/>
-              <a:t>ormalize</a:t>
-            </a:r>
-            <a:r>
-              <a:rPr lang="en-US" sz="1600" baseline="30000" dirty="0" smtClean="0"/>
-              <a:t>*</a:t>
-            </a:r>
-            <a:endParaRPr lang="en-US" sz="1600" baseline="30000" dirty="0"/>
-          </a:p>
-        </p:txBody>
-      </p:sp>
-      <p:cxnSp>
-        <p:nvCxnSpPr>
-          <p:cNvPr id="44" name="Straight Arrow Connector 43"/>
-          <p:cNvCxnSpPr>
-            <a:stCxn id="38" idx="3"/>
-            <a:endCxn id="11" idx="1"/>
-          </p:cNvCxnSpPr>
-          <p:nvPr/>
-        </p:nvCxnSpPr>
-        <p:spPr>
-          <a:xfrm flipV="1">
-            <a:off x="2875152" y="3373545"/>
-            <a:ext cx="325248" cy="1"/>
-          </a:xfrm>
-          <a:prstGeom prst="straightConnector1">
-            <a:avLst/>
-          </a:prstGeom>
-          <a:ln>
-            <a:tailEnd type="arrow"/>
-          </a:ln>
-        </p:spPr>
-        <p:style>
-          <a:lnRef idx="1">
-            <a:schemeClr val="accent1"/>
-          </a:lnRef>
-          <a:fillRef idx="0">
-            <a:schemeClr val="accent1"/>
-          </a:fillRef>
-          <a:effectRef idx="0">
-            <a:schemeClr val="accent1"/>
-          </a:effectRef>
-          <a:fontRef idx="minor">
-            <a:schemeClr val="tx1"/>
-          </a:fontRef>
-        </p:style>
-      </p:cxnSp>
-      <p:sp>
-        <p:nvSpPr>
-          <p:cNvPr id="50" name="TextBox 49"/>
-          <p:cNvSpPr txBox="1"/>
-          <p:nvPr/>
-        </p:nvSpPr>
-        <p:spPr>
-          <a:xfrm>
-            <a:off x="4854747" y="3188879"/>
-            <a:ext cx="2170979" cy="369332"/>
-          </a:xfrm>
-          <a:prstGeom prst="rect">
-            <a:avLst/>
-          </a:prstGeom>
-          <a:solidFill>
-            <a:schemeClr val="bg1"/>
-          </a:solidFill>
-          <a:ln>
-            <a:solidFill>
-              <a:schemeClr val="accent1"/>
-            </a:solidFill>
-          </a:ln>
-        </p:spPr>
-        <p:txBody>
-          <a:bodyPr wrap="none" rtlCol="0">
-            <a:spAutoFit/>
-          </a:bodyPr>
-          <a:lstStyle/>
-          <a:p>
-            <a:r>
-              <a:rPr lang="en-US" dirty="0" err="1" smtClean="0"/>
-              <a:t>FamGen</a:t>
-            </a:r>
-            <a:r>
-              <a:rPr lang="en-US" dirty="0" smtClean="0"/>
-              <a:t> Genotype.pl</a:t>
-            </a:r>
-            <a:endParaRPr lang="en-US" dirty="0"/>
-          </a:p>
-        </p:txBody>
-      </p:sp>
-      <p:sp>
-        <p:nvSpPr>
-          <p:cNvPr id="52" name="Rounded Rectangle 51"/>
-          <p:cNvSpPr/>
-          <p:nvPr/>
-        </p:nvSpPr>
-        <p:spPr>
-          <a:xfrm>
-            <a:off x="7358201" y="4947291"/>
-            <a:ext cx="1407459" cy="827205"/>
-          </a:xfrm>
-          <a:prstGeom prst="roundRect">
-            <a:avLst/>
-          </a:prstGeom>
-        </p:spPr>
-        <p:style>
-          <a:lnRef idx="2">
-            <a:schemeClr val="accent1">
-              <a:shade val="50000"/>
-            </a:schemeClr>
-          </a:lnRef>
-          <a:fillRef idx="1">
-            <a:schemeClr val="accent1"/>
-          </a:fillRef>
-          <a:effectRef idx="0">
-            <a:schemeClr val="accent1"/>
-          </a:effectRef>
-          <a:fontRef idx="minor">
-            <a:schemeClr val="lt1"/>
-          </a:fontRef>
-        </p:style>
-        <p:txBody>
-          <a:bodyPr rtlCol="0" anchor="ctr"/>
-          <a:lstStyle/>
-          <a:p>
-            <a:pPr algn="ctr"/>
-            <a:r>
-              <a:rPr lang="en-US" dirty="0" smtClean="0"/>
-              <a:t>Sorted, Normalized RCF</a:t>
-            </a:r>
-            <a:endParaRPr lang="en-US" dirty="0"/>
-          </a:p>
-        </p:txBody>
-      </p:sp>
-      <p:cxnSp>
-        <p:nvCxnSpPr>
-          <p:cNvPr id="54" name="Straight Arrow Connector 53"/>
-          <p:cNvCxnSpPr>
-            <a:stCxn id="22" idx="2"/>
-            <a:endCxn id="52" idx="0"/>
-          </p:cNvCxnSpPr>
-          <p:nvPr/>
-        </p:nvCxnSpPr>
-        <p:spPr>
-          <a:xfrm>
-            <a:off x="8061930" y="3830745"/>
-            <a:ext cx="1" cy="1116546"/>
-          </a:xfrm>
-          <a:prstGeom prst="straightConnector1">
-            <a:avLst/>
-          </a:prstGeom>
-          <a:ln>
-            <a:tailEnd type="arrow"/>
-          </a:ln>
-        </p:spPr>
-        <p:style>
-          <a:lnRef idx="1">
-            <a:schemeClr val="accent1"/>
-          </a:lnRef>
-          <a:fillRef idx="0">
-            <a:schemeClr val="accent1"/>
-          </a:fillRef>
-          <a:effectRef idx="0">
-            <a:schemeClr val="accent1"/>
-          </a:effectRef>
-          <a:fontRef idx="minor">
-            <a:schemeClr val="tx1"/>
-          </a:fontRef>
-        </p:style>
-      </p:cxnSp>
-      <p:sp>
-        <p:nvSpPr>
-          <p:cNvPr id="56" name="TextBox 55"/>
-          <p:cNvSpPr txBox="1"/>
-          <p:nvPr/>
-        </p:nvSpPr>
-        <p:spPr>
-          <a:xfrm>
-            <a:off x="7614871" y="4236181"/>
-            <a:ext cx="912045" cy="369332"/>
-          </a:xfrm>
-          <a:prstGeom prst="rect">
-            <a:avLst/>
-          </a:prstGeom>
-          <a:solidFill>
-            <a:schemeClr val="bg1"/>
-          </a:solidFill>
-          <a:ln>
-            <a:solidFill>
-              <a:schemeClr val="accent1"/>
-            </a:solidFill>
-          </a:ln>
-        </p:spPr>
-        <p:txBody>
-          <a:bodyPr wrap="none" rtlCol="0">
-            <a:spAutoFit/>
-          </a:bodyPr>
-          <a:lstStyle/>
-          <a:p>
-            <a:r>
-              <a:rPr lang="en-US" dirty="0" err="1" smtClean="0"/>
-              <a:t>vcf</a:t>
-            </a:r>
-            <a:r>
-              <a:rPr lang="en-US" dirty="0" smtClean="0"/>
-              <a:t>-sort</a:t>
-            </a:r>
-            <a:endParaRPr lang="en-US" dirty="0"/>
-          </a:p>
-        </p:txBody>
-      </p:sp>
-      <p:sp>
-        <p:nvSpPr>
-          <p:cNvPr id="57" name="TextBox 56"/>
-          <p:cNvSpPr txBox="1"/>
-          <p:nvPr/>
-        </p:nvSpPr>
-        <p:spPr>
-          <a:xfrm>
-            <a:off x="228600" y="6396335"/>
-            <a:ext cx="3842077" cy="461665"/>
-          </a:xfrm>
-          <a:prstGeom prst="rect">
-            <a:avLst/>
-          </a:prstGeom>
-          <a:noFill/>
-        </p:spPr>
-        <p:txBody>
-          <a:bodyPr wrap="none" rtlCol="0">
-            <a:spAutoFit/>
-          </a:bodyPr>
-          <a:lstStyle/>
-          <a:p>
-            <a:r>
-              <a:rPr lang="en-US" sz="1200" dirty="0" smtClean="0"/>
-              <a:t>* https://github.com/atks/vt implementing </a:t>
-            </a:r>
-            <a:br>
-              <a:rPr lang="en-US" sz="1200" dirty="0" smtClean="0"/>
-            </a:br>
-            <a:r>
-              <a:rPr lang="en-US" sz="1200" dirty="0" smtClean="0"/>
-              <a:t>http://genome.sph.umich.edu/wiki/Variant_Normalization</a:t>
-            </a:r>
-            <a:endParaRPr lang="en-US" sz="1200" dirty="0"/>
-          </a:p>
-        </p:txBody>
-      </p:sp>
-      <p:sp>
-        <p:nvSpPr>
-          <p:cNvPr id="58" name="TextBox 57"/>
-          <p:cNvSpPr txBox="1"/>
-          <p:nvPr/>
-        </p:nvSpPr>
-        <p:spPr>
-          <a:xfrm>
-            <a:off x="1719591" y="3901054"/>
-            <a:ext cx="1205715" cy="523220"/>
-          </a:xfrm>
-          <a:prstGeom prst="rect">
-            <a:avLst/>
-          </a:prstGeom>
-          <a:noFill/>
-        </p:spPr>
-        <p:txBody>
-          <a:bodyPr wrap="none" rtlCol="0">
-            <a:spAutoFit/>
-          </a:bodyPr>
-          <a:lstStyle/>
-          <a:p>
-            <a:r>
-              <a:rPr lang="en-US" sz="1400" dirty="0" smtClean="0"/>
-              <a:t>parsimony &amp;</a:t>
-            </a:r>
-          </a:p>
-          <a:p>
-            <a:r>
-              <a:rPr lang="en-US" sz="1400" dirty="0"/>
-              <a:t>l</a:t>
-            </a:r>
-            <a:r>
-              <a:rPr lang="en-US" sz="1400" dirty="0" smtClean="0"/>
-              <a:t>eft alignment</a:t>
-            </a:r>
-          </a:p>
-        </p:txBody>
-      </p:sp>
-    </p:spTree>
-    <p:extLst>
-      <p:ext uri="{BB962C8B-B14F-4D97-AF65-F5344CB8AC3E}">
-        <p14:creationId xmlns:p14="http://schemas.microsoft.com/office/powerpoint/2010/main" val="282453230"/>
-      </p:ext>
-    </p:extLst>
-  </p:cSld>
-  <p:clrMapOvr>
-    <a:masterClrMapping/>
-  </p:clrMapOvr>
-  <p:timing>
-    <p:tnLst>
-      <p:par>
-        <p:cTn id="1" dur="indefinite" restart="never" nodeType="tmRoot"/>
-      </p:par>
-    </p:tnLst>
-  </p:timing>
-</p:sld>
-</file>
-
 <file path=ppt/slides/slide4.xml><?xml version="1.0" encoding="utf-8"?>
 <p:sld xmlns:a="http://schemas.openxmlformats.org/drawingml/2006/main" xmlns:r="http://schemas.openxmlformats.org/officeDocument/2006/relationships" xmlns:p="http://schemas.openxmlformats.org/presentationml/2006/main">
   <p:cSld>
@@ -35697,6 +38072,51 @@
       </p:grpSpPr>
       <p:sp>
         <p:nvSpPr>
+          <p:cNvPr id="23" name="Rectangle 22"/>
+          <p:cNvSpPr/>
+          <p:nvPr/>
+        </p:nvSpPr>
+        <p:spPr>
+          <a:xfrm>
+            <a:off x="6883293" y="6113058"/>
+            <a:ext cx="2260707" cy="744942"/>
+          </a:xfrm>
+          <a:prstGeom prst="rect">
+            <a:avLst/>
+          </a:prstGeom>
+          <a:solidFill>
+            <a:schemeClr val="bg1"/>
+          </a:solidFill>
+          <a:ln>
+            <a:noFill/>
+          </a:ln>
+          <a:effectLst/>
+        </p:spPr>
+        <p:style>
+          <a:lnRef idx="1">
+            <a:schemeClr val="accent1"/>
+          </a:lnRef>
+          <a:fillRef idx="3">
+            <a:schemeClr val="accent1"/>
+          </a:fillRef>
+          <a:effectRef idx="2">
+            <a:schemeClr val="accent1"/>
+          </a:effectRef>
+          <a:fontRef idx="minor">
+            <a:schemeClr val="lt1"/>
+          </a:fontRef>
+        </p:style>
+        <p:txBody>
+          <a:bodyPr rtlCol="0" anchor="ctr"/>
+          <a:lstStyle/>
+          <a:p>
+            <a:pPr algn="ctr"/>
+            <a:endParaRPr lang="en-US"/>
+          </a:p>
+        </p:txBody>
+      </p:sp>
+      <p:sp>
+        <p:nvSpPr>
           <p:cNvPr id="4" name="Title 3"/>
           <p:cNvSpPr>
             <a:spLocks noGrp="1"/>
@@ -35707,18 +38127,83 @@
         </p:nvSpPr>
         <p:spPr>
           <a:xfrm>
-            <a:off x="457200" y="274638"/>
-            <a:ext cx="8229600" cy="1143000"/>
+            <a:off x="457200" y="37369"/>
+            <a:ext cx="8229600" cy="786075"/>
           </a:xfrm>
         </p:spPr>
         <p:txBody>
-          <a:bodyPr/>
+          <a:bodyPr>
+            <a:normAutofit fontScale="90000"/>
+          </a:bodyPr>
           <a:lstStyle/>
           <a:p>
             <a:pPr algn="l"/>
             <a:r>
               <a:rPr lang="en-US" dirty="0" smtClean="0"/>
-              <a:t>RCF Complete Genomics Pipeline</a:t>
+              <a:t>Genome sequencing data model</a:t>
+            </a:r>
+            <a:br>
+              <a:rPr lang="en-US" dirty="0" smtClean="0"/>
+            </a:br>
+            <a:r>
+              <a:rPr lang="en-US" sz="3100" dirty="0" smtClean="0">
+                <a:solidFill>
+                  <a:srgbClr val="5E6A71"/>
+                </a:solidFill>
+              </a:rPr>
+              <a:t>Range Call Format</a:t>
+            </a:r>
+            <a:endParaRPr lang="en-US" sz="3100" dirty="0">
+              <a:solidFill>
+                <a:srgbClr val="5E6A71"/>
+              </a:solidFill>
+            </a:endParaRPr>
+          </a:p>
+        </p:txBody>
+      </p:sp>
+      <p:sp>
+        <p:nvSpPr>
+          <p:cNvPr id="6" name="Rounded Rectangle 5"/>
+          <p:cNvSpPr/>
+          <p:nvPr/>
+        </p:nvSpPr>
+        <p:spPr>
+          <a:xfrm>
+            <a:off x="341138" y="2754123"/>
+            <a:ext cx="1143000" cy="914400"/>
+          </a:xfrm>
+          <a:prstGeom prst="roundRect">
+            <a:avLst/>
+          </a:prstGeom>
+        </p:spPr>
+        <p:style>
+          <a:lnRef idx="2">
+            <a:schemeClr val="accent1">
+              <a:shade val="50000"/>
+            </a:schemeClr>
+          </a:lnRef>
+          <a:fillRef idx="1">
+            <a:schemeClr val="accent1"/>
+          </a:fillRef>
+          <a:effectRef idx="0">
+            <a:schemeClr val="accent1"/>
+          </a:effectRef>
+          <a:fontRef idx="minor">
+            <a:schemeClr val="lt1"/>
+          </a:fontRef>
+        </p:style>
+        <p:txBody>
+          <a:bodyPr rtlCol="0" anchor="ctr"/>
+          <a:lstStyle/>
+          <a:p>
+            <a:pPr algn="ctr"/>
+            <a:r>
+              <a:rPr lang="en-US" dirty="0" smtClean="0"/>
+              <a:t>Illumina </a:t>
+            </a:r>
+            <a:r>
+              <a:rPr lang="en-US" dirty="0" err="1" smtClean="0"/>
+              <a:t>gVCF</a:t>
             </a:r>
             <a:endParaRPr lang="en-US" dirty="0"/>
           </a:p>
@@ -35732,7 +38217,7 @@
         </p:nvSpPr>
         <p:spPr>
           <a:xfrm>
-            <a:off x="264938" y="3388222"/>
+            <a:off x="264938" y="3932545"/>
             <a:ext cx="1295400" cy="914400"/>
           </a:xfrm>
           <a:prstGeom prst="roundRect">
@@ -35777,13 +38262,145 @@
       </p:sp>
       <p:sp>
         <p:nvSpPr>
+          <p:cNvPr id="8" name="TextBox 7"/>
+          <p:cNvSpPr txBox="1"/>
+          <p:nvPr/>
+        </p:nvSpPr>
+        <p:spPr>
+          <a:xfrm>
+            <a:off x="1853434" y="1215496"/>
+            <a:ext cx="6237605" cy="1323439"/>
+          </a:xfrm>
+          <a:prstGeom prst="rect">
+            <a:avLst/>
+          </a:prstGeom>
+          <a:noFill/>
+        </p:spPr>
+        <p:txBody>
+          <a:bodyPr wrap="none" rtlCol="0">
+            <a:spAutoFit/>
+          </a:bodyPr>
+          <a:lstStyle/>
+          <a:p>
+            <a:pPr marL="285750" indent="-285750">
+              <a:buFont typeface="Arial" panose="020B0604020202020204" pitchFamily="34" charset="0"/>
+              <a:buChar char="•"/>
+            </a:pPr>
+            <a:r>
+              <a:rPr lang="en-US" sz="2000" dirty="0"/>
+              <a:t>VCF format extension - adds end position column</a:t>
+            </a:r>
+          </a:p>
+          <a:p>
+            <a:pPr marL="285750" indent="-285750">
+              <a:buFont typeface="Arial" panose="020B0604020202020204" pitchFamily="34" charset="0"/>
+              <a:buChar char="•"/>
+            </a:pPr>
+            <a:r>
+              <a:rPr lang="en-US" sz="2000" dirty="0" smtClean="0"/>
+              <a:t>Compact and general - homozygous reference inferred</a:t>
+            </a:r>
+          </a:p>
+          <a:p>
+            <a:pPr marL="285750" indent="-285750">
+              <a:buFont typeface="Arial" panose="020B0604020202020204" pitchFamily="34" charset="0"/>
+              <a:buChar char="•"/>
+            </a:pPr>
+            <a:r>
+              <a:rPr lang="en-US" sz="2000" dirty="0" smtClean="0"/>
+              <a:t>Contains no-call information</a:t>
+            </a:r>
+          </a:p>
+          <a:p>
+            <a:pPr marL="285750" indent="-285750">
+              <a:buFont typeface="Arial" panose="020B0604020202020204" pitchFamily="34" charset="0"/>
+              <a:buChar char="•"/>
+            </a:pPr>
+            <a:r>
+              <a:rPr lang="en-US" sz="2000" dirty="0" smtClean="0"/>
+              <a:t>Compatible with </a:t>
+            </a:r>
+            <a:r>
+              <a:rPr lang="en-US" sz="2000" dirty="0" err="1" smtClean="0"/>
+              <a:t>bedtools</a:t>
+            </a:r>
+            <a:endParaRPr lang="en-US" sz="2000" dirty="0" smtClean="0"/>
+          </a:p>
+        </p:txBody>
+      </p:sp>
+      <p:sp>
+        <p:nvSpPr>
+          <p:cNvPr id="9" name="TextBox 8"/>
+          <p:cNvSpPr txBox="1"/>
+          <p:nvPr/>
+        </p:nvSpPr>
+        <p:spPr>
+          <a:xfrm>
+            <a:off x="4674067" y="5600670"/>
+            <a:ext cx="4273927" cy="1077218"/>
+          </a:xfrm>
+          <a:prstGeom prst="rect">
+            <a:avLst/>
+          </a:prstGeom>
+          <a:noFill/>
+        </p:spPr>
+        <p:txBody>
+          <a:bodyPr wrap="none" rtlCol="0">
+            <a:spAutoFit/>
+          </a:bodyPr>
+          <a:lstStyle/>
+          <a:p>
+            <a:r>
+              <a:rPr lang="en-US" sz="1600" dirty="0" smtClean="0"/>
+              <a:t>Illumina:</a:t>
+            </a:r>
+          </a:p>
+          <a:p>
+            <a:pPr marL="285750" indent="-285750">
+              <a:buFont typeface="Arial" panose="020B0604020202020204" pitchFamily="34" charset="0"/>
+              <a:buChar char="•"/>
+            </a:pPr>
+            <a:r>
+              <a:rPr lang="en-US" sz="1600" dirty="0" smtClean="0"/>
+              <a:t>FILTER other than PASS to </a:t>
+            </a:r>
+            <a:r>
+              <a:rPr lang="en-US" sz="1600" dirty="0" err="1" smtClean="0"/>
+              <a:t>nc</a:t>
+            </a:r>
+            <a:endParaRPr lang="en-US" sz="1600" dirty="0" smtClean="0"/>
+          </a:p>
+          <a:p>
+            <a:pPr marL="285750" indent="-285750">
+              <a:buFont typeface="Arial" panose="020B0604020202020204" pitchFamily="34" charset="0"/>
+              <a:buChar char="•"/>
+            </a:pPr>
+            <a:r>
+              <a:rPr lang="en-US" sz="1600" dirty="0" smtClean="0"/>
+              <a:t>Exclude reference (filter == PASS &amp;&amp; GT = 0.0)</a:t>
+            </a:r>
+          </a:p>
+          <a:p>
+            <a:pPr marL="285750" indent="-285750">
+              <a:buFont typeface="Arial" panose="020B0604020202020204" pitchFamily="34" charset="0"/>
+              <a:buChar char="•"/>
+            </a:pPr>
+            <a:r>
+              <a:rPr lang="en-US" sz="1600" dirty="0" smtClean="0"/>
+              <a:t>Remove leading reference base</a:t>
+            </a:r>
+          </a:p>
+        </p:txBody>
+      </p:sp>
+      <p:sp>
+        <p:nvSpPr>
           <p:cNvPr id="10" name="TextBox 9"/>
           <p:cNvSpPr txBox="1"/>
           <p:nvPr/>
         </p:nvSpPr>
         <p:spPr>
           <a:xfrm>
-            <a:off x="381000" y="1447800"/>
+            <a:off x="4674067" y="4402979"/>
             <a:ext cx="3393686" cy="1077218"/>
           </a:xfrm>
           <a:prstGeom prst="rect">
@@ -35840,7 +38457,7 @@
         </p:nvSpPr>
         <p:spPr>
           <a:xfrm>
-            <a:off x="3200400" y="2916345"/>
+            <a:off x="3200400" y="3460668"/>
             <a:ext cx="1371600" cy="914400"/>
           </a:xfrm>
           <a:prstGeom prst="roundRect">
@@ -35878,6 +38495,42 @@
       </p:sp>
       <p:cxnSp>
         <p:nvCxnSpPr>
+          <p:cNvPr id="13" name="Straight Arrow Connector 12"/>
+          <p:cNvCxnSpPr>
+            <a:stCxn id="6" idx="3"/>
+            <a:endCxn id="38" idx="0"/>
+          </p:cNvCxnSpPr>
+          <p:nvPr/>
+        </p:nvCxnSpPr>
+        <p:spPr>
+          <a:xfrm>
+            <a:off x="1484138" y="3211323"/>
+            <a:ext cx="801943" cy="383380"/>
+          </a:xfrm>
+          <a:prstGeom prst="straightConnector1">
+            <a:avLst/>
+          </a:prstGeom>
+          <a:ln>
+            <a:tailEnd type="arrow"/>
+          </a:ln>
+        </p:spPr>
+        <p:style>
+          <a:lnRef idx="1">
+            <a:schemeClr val="accent1"/>
+          </a:lnRef>
+          <a:fillRef idx="0">
+            <a:schemeClr val="accent1"/>
+          </a:fillRef>
+          <a:effectRef idx="0">
+            <a:schemeClr val="accent1"/>
+          </a:effectRef>
+          <a:fontRef idx="minor">
+            <a:schemeClr val="tx1"/>
+          </a:fontRef>
+        </p:style>
+      </p:cxnSp>
+      <p:cxnSp>
+        <p:nvCxnSpPr>
           <p:cNvPr id="16" name="Straight Arrow Connector 15"/>
           <p:cNvCxnSpPr>
             <a:stCxn id="7" idx="3"/>
@@ -35887,7 +38540,7 @@
         </p:nvCxnSpPr>
         <p:spPr>
           <a:xfrm flipV="1">
-            <a:off x="1560338" y="3696711"/>
+            <a:off x="1560338" y="4241034"/>
             <a:ext cx="725743" cy="148711"/>
           </a:xfrm>
           <a:prstGeom prst="straightConnector1">
@@ -35920,12 +38573,17 @@
         </p:nvSpPr>
         <p:spPr>
           <a:xfrm>
-            <a:off x="7376130" y="2916345"/>
+            <a:off x="7376130" y="3460668"/>
             <a:ext cx="1371600" cy="914400"/>
           </a:xfrm>
           <a:prstGeom prst="roundRect">
             <a:avLst/>
           </a:prstGeom>
+          <a:solidFill>
+            <a:schemeClr val="accent1">
+              <a:lumMod val="75000"/>
+            </a:schemeClr>
+          </a:solidFill>
         </p:spPr>
         <p:style>
           <a:lnRef idx="2">
@@ -35967,7 +38625,7 @@
         </p:nvCxnSpPr>
         <p:spPr>
           <a:xfrm>
-            <a:off x="4572000" y="3373545"/>
+            <a:off x="4572000" y="3917868"/>
             <a:ext cx="2804130" cy="0"/>
           </a:xfrm>
           <a:prstGeom prst="straightConnector1">
@@ -36000,7 +38658,7 @@
         </p:nvSpPr>
         <p:spPr>
           <a:xfrm>
-            <a:off x="211791" y="5334000"/>
+            <a:off x="211791" y="5878323"/>
             <a:ext cx="1401695" cy="914400"/>
           </a:xfrm>
           <a:prstGeom prst="roundRect">
@@ -36051,7 +38709,7 @@
         </p:nvCxnSpPr>
         <p:spPr>
           <a:xfrm flipH="1" flipV="1">
-            <a:off x="912638" y="4302622"/>
+            <a:off x="912638" y="4846945"/>
             <a:ext cx="1" cy="1031378"/>
           </a:xfrm>
           <a:prstGeom prst="straightConnector1">
@@ -36084,7 +38742,7 @@
         </p:nvSpPr>
         <p:spPr>
           <a:xfrm>
-            <a:off x="434302" y="4637909"/>
+            <a:off x="434302" y="5182232"/>
             <a:ext cx="956672" cy="369332"/>
           </a:xfrm>
           <a:prstGeom prst="rect">
@@ -36121,7 +38779,7 @@
         </p:nvSpPr>
         <p:spPr>
           <a:xfrm>
-            <a:off x="1697009" y="3050380"/>
+            <a:off x="1697009" y="3594703"/>
             <a:ext cx="1178143" cy="646331"/>
           </a:xfrm>
           <a:prstGeom prst="rect">
@@ -36185,7 +38843,7 @@
         </p:nvCxnSpPr>
         <p:spPr>
           <a:xfrm flipV="1">
-            <a:off x="2875152" y="3373545"/>
+            <a:off x="2875152" y="3917868"/>
             <a:ext cx="325248" cy="1"/>
           </a:xfrm>
           <a:prstGeom prst="straightConnector1">
@@ -36218,8 +38876,8 @@
         </p:nvSpPr>
         <p:spPr>
           <a:xfrm>
-            <a:off x="4854747" y="3188879"/>
-            <a:ext cx="2170979" cy="369332"/>
+            <a:off x="5287352" y="3733202"/>
+            <a:ext cx="1121634" cy="369332"/>
           </a:xfrm>
           <a:prstGeom prst="rect">
             <a:avLst/>
@@ -36240,172 +38898,10 @@
           <a:lstStyle/>
           <a:p>
             <a:r>
-              <a:rPr lang="en-US" dirty="0" err="1" smtClean="0"/>
-              <a:t>FamGen</a:t>
-            </a:r>
-            <a:r>
               <a:rPr lang="en-US" dirty="0" smtClean="0"/>
-              <a:t> Genotype.pl</a:t>
+              <a:t>transform</a:t>
             </a:r>
             <a:endParaRPr lang="en-US" dirty="0"/>
-          </a:p>
-        </p:txBody>
-      </p:sp>
-      <p:sp>
-        <p:nvSpPr>
-          <p:cNvPr id="52" name="Rounded Rectangle 51"/>
-          <p:cNvSpPr/>
-          <p:nvPr/>
-        </p:nvSpPr>
-        <p:spPr>
-          <a:xfrm>
-            <a:off x="7358201" y="4947291"/>
-            <a:ext cx="1407459" cy="827205"/>
-          </a:xfrm>
-          <a:prstGeom prst="roundRect">
-            <a:avLst/>
-          </a:prstGeom>
-        </p:spPr>
-        <p:style>
-          <a:lnRef idx="2">
-            <a:schemeClr val="accent1">
-              <a:shade val="50000"/>
-            </a:schemeClr>
-          </a:lnRef>
-          <a:fillRef idx="1">
-            <a:schemeClr val="accent1"/>
-          </a:fillRef>
-          <a:effectRef idx="0">
-            <a:schemeClr val="accent1"/>
-          </a:effectRef>
-          <a:fontRef idx="minor">
-            <a:schemeClr val="lt1"/>
-          </a:fontRef>
-        </p:style>
-        <p:txBody>
-          <a:bodyPr rtlCol="0" anchor="ctr"/>
-          <a:lstStyle/>
-          <a:p>
-            <a:pPr algn="ctr"/>
-            <a:r>
-              <a:rPr lang="en-US" dirty="0" smtClean="0"/>
-              <a:t>Sorted, Normalized RCF</a:t>
-            </a:r>
-            <a:endParaRPr lang="en-US" dirty="0"/>
-          </a:p>
-        </p:txBody>
-      </p:sp>
-      <p:cxnSp>
-        <p:nvCxnSpPr>
-          <p:cNvPr id="54" name="Straight Arrow Connector 53"/>
-          <p:cNvCxnSpPr>
-            <a:stCxn id="22" idx="2"/>
-            <a:endCxn id="52" idx="0"/>
-          </p:cNvCxnSpPr>
-          <p:nvPr/>
-        </p:nvCxnSpPr>
-        <p:spPr>
-          <a:xfrm>
-            <a:off x="8061930" y="3830745"/>
-            <a:ext cx="1" cy="1116546"/>
-          </a:xfrm>
-          <a:prstGeom prst="straightConnector1">
-            <a:avLst/>
-          </a:prstGeom>
-          <a:ln>
-            <a:tailEnd type="arrow"/>
-          </a:ln>
-        </p:spPr>
-        <p:style>
-          <a:lnRef idx="1">
-            <a:schemeClr val="accent1"/>
-          </a:lnRef>
-          <a:fillRef idx="0">
-            <a:schemeClr val="accent1"/>
-          </a:fillRef>
-          <a:effectRef idx="0">
-            <a:schemeClr val="accent1"/>
-          </a:effectRef>
-          <a:fontRef idx="minor">
-            <a:schemeClr val="tx1"/>
-          </a:fontRef>
-        </p:style>
-      </p:cxnSp>
-      <p:sp>
-        <p:nvSpPr>
-          <p:cNvPr id="56" name="TextBox 55"/>
-          <p:cNvSpPr txBox="1"/>
-          <p:nvPr/>
-        </p:nvSpPr>
-        <p:spPr>
-          <a:xfrm>
-            <a:off x="7614871" y="4236181"/>
-            <a:ext cx="912045" cy="369332"/>
-          </a:xfrm>
-          <a:prstGeom prst="rect">
-            <a:avLst/>
-          </a:prstGeom>
-          <a:solidFill>
-            <a:schemeClr val="bg1"/>
-          </a:solidFill>
-          <a:ln>
-            <a:solidFill>
-              <a:schemeClr val="accent1"/>
-            </a:solidFill>
-          </a:ln>
-        </p:spPr>
-        <p:txBody>
-          <a:bodyPr wrap="none" rtlCol="0">
-            <a:spAutoFit/>
-          </a:bodyPr>
-          <a:lstStyle/>
-          <a:p>
-            <a:r>
-              <a:rPr lang="en-US" dirty="0" err="1" smtClean="0"/>
-              <a:t>vcf</a:t>
-            </a:r>
-            <a:r>
-              <a:rPr lang="en-US" dirty="0" smtClean="0"/>
-              <a:t>-sort</a:t>
-            </a:r>
-            <a:endParaRPr lang="en-US" dirty="0"/>
-          </a:p>
-        </p:txBody>
-      </p:sp>
-      <p:sp>
-        <p:nvSpPr>
-          <p:cNvPr id="57" name="TextBox 56"/>
-          <p:cNvSpPr txBox="1"/>
-          <p:nvPr/>
-        </p:nvSpPr>
-        <p:spPr>
-          <a:xfrm>
-            <a:off x="228600" y="6366437"/>
-            <a:ext cx="3842077" cy="461665"/>
-          </a:xfrm>
-          <a:prstGeom prst="rect">
-            <a:avLst/>
-          </a:prstGeom>
-          <a:noFill/>
-        </p:spPr>
-        <p:txBody>
-          <a:bodyPr wrap="none" rtlCol="0">
-            <a:spAutoFit/>
-          </a:bodyPr>
-          <a:lstStyle/>
-          <a:p>
-            <a:r>
-              <a:rPr lang="en-US" sz="1200" dirty="0" smtClean="0"/>
-              <a:t>* https://github.com/atks/vt implementing </a:t>
-            </a:r>
-            <a:br>
-              <a:rPr lang="en-US" sz="1200" dirty="0" smtClean="0"/>
-            </a:br>
-            <a:r>
-              <a:rPr lang="en-US" sz="1200" dirty="0" smtClean="0"/>
-              <a:t>http://genome.sph.umich.edu/wiki/Variant_Normalization</a:t>
-            </a:r>
-            <a:endParaRPr lang="en-US" sz="1200" dirty="0"/>
           </a:p>
         </p:txBody>
       </p:sp>
@@ -36417,7 +38913,7 @@
         </p:nvSpPr>
         <p:spPr>
           <a:xfrm>
-            <a:off x="1719591" y="3901054"/>
+            <a:off x="1719591" y="4445377"/>
             <a:ext cx="1205715" cy="523220"/>
           </a:xfrm>
           <a:prstGeom prst="rect">
@@ -36451,7 +38947,7 @@
     </p:spTree>
     <p:extLst>
       <p:ext uri="{BB962C8B-B14F-4D97-AF65-F5344CB8AC3E}">
-        <p14:creationId xmlns:p14="http://schemas.microsoft.com/office/powerpoint/2010/main" val="806724580"/>
+        <p14:creationId xmlns:p14="http://schemas.microsoft.com/office/powerpoint/2010/main" val="505928436"/>
       </p:ext>
     </p:extLst>
   </p:cSld>
@@ -37736,7 +40232,7 @@
           <a:p>
             <a:r>
               <a:rPr lang="en-US" dirty="0" smtClean="0"/>
-              <a:t>Impala in the real world</a:t>
+              <a:t>Why do we need Impala? </a:t>
             </a:r>
             <a:endParaRPr lang="en-US" dirty="0"/>
           </a:p>
@@ -37795,7 +40291,209 @@
           <a:lstStyle/>
           <a:p>
             <a:pPr algn="l"/>
+            <a:r>
+              <a:rPr lang="en-US" dirty="0" smtClean="0"/>
+              <a:t>Resources</a:t>
+            </a:r>
             <a:endParaRPr lang="en-US" dirty="0"/>
+          </a:p>
+        </p:txBody>
+      </p:sp>
+      <p:sp>
+        <p:nvSpPr>
+          <p:cNvPr id="2" name="TextBox 1"/>
+          <p:cNvSpPr txBox="1"/>
+          <p:nvPr/>
+        </p:nvSpPr>
+        <p:spPr>
+          <a:xfrm>
+            <a:off x="441767" y="1041023"/>
+            <a:ext cx="8458200" cy="5816977"/>
+          </a:xfrm>
+          <a:prstGeom prst="rect">
+            <a:avLst/>
+          </a:prstGeom>
+          <a:noFill/>
+        </p:spPr>
+        <p:txBody>
+          <a:bodyPr wrap="square" rtlCol="0">
+            <a:spAutoFit/>
+          </a:bodyPr>
+          <a:lstStyle/>
+          <a:p>
+            <a:r>
+              <a:rPr lang="en-US" sz="2800" dirty="0" smtClean="0"/>
+              <a:t>Project 7:</a:t>
+            </a:r>
+          </a:p>
+          <a:p>
+            <a:r>
+              <a:rPr lang="en-US" sz="2000" dirty="0" smtClean="0"/>
+              <a:t>Summer: selasady@systemsbiology.org</a:t>
+            </a:r>
+          </a:p>
+          <a:p>
+            <a:r>
+              <a:rPr lang="en-US" sz="2000" dirty="0"/>
+              <a:t>Joe: Joseph.Slagel@systemsbiology.org </a:t>
+            </a:r>
+            <a:endParaRPr lang="en-US" sz="2000" dirty="0" smtClean="0"/>
+          </a:p>
+          <a:p>
+            <a:r>
+              <a:rPr lang="en-US" sz="2000" dirty="0"/>
+              <a:t>Denise: </a:t>
+            </a:r>
+            <a:r>
+              <a:rPr lang="en-US" sz="2000" dirty="0" smtClean="0">
+                <a:hlinkClick r:id="rId3"/>
+              </a:rPr>
+              <a:t>Denise.Mauldin@systemsbiology.org</a:t>
+            </a:r>
+            <a:endParaRPr lang="en-US" sz="2000" dirty="0" smtClean="0"/>
+          </a:p>
+          <a:p>
+            <a:r>
+              <a:rPr lang="en-US" sz="2000" dirty="0" smtClean="0"/>
+              <a:t> </a:t>
+            </a:r>
+            <a:endParaRPr lang="en-US" sz="2000" dirty="0"/>
+          </a:p>
+          <a:p>
+            <a:r>
+              <a:rPr lang="en-US" sz="2800" dirty="0" smtClean="0"/>
+              <a:t>Impala: </a:t>
+            </a:r>
+          </a:p>
+          <a:p>
+            <a:r>
+              <a:rPr lang="en-US" dirty="0">
+                <a:solidFill>
+                  <a:srgbClr val="000000"/>
+                </a:solidFill>
+                <a:latin typeface="Arial" panose="020B0604020202020204" pitchFamily="34" charset="0"/>
+                <a:hlinkClick r:id="rId4"/>
+              </a:rPr>
+              <a:t>Impala SQL Language </a:t>
+            </a:r>
+            <a:r>
+              <a:rPr lang="en-US" dirty="0" smtClean="0">
+                <a:solidFill>
+                  <a:srgbClr val="000000"/>
+                </a:solidFill>
+                <a:latin typeface="Arial" panose="020B0604020202020204" pitchFamily="34" charset="0"/>
+                <a:hlinkClick r:id="rId4"/>
+              </a:rPr>
+              <a:t>Reference</a:t>
+            </a:r>
+            <a:endParaRPr lang="en-US" dirty="0" smtClean="0">
+              <a:solidFill>
+                <a:srgbClr val="000000"/>
+              </a:solidFill>
+              <a:latin typeface="Arial" panose="020B0604020202020204" pitchFamily="34" charset="0"/>
+            </a:endParaRPr>
+          </a:p>
+          <a:p>
+            <a:r>
+              <a:rPr lang="en-US" dirty="0" smtClean="0">
+                <a:solidFill>
+                  <a:srgbClr val="000000"/>
+                </a:solidFill>
+                <a:latin typeface="Arial" panose="020B0604020202020204" pitchFamily="34" charset="0"/>
+                <a:hlinkClick r:id="rId5"/>
+              </a:rPr>
+              <a:t>Impala Google Group</a:t>
+            </a:r>
+            <a:endParaRPr lang="en-US" dirty="0">
+              <a:solidFill>
+                <a:srgbClr val="000000"/>
+              </a:solidFill>
+              <a:latin typeface="Arial" panose="020B0604020202020204" pitchFamily="34" charset="0"/>
+            </a:endParaRPr>
+          </a:p>
+          <a:p>
+            <a:pPr marL="285750" indent="-285750">
+              <a:buFont typeface="Arial" panose="020B0604020202020204" pitchFamily="34" charset="0"/>
+              <a:buChar char="•"/>
+            </a:pPr>
+            <a:endParaRPr lang="en-US" dirty="0" smtClean="0"/>
+          </a:p>
+          <a:p>
+            <a:r>
+              <a:rPr lang="en-US" sz="2800" dirty="0"/>
+              <a:t>SQL</a:t>
+            </a:r>
+            <a:r>
+              <a:rPr lang="en-US" dirty="0" smtClean="0"/>
+              <a:t>: </a:t>
+            </a:r>
+          </a:p>
+          <a:p>
+            <a:r>
+              <a:rPr lang="en-US" dirty="0" smtClean="0">
+                <a:hlinkClick r:id="rId6"/>
+              </a:rPr>
+              <a:t>SQL Tutorial</a:t>
+            </a:r>
+            <a:endParaRPr lang="en-US" dirty="0" smtClean="0"/>
+          </a:p>
+          <a:p>
+            <a:r>
+              <a:rPr lang="en-US" dirty="0" smtClean="0">
+                <a:hlinkClick r:id="rId6"/>
+              </a:rPr>
+              <a:t>Code Academy: Learn SQL</a:t>
+            </a:r>
+            <a:endParaRPr lang="en-US" dirty="0" smtClean="0"/>
+          </a:p>
+          <a:p>
+            <a:endParaRPr lang="en-US" dirty="0"/>
+          </a:p>
+          <a:p>
+            <a:r>
+              <a:rPr lang="en-US" sz="2800" dirty="0"/>
+              <a:t>Documentation</a:t>
+            </a:r>
+            <a:r>
+              <a:rPr lang="en-US" dirty="0" smtClean="0"/>
+              <a:t>:</a:t>
+            </a:r>
+          </a:p>
+          <a:p>
+            <a:r>
+              <a:rPr lang="en-US" dirty="0" smtClean="0">
+                <a:hlinkClick r:id="rId7"/>
+              </a:rPr>
+              <a:t>Pandas</a:t>
+            </a:r>
+            <a:endParaRPr lang="en-US" dirty="0" smtClean="0"/>
+          </a:p>
+          <a:p>
+            <a:r>
+              <a:rPr lang="en-US" dirty="0" smtClean="0">
+                <a:hlinkClick r:id="rId8"/>
+              </a:rPr>
+              <a:t>Impyla</a:t>
+            </a:r>
+            <a:endParaRPr lang="en-US" dirty="0" smtClean="0"/>
+          </a:p>
+          <a:p>
+            <a:r>
+              <a:rPr lang="en-US" dirty="0" smtClean="0">
+                <a:hlinkClick r:id="rId9"/>
+              </a:rPr>
+              <a:t>Ibis</a:t>
+            </a:r>
+            <a:endParaRPr lang="en-US" dirty="0" smtClean="0"/>
+          </a:p>
+          <a:p>
+            <a:r>
+              <a:rPr lang="en-US" dirty="0" smtClean="0">
+                <a:hlinkClick r:id="rId10"/>
+              </a:rPr>
+              <a:t>RODBC</a:t>
+            </a:r>
+            <a:endParaRPr lang="en-US" dirty="0" smtClean="0"/>
           </a:p>
         </p:txBody>
       </p:sp>
@@ -37838,6 +40536,51 @@
       </p:grpSpPr>
       <p:sp>
         <p:nvSpPr>
+          <p:cNvPr id="11" name="Rectangle 10"/>
+          <p:cNvSpPr/>
+          <p:nvPr/>
+        </p:nvSpPr>
+        <p:spPr>
+          <a:xfrm>
+            <a:off x="0" y="6113058"/>
+            <a:ext cx="2260707" cy="744942"/>
+          </a:xfrm>
+          <a:prstGeom prst="rect">
+            <a:avLst/>
+          </a:prstGeom>
+          <a:solidFill>
+            <a:schemeClr val="bg1"/>
+          </a:solidFill>
+          <a:ln>
+            <a:noFill/>
+          </a:ln>
+          <a:effectLst/>
+        </p:spPr>
+        <p:style>
+          <a:lnRef idx="1">
+            <a:schemeClr val="accent1"/>
+          </a:lnRef>
+          <a:fillRef idx="3">
+            <a:schemeClr val="accent1"/>
+          </a:fillRef>
+          <a:effectRef idx="2">
+            <a:schemeClr val="accent1"/>
+          </a:effectRef>
+          <a:fontRef idx="minor">
+            <a:schemeClr val="lt1"/>
+          </a:fontRef>
+        </p:style>
+        <p:txBody>
+          <a:bodyPr rtlCol="0" anchor="ctr"/>
+          <a:lstStyle/>
+          <a:p>
+            <a:pPr algn="ctr"/>
+            <a:endParaRPr lang="en-US"/>
+          </a:p>
+        </p:txBody>
+      </p:sp>
+      <p:sp>
+        <p:nvSpPr>
           <p:cNvPr id="2" name="Title 1"/>
           <p:cNvSpPr>
             <a:spLocks noGrp="1"/>
@@ -37846,7 +40589,12 @@
             <p:ph type="title"/>
           </p:nvPr>
         </p:nvSpPr>
-        <p:spPr/>
+        <p:spPr>
+          <a:xfrm>
+            <a:off x="457200" y="23412"/>
+            <a:ext cx="8229600" cy="1143000"/>
+          </a:xfrm>
+        </p:spPr>
         <p:txBody>
           <a:bodyPr/>
           <a:lstStyle/>
@@ -37859,448 +40607,617 @@
           </a:p>
         </p:txBody>
       </p:sp>
-      <p:graphicFrame>
-        <p:nvGraphicFramePr>
-          <p:cNvPr id="4" name="Table 3"/>
-          <p:cNvGraphicFramePr>
-            <a:graphicFrameLocks noGrp="1"/>
-          </p:cNvGraphicFramePr>
-          <p:nvPr>
-            <p:extLst>
-              <p:ext uri="{D42A27DB-BD31-4B8C-83A1-F6EECF244321}">
-                <p14:modId xmlns:p14="http://schemas.microsoft.com/office/powerpoint/2010/main" val="78181062"/>
-              </p:ext>
-            </p:extLst>
-          </p:nvPr>
-        </p:nvGraphicFramePr>
-        <p:xfrm>
-          <a:off x="990600" y="2057400"/>
-          <a:ext cx="7391400" cy="3886200"/>
-        </p:xfrm>
-        <a:graphic>
-          <a:graphicData uri="http://schemas.openxmlformats.org/drawingml/2006/table">
-            <a:tbl>
-              <a:tblPr firstRow="1" bandRow="1">
-                <a:tableStyleId>{2A488322-F2BA-4B5B-9748-0D474271808F}</a:tableStyleId>
-              </a:tblPr>
-              <a:tblGrid>
-                <a:gridCol w="3695700"/>
-                <a:gridCol w="3695700"/>
-              </a:tblGrid>
-              <a:tr h="388620">
-                <a:tc>
-                  <a:txBody>
-                    <a:bodyPr/>
-                    <a:lstStyle/>
-                    <a:p>
-                      <a:r>
-                        <a:rPr lang="en-US" dirty="0" smtClean="0"/>
-                        <a:t>ISB</a:t>
-                      </a:r>
-                      <a:endParaRPr lang="en-US" dirty="0"/>
-                    </a:p>
-                  </a:txBody>
-                  <a:tcPr/>
-                </a:tc>
-                <a:tc>
-                  <a:txBody>
-                    <a:bodyPr/>
-                    <a:lstStyle/>
-                    <a:p>
-                      <a:r>
-                        <a:rPr lang="en-US" dirty="0" smtClean="0"/>
-                        <a:t>ITMI</a:t>
-                      </a:r>
-                      <a:endParaRPr lang="en-US" dirty="0"/>
-                    </a:p>
-                  </a:txBody>
-                  <a:tcPr/>
-                </a:tc>
-              </a:tr>
-              <a:tr h="388620">
-                <a:tc>
-                  <a:txBody>
-                    <a:bodyPr/>
-                    <a:lstStyle/>
-                    <a:p>
-                      <a:r>
-                        <a:rPr lang="en-US" dirty="0" smtClean="0"/>
-                        <a:t>Brady</a:t>
-                      </a:r>
-                      <a:r>
-                        <a:rPr lang="en-US" baseline="0" dirty="0" smtClean="0"/>
-                        <a:t> Bernard</a:t>
-                      </a:r>
-                      <a:endParaRPr lang="en-US" dirty="0"/>
-                    </a:p>
-                  </a:txBody>
-                  <a:tcPr/>
-                </a:tc>
-                <a:tc>
-                  <a:txBody>
-                    <a:bodyPr/>
-                    <a:lstStyle/>
-                    <a:p>
-                      <a:r>
-                        <a:rPr lang="en-US" dirty="0" smtClean="0"/>
-                        <a:t>Aaron Black</a:t>
-                      </a:r>
-                      <a:endParaRPr lang="en-US" dirty="0"/>
-                    </a:p>
-                  </a:txBody>
-                  <a:tcPr/>
-                </a:tc>
-              </a:tr>
-              <a:tr h="388620">
-                <a:tc>
-                  <a:txBody>
-                    <a:bodyPr/>
-                    <a:lstStyle/>
-                    <a:p>
-                      <a:r>
-                        <a:rPr lang="en-US" dirty="0" smtClean="0"/>
-                        <a:t>Terry </a:t>
-                      </a:r>
-                      <a:r>
-                        <a:rPr lang="en-US" dirty="0" err="1" smtClean="0"/>
-                        <a:t>Farrah</a:t>
-                      </a:r>
-                      <a:endParaRPr lang="en-US" dirty="0"/>
-                    </a:p>
-                  </a:txBody>
-                  <a:tcPr/>
-                </a:tc>
-                <a:tc>
-                  <a:txBody>
-                    <a:bodyPr/>
-                    <a:lstStyle/>
-                    <a:p>
-                      <a:r>
-                        <a:rPr lang="en-US" dirty="0" smtClean="0"/>
-                        <a:t>Dale </a:t>
-                      </a:r>
-                      <a:r>
-                        <a:rPr lang="en-US" dirty="0" err="1" smtClean="0"/>
-                        <a:t>Godian</a:t>
-                      </a:r>
-                      <a:endParaRPr lang="en-US" dirty="0"/>
-                    </a:p>
-                  </a:txBody>
-                  <a:tcPr/>
-                </a:tc>
-              </a:tr>
-              <a:tr h="388620">
-                <a:tc>
-                  <a:txBody>
-                    <a:bodyPr/>
-                    <a:lstStyle/>
-                    <a:p>
-                      <a:r>
-                        <a:rPr lang="en-US" dirty="0" smtClean="0"/>
-                        <a:t>Gustavo </a:t>
-                      </a:r>
-                      <a:r>
-                        <a:rPr lang="en-US" dirty="0" err="1" smtClean="0"/>
-                        <a:t>Glusman</a:t>
-                      </a:r>
-                      <a:endParaRPr lang="en-US" dirty="0"/>
-                    </a:p>
-                  </a:txBody>
-                  <a:tcPr/>
-                </a:tc>
-                <a:tc>
-                  <a:txBody>
-                    <a:bodyPr/>
-                    <a:lstStyle/>
-                    <a:p>
-                      <a:pPr marL="0" marR="0" indent="0" algn="l" defTabSz="914400" rtl="0" eaLnBrk="1" fontAlgn="auto" latinLnBrk="0" hangingPunct="1">
-                        <a:lnSpc>
-                          <a:spcPct val="100000"/>
-                        </a:lnSpc>
-                        <a:spcBef>
-                          <a:spcPts val="0"/>
-                        </a:spcBef>
-                        <a:spcAft>
-                          <a:spcPts val="0"/>
-                        </a:spcAft>
-                        <a:buClrTx/>
-                        <a:buSzTx/>
-                        <a:buFontTx/>
-                        <a:buNone/>
-                        <a:tabLst/>
-                        <a:defRPr/>
-                      </a:pPr>
-                      <a:r>
-                        <a:rPr lang="en-US" dirty="0" err="1" smtClean="0"/>
-                        <a:t>Prachi</a:t>
-                      </a:r>
-                      <a:r>
-                        <a:rPr lang="en-US" dirty="0" smtClean="0"/>
-                        <a:t> </a:t>
-                      </a:r>
-                      <a:r>
-                        <a:rPr lang="en-US" dirty="0" err="1" smtClean="0"/>
-                        <a:t>Kothiyal</a:t>
-                      </a:r>
-                      <a:endParaRPr lang="en-US" dirty="0" smtClean="0"/>
-                    </a:p>
-                  </a:txBody>
-                  <a:tcPr/>
-                </a:tc>
-              </a:tr>
-              <a:tr h="388620">
-                <a:tc>
-                  <a:txBody>
-                    <a:bodyPr/>
-                    <a:lstStyle/>
-                    <a:p>
-                      <a:pPr marL="0" marR="0" indent="0" algn="l" defTabSz="914400" rtl="0" eaLnBrk="1" fontAlgn="auto" latinLnBrk="0" hangingPunct="1">
-                        <a:lnSpc>
-                          <a:spcPct val="100000"/>
-                        </a:lnSpc>
-                        <a:spcBef>
-                          <a:spcPts val="0"/>
-                        </a:spcBef>
-                        <a:spcAft>
-                          <a:spcPts val="0"/>
-                        </a:spcAft>
-                        <a:buClrTx/>
-                        <a:buSzTx/>
-                        <a:buFontTx/>
-                        <a:buNone/>
-                        <a:tabLst/>
-                        <a:defRPr/>
-                      </a:pPr>
-                      <a:r>
-                        <a:rPr lang="en-US" dirty="0" err="1" smtClean="0"/>
-                        <a:t>Russel</a:t>
-                      </a:r>
-                      <a:r>
-                        <a:rPr lang="en-US" dirty="0" smtClean="0"/>
-                        <a:t> Ingram</a:t>
-                      </a:r>
-                    </a:p>
-                  </a:txBody>
-                  <a:tcPr/>
-                </a:tc>
-                <a:tc>
-                  <a:txBody>
-                    <a:bodyPr/>
-                    <a:lstStyle/>
-                    <a:p>
-                      <a:pPr marL="0" marR="0" indent="0" algn="l" defTabSz="914400" rtl="0" eaLnBrk="1" fontAlgn="auto" latinLnBrk="0" hangingPunct="1">
-                        <a:lnSpc>
-                          <a:spcPct val="100000"/>
-                        </a:lnSpc>
-                        <a:spcBef>
-                          <a:spcPts val="0"/>
-                        </a:spcBef>
-                        <a:spcAft>
-                          <a:spcPts val="0"/>
-                        </a:spcAft>
-                        <a:buClrTx/>
-                        <a:buSzTx/>
-                        <a:buFontTx/>
-                        <a:buNone/>
-                        <a:tabLst/>
-                        <a:defRPr/>
-                      </a:pPr>
-                      <a:r>
-                        <a:rPr lang="en-US" dirty="0" smtClean="0"/>
-                        <a:t>Ben Solomon</a:t>
-                      </a:r>
-                    </a:p>
-                  </a:txBody>
-                  <a:tcPr/>
-                </a:tc>
-              </a:tr>
-              <a:tr h="388620">
-                <a:tc>
-                  <a:txBody>
-                    <a:bodyPr/>
-                    <a:lstStyle/>
-                    <a:p>
-                      <a:r>
-                        <a:rPr lang="en-US" dirty="0" smtClean="0"/>
-                        <a:t>Denise </a:t>
-                      </a:r>
-                      <a:r>
-                        <a:rPr lang="en-US" dirty="0" err="1" smtClean="0"/>
-                        <a:t>Maulden</a:t>
-                      </a:r>
-                      <a:endParaRPr lang="en-US" dirty="0"/>
-                    </a:p>
-                  </a:txBody>
-                  <a:tcPr/>
-                </a:tc>
-                <a:tc>
-                  <a:txBody>
-                    <a:bodyPr/>
-                    <a:lstStyle/>
-                    <a:p>
-                      <a:endParaRPr lang="en-US"/>
-                    </a:p>
-                  </a:txBody>
-                  <a:tcPr/>
-                </a:tc>
-              </a:tr>
-              <a:tr h="388620">
-                <a:tc>
-                  <a:txBody>
-                    <a:bodyPr/>
-                    <a:lstStyle/>
-                    <a:p>
-                      <a:r>
-                        <a:rPr lang="en-US" dirty="0" smtClean="0"/>
-                        <a:t>Jared</a:t>
-                      </a:r>
-                      <a:r>
-                        <a:rPr lang="en-US" baseline="0" dirty="0" smtClean="0"/>
-                        <a:t> Roach</a:t>
-                      </a:r>
-                      <a:endParaRPr lang="en-US" dirty="0"/>
-                    </a:p>
-                  </a:txBody>
-                  <a:tcPr/>
-                </a:tc>
-                <a:tc>
-                  <a:txBody>
-                    <a:bodyPr/>
-                    <a:lstStyle/>
-                    <a:p>
-                      <a:endParaRPr lang="en-US"/>
-                    </a:p>
-                  </a:txBody>
-                  <a:tcPr/>
-                </a:tc>
-              </a:tr>
-              <a:tr h="388620">
-                <a:tc>
-                  <a:txBody>
-                    <a:bodyPr/>
-                    <a:lstStyle/>
-                    <a:p>
-                      <a:r>
-                        <a:rPr lang="en-US" dirty="0" err="1" smtClean="0"/>
-                        <a:t>Ilya</a:t>
-                      </a:r>
-                      <a:r>
-                        <a:rPr lang="en-US" baseline="0" dirty="0" smtClean="0"/>
-                        <a:t> </a:t>
-                      </a:r>
-                      <a:r>
-                        <a:rPr lang="en-US" baseline="0" dirty="0" err="1" smtClean="0"/>
-                        <a:t>Shmulevich</a:t>
-                      </a:r>
-                      <a:endParaRPr lang="en-US" dirty="0"/>
-                    </a:p>
-                  </a:txBody>
-                  <a:tcPr/>
-                </a:tc>
-                <a:tc>
-                  <a:txBody>
-                    <a:bodyPr/>
-                    <a:lstStyle/>
-                    <a:p>
-                      <a:endParaRPr lang="en-US"/>
-                    </a:p>
-                  </a:txBody>
-                  <a:tcPr/>
-                </a:tc>
-              </a:tr>
-              <a:tr h="388620">
-                <a:tc>
-                  <a:txBody>
-                    <a:bodyPr/>
-                    <a:lstStyle/>
-                    <a:p>
-                      <a:r>
-                        <a:rPr lang="en-US" dirty="0" smtClean="0"/>
-                        <a:t>Joe </a:t>
-                      </a:r>
-                      <a:r>
-                        <a:rPr lang="en-US" dirty="0" err="1" smtClean="0"/>
-                        <a:t>Slagel</a:t>
-                      </a:r>
-                      <a:endParaRPr lang="en-US" dirty="0"/>
-                    </a:p>
-                  </a:txBody>
-                  <a:tcPr/>
-                </a:tc>
-                <a:tc>
-                  <a:txBody>
-                    <a:bodyPr/>
-                    <a:lstStyle/>
-                    <a:p>
-                      <a:endParaRPr lang="en-US"/>
-                    </a:p>
-                  </a:txBody>
-                  <a:tcPr/>
-                </a:tc>
-              </a:tr>
-              <a:tr h="388620">
-                <a:tc>
-                  <a:txBody>
-                    <a:bodyPr/>
-                    <a:lstStyle/>
-                    <a:p>
-                      <a:r>
-                        <a:rPr lang="en-US" dirty="0" smtClean="0"/>
-                        <a:t>You! </a:t>
-                      </a:r>
-                      <a:endParaRPr lang="en-US" dirty="0"/>
-                    </a:p>
-                  </a:txBody>
-                  <a:tcPr/>
-                </a:tc>
-                <a:tc>
-                  <a:txBody>
-                    <a:bodyPr/>
-                    <a:lstStyle/>
-                    <a:p>
-                      <a:endParaRPr lang="en-US" dirty="0"/>
-                    </a:p>
-                  </a:txBody>
-                  <a:tcPr/>
-                </a:tc>
-              </a:tr>
-            </a:tbl>
-          </a:graphicData>
-        </a:graphic>
-      </p:graphicFrame>
       <p:sp>
         <p:nvSpPr>
-          <p:cNvPr id="6" name="Rectangle 5"/>
-          <p:cNvSpPr/>
+          <p:cNvPr id="3" name="Content Placeholder 2"/>
+          <p:cNvSpPr>
+            <a:spLocks noGrp="1"/>
+          </p:cNvSpPr>
+          <p:nvPr>
+            <p:ph idx="1"/>
+          </p:nvPr>
+        </p:nvSpPr>
+        <p:spPr>
+          <a:xfrm>
+            <a:off x="959580" y="2400552"/>
+            <a:ext cx="3536220" cy="4000248"/>
+          </a:xfrm>
+        </p:spPr>
+        <p:txBody>
+          <a:bodyPr>
+            <a:normAutofit fontScale="47500" lnSpcReduction="20000"/>
+          </a:bodyPr>
+          <a:lstStyle/>
+          <a:p>
+            <a:r>
+              <a:rPr lang="en-US" sz="4000" dirty="0" smtClean="0"/>
+              <a:t>Ilya </a:t>
+            </a:r>
+            <a:r>
+              <a:rPr lang="en-US" sz="4000" dirty="0" err="1" smtClean="0"/>
+              <a:t>Shmulevich</a:t>
+            </a:r>
+            <a:endParaRPr lang="en-US" sz="4000" dirty="0" smtClean="0"/>
+          </a:p>
+          <a:p>
+            <a:r>
+              <a:rPr lang="en-US" sz="4000" dirty="0" smtClean="0"/>
+              <a:t>Brady Bernard</a:t>
+            </a:r>
+            <a:endParaRPr lang="en-US" sz="4000" dirty="0" smtClean="0"/>
+          </a:p>
+          <a:p>
+            <a:r>
+              <a:rPr lang="en-US" sz="4000" dirty="0" smtClean="0"/>
+              <a:t>Joe </a:t>
+            </a:r>
+            <a:r>
+              <a:rPr lang="en-US" sz="4000" dirty="0" err="1" smtClean="0"/>
+              <a:t>Slagel</a:t>
+            </a:r>
+            <a:endParaRPr lang="en-US" sz="4000" dirty="0" smtClean="0"/>
+          </a:p>
+          <a:p>
+            <a:r>
+              <a:rPr lang="en-US" sz="4000" dirty="0" smtClean="0"/>
+              <a:t>Denise </a:t>
+            </a:r>
+            <a:r>
+              <a:rPr lang="en-US" sz="4000" dirty="0" smtClean="0"/>
+              <a:t>Mauldin</a:t>
+            </a:r>
+          </a:p>
+          <a:p>
+            <a:r>
+              <a:rPr lang="en-US" dirty="0" smtClean="0"/>
+              <a:t>Gustavo </a:t>
+            </a:r>
+            <a:r>
+              <a:rPr lang="en-US" dirty="0" err="1" smtClean="0"/>
+              <a:t>Glusman</a:t>
+            </a:r>
+            <a:endParaRPr lang="en-US" dirty="0" smtClean="0"/>
+          </a:p>
+          <a:p>
+            <a:r>
+              <a:rPr lang="en-US" dirty="0" smtClean="0"/>
+              <a:t>Theo </a:t>
+            </a:r>
+            <a:r>
+              <a:rPr lang="en-US" dirty="0" err="1" smtClean="0"/>
+              <a:t>Knijnenburg</a:t>
+            </a:r>
+            <a:endParaRPr lang="en-US" dirty="0" smtClean="0"/>
+          </a:p>
+          <a:p>
+            <a:r>
+              <a:rPr lang="en-US" dirty="0" smtClean="0"/>
+              <a:t>Michael Miller</a:t>
+            </a:r>
+            <a:endParaRPr lang="en-US" dirty="0" smtClean="0"/>
+          </a:p>
+          <a:p>
+            <a:r>
+              <a:rPr lang="en-US" dirty="0" smtClean="0"/>
+              <a:t>Jared Roach</a:t>
+            </a:r>
+          </a:p>
+          <a:p>
+            <a:r>
+              <a:rPr lang="en-US" dirty="0" smtClean="0"/>
+              <a:t>Roger </a:t>
+            </a:r>
+            <a:r>
+              <a:rPr lang="en-US" dirty="0" smtClean="0"/>
+              <a:t>Kramer</a:t>
+            </a:r>
+          </a:p>
+          <a:p>
+            <a:r>
+              <a:rPr lang="en-US" dirty="0" err="1" smtClean="0"/>
+              <a:t>Nyasha</a:t>
+            </a:r>
+            <a:r>
+              <a:rPr lang="en-US" dirty="0" smtClean="0"/>
+              <a:t> </a:t>
+            </a:r>
+            <a:r>
+              <a:rPr lang="en-US" dirty="0" err="1" smtClean="0"/>
+              <a:t>Chambwe</a:t>
+            </a:r>
+            <a:endParaRPr lang="en-US" dirty="0" smtClean="0"/>
+          </a:p>
+          <a:p>
+            <a:r>
+              <a:rPr lang="en-US" dirty="0" smtClean="0"/>
+              <a:t>David </a:t>
+            </a:r>
+            <a:r>
+              <a:rPr lang="en-US" dirty="0"/>
+              <a:t>Gibbs</a:t>
+            </a:r>
+          </a:p>
+          <a:p>
+            <a:r>
+              <a:rPr lang="en-US" dirty="0"/>
+              <a:t>Crystal Humphries</a:t>
+            </a:r>
+          </a:p>
+          <a:p>
+            <a:r>
+              <a:rPr lang="en-US" dirty="0" smtClean="0"/>
+              <a:t>Max Robinson</a:t>
+            </a:r>
+          </a:p>
+          <a:p>
+            <a:r>
+              <a:rPr lang="en-US" dirty="0" smtClean="0"/>
+              <a:t>Terry Farrah</a:t>
+            </a:r>
+            <a:endParaRPr lang="en-US" dirty="0" smtClean="0"/>
+          </a:p>
+          <a:p>
+            <a:endParaRPr lang="en-US" dirty="0"/>
+          </a:p>
+        </p:txBody>
+      </p:sp>
+      <p:pic>
+        <p:nvPicPr>
+          <p:cNvPr id="4" name="Picture 3" descr="Logo_Transparent.png"/>
+          <p:cNvPicPr>
+            <a:picLocks noChangeAspect="1"/>
+          </p:cNvPicPr>
+          <p:nvPr/>
+        </p:nvPicPr>
+        <p:blipFill>
+          <a:blip r:embed="rId3" cstate="print"/>
+          <a:stretch>
+            <a:fillRect/>
+          </a:stretch>
+        </p:blipFill>
+        <p:spPr>
+          <a:xfrm>
+            <a:off x="1142158" y="1166412"/>
+            <a:ext cx="2590880" cy="1006611"/>
+          </a:xfrm>
+          <a:prstGeom prst="rect">
+            <a:avLst/>
+          </a:prstGeom>
+        </p:spPr>
+      </p:pic>
+      <p:grpSp>
+        <p:nvGrpSpPr>
+          <p:cNvPr id="5" name="Group 4"/>
+          <p:cNvGrpSpPr/>
+          <p:nvPr/>
+        </p:nvGrpSpPr>
+        <p:grpSpPr>
+          <a:xfrm>
+            <a:off x="4780982" y="1219200"/>
+            <a:ext cx="2066056" cy="891911"/>
+            <a:chOff x="383602" y="5822620"/>
+            <a:chExt cx="2253889" cy="972998"/>
+          </a:xfrm>
+        </p:grpSpPr>
+        <p:pic>
+          <p:nvPicPr>
+            <p:cNvPr id="6" name="Picture 5" descr="ITMI.JPG"/>
+            <p:cNvPicPr>
+              <a:picLocks noChangeAspect="1"/>
+            </p:cNvPicPr>
+            <p:nvPr/>
+          </p:nvPicPr>
+          <p:blipFill rotWithShape="1">
+            <a:blip r:embed="rId4" cstate="print">
+              <a:extLst>
+                <a:ext uri="{28A0092B-C50C-407E-A947-70E740481C1C}">
+                  <a14:useLocalDpi xmlns:a14="http://schemas.microsoft.com/office/drawing/2010/main" val="0"/>
+                </a:ext>
+              </a:extLst>
+            </a:blip>
+            <a:srcRect r="48850" b="-72301"/>
+            <a:stretch/>
+          </p:blipFill>
+          <p:spPr>
+            <a:xfrm>
+              <a:off x="383602" y="6350321"/>
+              <a:ext cx="2253889" cy="312283"/>
+            </a:xfrm>
+            <a:prstGeom prst="rect">
+              <a:avLst/>
+            </a:prstGeom>
+          </p:spPr>
+        </p:pic>
+        <p:pic>
+          <p:nvPicPr>
+            <p:cNvPr id="7" name="Picture 6" descr="INOVA_FullColorRGB_Tag®.jpg"/>
+            <p:cNvPicPr>
+              <a:picLocks noChangeAspect="1"/>
+            </p:cNvPicPr>
+            <p:nvPr/>
+          </p:nvPicPr>
+          <p:blipFill>
+            <a:blip r:embed="rId5" cstate="print">
+              <a:extLst>
+                <a:ext uri="{28A0092B-C50C-407E-A947-70E740481C1C}">
+                  <a14:useLocalDpi xmlns:a14="http://schemas.microsoft.com/office/drawing/2010/main" val="0"/>
+                </a:ext>
+              </a:extLst>
+            </a:blip>
+            <a:stretch>
+              <a:fillRect/>
+            </a:stretch>
+          </p:blipFill>
+          <p:spPr>
+            <a:xfrm>
+              <a:off x="739614" y="5822620"/>
+              <a:ext cx="1422189" cy="447509"/>
+            </a:xfrm>
+            <a:prstGeom prst="rect">
+              <a:avLst/>
+            </a:prstGeom>
+          </p:spPr>
+        </p:pic>
+        <p:pic>
+          <p:nvPicPr>
+            <p:cNvPr id="8" name="Picture 7" descr="ITMI.JPG"/>
+            <p:cNvPicPr>
+              <a:picLocks noChangeAspect="1"/>
+            </p:cNvPicPr>
+            <p:nvPr/>
+          </p:nvPicPr>
+          <p:blipFill rotWithShape="1">
+            <a:blip r:embed="rId4" cstate="print">
+              <a:extLst>
+                <a:ext uri="{28A0092B-C50C-407E-A947-70E740481C1C}">
+                  <a14:useLocalDpi xmlns:a14="http://schemas.microsoft.com/office/drawing/2010/main" val="0"/>
+                </a:ext>
+              </a:extLst>
+            </a:blip>
+            <a:srcRect l="51808" t="-30181"/>
+            <a:stretch/>
+          </p:blipFill>
+          <p:spPr>
+            <a:xfrm>
+              <a:off x="404693" y="6559675"/>
+              <a:ext cx="2123541" cy="235943"/>
+            </a:xfrm>
+            <a:prstGeom prst="rect">
+              <a:avLst/>
+            </a:prstGeom>
+          </p:spPr>
+        </p:pic>
+      </p:grpSp>
+      <p:sp>
+        <p:nvSpPr>
+          <p:cNvPr id="9" name="Content Placeholder 2"/>
+          <p:cNvSpPr txBox="1">
+            <a:spLocks/>
+          </p:cNvSpPr>
           <p:nvPr/>
         </p:nvSpPr>
         <p:spPr>
           <a:xfrm>
-            <a:off x="838200" y="1371600"/>
-            <a:ext cx="2019303" cy="584776"/>
+            <a:off x="4648200" y="2334601"/>
+            <a:ext cx="2893101" cy="3821605"/>
           </a:xfrm>
           <a:prstGeom prst="rect">
             <a:avLst/>
           </a:prstGeom>
         </p:spPr>
         <p:txBody>
-          <a:bodyPr wrap="none">
-            <a:spAutoFit/>
+          <a:bodyPr vert="horz" lIns="91440" tIns="45720" rIns="91440" bIns="45720" rtlCol="0">
+            <a:normAutofit lnSpcReduction="10000"/>
           </a:bodyPr>
+          <a:lstStyle>
+            <a:lvl1pPr marL="342900" indent="-342900" algn="l" defTabSz="914400" rtl="0" eaLnBrk="1" latinLnBrk="0" hangingPunct="1">
+              <a:spcBef>
+                <a:spcPct val="20000"/>
+              </a:spcBef>
+              <a:buFont typeface="Arial" pitchFamily="34" charset="0"/>
+              <a:buChar char="•"/>
+              <a:defRPr sz="3200" kern="1200">
+                <a:solidFill>
+                  <a:srgbClr val="5E6A71"/>
+                </a:solidFill>
+                <a:latin typeface="Arial" pitchFamily="34" charset="0"/>
+                <a:ea typeface="+mn-ea"/>
+                <a:cs typeface="Arial" pitchFamily="34" charset="0"/>
+              </a:defRPr>
+            </a:lvl1pPr>
+            <a:lvl2pPr marL="742950" indent="-285750" algn="l" defTabSz="914400" rtl="0" eaLnBrk="1" latinLnBrk="0" hangingPunct="1">
+              <a:spcBef>
+                <a:spcPct val="20000"/>
+              </a:spcBef>
+              <a:buFont typeface="Arial" pitchFamily="34" charset="0"/>
+              <a:buChar char="–"/>
+              <a:defRPr sz="2800" kern="1200">
+                <a:solidFill>
+                  <a:srgbClr val="5E6A71"/>
+                </a:solidFill>
+                <a:latin typeface="Arial" pitchFamily="34" charset="0"/>
+                <a:ea typeface="+mn-ea"/>
+                <a:cs typeface="Arial" pitchFamily="34" charset="0"/>
+              </a:defRPr>
+            </a:lvl2pPr>
+            <a:lvl3pPr marL="1143000" indent="-228600" algn="l" defTabSz="914400" rtl="0" eaLnBrk="1" latinLnBrk="0" hangingPunct="1">
+              <a:spcBef>
+                <a:spcPct val="20000"/>
+              </a:spcBef>
+              <a:buFont typeface="Arial" pitchFamily="34" charset="0"/>
+              <a:buChar char="•"/>
+              <a:defRPr sz="2400" kern="1200">
+                <a:solidFill>
+                  <a:srgbClr val="5E6A71"/>
+                </a:solidFill>
+                <a:latin typeface="Arial" pitchFamily="34" charset="0"/>
+                <a:ea typeface="+mn-ea"/>
+                <a:cs typeface="Arial" pitchFamily="34" charset="0"/>
+              </a:defRPr>
+            </a:lvl3pPr>
+            <a:lvl4pPr marL="1600200" indent="-228600" algn="l" defTabSz="914400" rtl="0" eaLnBrk="1" latinLnBrk="0" hangingPunct="1">
+              <a:spcBef>
+                <a:spcPct val="20000"/>
+              </a:spcBef>
+              <a:buFont typeface="Arial" pitchFamily="34" charset="0"/>
+              <a:buChar char="–"/>
+              <a:defRPr sz="2000" kern="1200">
+                <a:solidFill>
+                  <a:srgbClr val="5E6A71"/>
+                </a:solidFill>
+                <a:latin typeface="Arial" pitchFamily="34" charset="0"/>
+                <a:ea typeface="+mn-ea"/>
+                <a:cs typeface="Arial" pitchFamily="34" charset="0"/>
+              </a:defRPr>
+            </a:lvl4pPr>
+            <a:lvl5pPr marL="2057400" indent="-228600" algn="l" defTabSz="914400" rtl="0" eaLnBrk="1" latinLnBrk="0" hangingPunct="1">
+              <a:spcBef>
+                <a:spcPct val="20000"/>
+              </a:spcBef>
+              <a:buFont typeface="Arial" pitchFamily="34" charset="0"/>
+              <a:buChar char="»"/>
+              <a:defRPr sz="2000" kern="1200">
+                <a:solidFill>
+                  <a:srgbClr val="5E6A71"/>
+                </a:solidFill>
+                <a:latin typeface="Arial" pitchFamily="34" charset="0"/>
+                <a:ea typeface="+mn-ea"/>
+                <a:cs typeface="Arial" pitchFamily="34" charset="0"/>
+              </a:defRPr>
+            </a:lvl5pPr>
+            <a:lvl6pPr marL="2514600" indent="-228600" algn="l" defTabSz="914400" rtl="0" eaLnBrk="1" latinLnBrk="0" hangingPunct="1">
+              <a:spcBef>
+                <a:spcPct val="20000"/>
+              </a:spcBef>
+              <a:buFont typeface="Arial" pitchFamily="34" charset="0"/>
+              <a:buChar char="•"/>
+              <a:defRPr sz="2000" kern="1200">
+                <a:solidFill>
+                  <a:schemeClr val="tx1"/>
+                </a:solidFill>
+                <a:latin typeface="+mn-lt"/>
+                <a:ea typeface="+mn-ea"/>
+                <a:cs typeface="+mn-cs"/>
+              </a:defRPr>
+            </a:lvl6pPr>
+            <a:lvl7pPr marL="2971800" indent="-228600" algn="l" defTabSz="914400" rtl="0" eaLnBrk="1" latinLnBrk="0" hangingPunct="1">
+              <a:spcBef>
+                <a:spcPct val="20000"/>
+              </a:spcBef>
+              <a:buFont typeface="Arial" pitchFamily="34" charset="0"/>
+              <a:buChar char="•"/>
+              <a:defRPr sz="2000" kern="1200">
+                <a:solidFill>
+                  <a:schemeClr val="tx1"/>
+                </a:solidFill>
+                <a:latin typeface="+mn-lt"/>
+                <a:ea typeface="+mn-ea"/>
+                <a:cs typeface="+mn-cs"/>
+              </a:defRPr>
+            </a:lvl7pPr>
+            <a:lvl8pPr marL="3429000" indent="-228600" algn="l" defTabSz="914400" rtl="0" eaLnBrk="1" latinLnBrk="0" hangingPunct="1">
+              <a:spcBef>
+                <a:spcPct val="20000"/>
+              </a:spcBef>
+              <a:buFont typeface="Arial" pitchFamily="34" charset="0"/>
+              <a:buChar char="•"/>
+              <a:defRPr sz="2000" kern="1200">
+                <a:solidFill>
+                  <a:schemeClr val="tx1"/>
+                </a:solidFill>
+                <a:latin typeface="+mn-lt"/>
+                <a:ea typeface="+mn-ea"/>
+                <a:cs typeface="+mn-cs"/>
+              </a:defRPr>
+            </a:lvl8pPr>
+            <a:lvl9pPr marL="3886200" indent="-228600" algn="l" defTabSz="914400" rtl="0" eaLnBrk="1" latinLnBrk="0" hangingPunct="1">
+              <a:spcBef>
+                <a:spcPct val="20000"/>
+              </a:spcBef>
+              <a:buFont typeface="Arial" pitchFamily="34" charset="0"/>
+              <a:buChar char="•"/>
+              <a:defRPr sz="2000" kern="1200">
+                <a:solidFill>
+                  <a:schemeClr val="tx1"/>
+                </a:solidFill>
+                <a:latin typeface="+mn-lt"/>
+                <a:ea typeface="+mn-ea"/>
+                <a:cs typeface="+mn-cs"/>
+              </a:defRPr>
+            </a:lvl9pPr>
+          </a:lstStyle>
+          <a:p>
+            <a:r>
+              <a:rPr lang="en-US" sz="1800" dirty="0" smtClean="0"/>
+              <a:t>Aaron Black</a:t>
+            </a:r>
+          </a:p>
+          <a:p>
+            <a:r>
+              <a:rPr lang="en-US" sz="1800" dirty="0" smtClean="0"/>
+              <a:t>Greg </a:t>
+            </a:r>
+            <a:r>
+              <a:rPr lang="en-US" sz="1800" dirty="0" err="1" smtClean="0"/>
+              <a:t>Eley</a:t>
+            </a:r>
+            <a:endParaRPr lang="en-US" sz="1800" dirty="0" smtClean="0"/>
+          </a:p>
+          <a:p>
+            <a:r>
+              <a:rPr lang="en-US" sz="1800" dirty="0" smtClean="0"/>
+              <a:t>Igor </a:t>
+            </a:r>
+            <a:r>
+              <a:rPr lang="en-US" sz="1800" dirty="0" err="1" smtClean="0"/>
+              <a:t>Karbovsky</a:t>
+            </a:r>
+            <a:endParaRPr lang="en-US" sz="1800" dirty="0" smtClean="0"/>
+          </a:p>
+          <a:p>
+            <a:r>
+              <a:rPr lang="en-US" sz="1800" dirty="0" err="1" smtClean="0"/>
+              <a:t>Prachi</a:t>
+            </a:r>
+            <a:r>
+              <a:rPr lang="en-US" sz="1800" dirty="0" smtClean="0"/>
+              <a:t> </a:t>
+            </a:r>
+            <a:r>
+              <a:rPr lang="en-US" sz="1800" dirty="0" err="1" smtClean="0"/>
+              <a:t>Kothiyal</a:t>
+            </a:r>
+            <a:endParaRPr lang="en-US" sz="1800" dirty="0" smtClean="0"/>
+          </a:p>
+          <a:p>
+            <a:r>
+              <a:rPr lang="en-US" sz="1800" dirty="0" err="1" smtClean="0"/>
+              <a:t>Mehul</a:t>
+            </a:r>
+            <a:r>
+              <a:rPr lang="en-US" sz="1800" dirty="0" smtClean="0"/>
+              <a:t> Shah</a:t>
+            </a:r>
+            <a:endParaRPr lang="en-US" sz="1800" dirty="0" smtClean="0"/>
+          </a:p>
+          <a:p>
+            <a:r>
+              <a:rPr lang="en-US" sz="1800" dirty="0" smtClean="0"/>
+              <a:t>Ben Solomon</a:t>
+            </a:r>
+          </a:p>
+          <a:p>
+            <a:r>
+              <a:rPr lang="en-US" sz="1800" dirty="0" smtClean="0"/>
+              <a:t>Daniel Stauffer</a:t>
+            </a:r>
+            <a:endParaRPr lang="en-US" sz="1800" dirty="0" smtClean="0"/>
+          </a:p>
+          <a:p>
+            <a:r>
+              <a:rPr lang="en-US" sz="1800" dirty="0" err="1"/>
+              <a:t>Quang</a:t>
+            </a:r>
+            <a:r>
+              <a:rPr lang="en-US" sz="1800" dirty="0"/>
+              <a:t> Tran</a:t>
+            </a:r>
+          </a:p>
+          <a:p>
+            <a:r>
+              <a:rPr lang="en-US" sz="1800" dirty="0" smtClean="0"/>
+              <a:t>Joe </a:t>
+            </a:r>
+            <a:r>
+              <a:rPr lang="en-US" sz="1800" dirty="0" err="1" smtClean="0"/>
+              <a:t>Vockley</a:t>
+            </a:r>
+            <a:endParaRPr lang="en-US" sz="1800" dirty="0" smtClean="0"/>
+          </a:p>
+          <a:p>
+            <a:r>
+              <a:rPr lang="en-US" sz="1800" dirty="0" smtClean="0"/>
+              <a:t>John </a:t>
+            </a:r>
+            <a:r>
+              <a:rPr lang="en-US" sz="1800" dirty="0" err="1" smtClean="0"/>
+              <a:t>Niederhuber</a:t>
+            </a:r>
+            <a:endParaRPr lang="en-US" sz="1800" dirty="0" smtClean="0"/>
+          </a:p>
+          <a:p>
+            <a:r>
+              <a:rPr lang="en-US" sz="1800" dirty="0" smtClean="0"/>
+              <a:t>Stuart Young</a:t>
+            </a:r>
+            <a:endParaRPr lang="en-US" sz="1800" dirty="0" smtClean="0"/>
+          </a:p>
+          <a:p>
+            <a:r>
+              <a:rPr lang="en-US" sz="1800" dirty="0" smtClean="0"/>
+              <a:t>… And Team</a:t>
+            </a:r>
+          </a:p>
+          <a:p>
+            <a:endParaRPr lang="en-US" dirty="0" smtClean="0"/>
+          </a:p>
+          <a:p>
+            <a:endParaRPr lang="en-US" dirty="0" smtClean="0"/>
+          </a:p>
+          <a:p>
+            <a:endParaRPr lang="en-US" dirty="0"/>
+          </a:p>
+        </p:txBody>
+      </p:sp>
+      <p:sp>
+        <p:nvSpPr>
+          <p:cNvPr id="10" name="Rectangle 9"/>
+          <p:cNvSpPr/>
+          <p:nvPr/>
+        </p:nvSpPr>
+        <p:spPr>
+          <a:xfrm>
+            <a:off x="6883293" y="6113058"/>
+            <a:ext cx="2260707" cy="744942"/>
+          </a:xfrm>
+          <a:prstGeom prst="rect">
+            <a:avLst/>
+          </a:prstGeom>
+          <a:solidFill>
+            <a:schemeClr val="bg1"/>
+          </a:solidFill>
+          <a:ln>
+            <a:noFill/>
+          </a:ln>
+          <a:effectLst/>
+        </p:spPr>
+        <p:style>
+          <a:lnRef idx="1">
+            <a:schemeClr val="accent1"/>
+          </a:lnRef>
+          <a:fillRef idx="3">
+            <a:schemeClr val="accent1"/>
+          </a:fillRef>
+          <a:effectRef idx="2">
+            <a:schemeClr val="accent1"/>
+          </a:effectRef>
+          <a:fontRef idx="minor">
+            <a:schemeClr val="lt1"/>
+          </a:fontRef>
+        </p:style>
+        <p:txBody>
+          <a:bodyPr rtlCol="0" anchor="ctr"/>
           <a:lstStyle/>
           <a:p>
-            <a:r>
-              <a:rPr lang="en-US" sz="3200" dirty="0" smtClean="0"/>
-              <a:t>Thank you: </a:t>
-            </a:r>
-            <a:endParaRPr lang="en-US" sz="3200" dirty="0"/>
+            <a:pPr algn="ctr"/>
+            <a:endParaRPr lang="en-US"/>
           </a:p>
         </p:txBody>
       </p:sp>
     </p:spTree>
     <p:extLst>
       <p:ext uri="{BB962C8B-B14F-4D97-AF65-F5344CB8AC3E}">
-        <p14:creationId xmlns:p14="http://schemas.microsoft.com/office/powerpoint/2010/main" val="222503944"/>
+        <p14:creationId xmlns:p14="http://schemas.microsoft.com/office/powerpoint/2010/main" val="219951892"/>
       </p:ext>
     </p:extLst>
   </p:cSld>
@@ -39300,6 +42217,426 @@
 </file>
 
 <file path=ppt/slides/slide6.xml><?xml version="1.0" encoding="utf-8"?>
+<p:sld xmlns:a="http://schemas.openxmlformats.org/drawingml/2006/main" xmlns:r="http://schemas.openxmlformats.org/officeDocument/2006/relationships" xmlns:p="http://schemas.openxmlformats.org/presentationml/2006/main">
+  <p:cSld>
+    <p:spTree>
+      <p:nvGrpSpPr>
+        <p:cNvPr id="1" name=""/>
+        <p:cNvGrpSpPr/>
+        <p:nvPr/>
+      </p:nvGrpSpPr>
+      <p:grpSpPr>
+        <a:xfrm>
+          <a:off x="0" y="0"/>
+          <a:ext cx="0" cy="0"/>
+          <a:chOff x="0" y="0"/>
+          <a:chExt cx="0" cy="0"/>
+        </a:xfrm>
+      </p:grpSpPr>
+      <p:sp>
+        <p:nvSpPr>
+          <p:cNvPr id="2" name="Title 1"/>
+          <p:cNvSpPr>
+            <a:spLocks noGrp="1"/>
+          </p:cNvSpPr>
+          <p:nvPr>
+            <p:ph type="title"/>
+          </p:nvPr>
+        </p:nvSpPr>
+        <p:spPr/>
+        <p:txBody>
+          <a:bodyPr/>
+          <a:lstStyle/>
+          <a:p>
+            <a:r>
+              <a:rPr lang="en-US" dirty="0" smtClean="0"/>
+              <a:t>The reality</a:t>
+            </a:r>
+            <a:endParaRPr lang="en-US" dirty="0"/>
+          </a:p>
+        </p:txBody>
+      </p:sp>
+      <p:sp>
+        <p:nvSpPr>
+          <p:cNvPr id="3" name="Content Placeholder 2"/>
+          <p:cNvSpPr>
+            <a:spLocks noGrp="1"/>
+          </p:cNvSpPr>
+          <p:nvPr>
+            <p:ph idx="1"/>
+          </p:nvPr>
+        </p:nvSpPr>
+        <p:spPr/>
+        <p:txBody>
+          <a:bodyPr>
+            <a:normAutofit fontScale="77500" lnSpcReduction="20000"/>
+          </a:bodyPr>
+          <a:lstStyle/>
+          <a:p>
+            <a:r>
+              <a:rPr lang="en-US" dirty="0" smtClean="0"/>
+              <a:t>Tens of thousands of genomes, billions of variants, petabytes of data</a:t>
+            </a:r>
+          </a:p>
+          <a:p>
+            <a:endParaRPr lang="en-US" dirty="0"/>
+          </a:p>
+          <a:p>
+            <a:r>
+              <a:rPr lang="en-US" dirty="0"/>
+              <a:t>I</a:t>
+            </a:r>
+            <a:r>
+              <a:rPr lang="en-US" dirty="0" smtClean="0"/>
+              <a:t>ncremental updates necessary for ongoing analyses by multiple researchers and groups</a:t>
+            </a:r>
+          </a:p>
+          <a:p>
+            <a:pPr marL="0" indent="0">
+              <a:buNone/>
+            </a:pPr>
+            <a:endParaRPr lang="en-US" dirty="0"/>
+          </a:p>
+          <a:p>
+            <a:r>
+              <a:rPr lang="en-US" dirty="0" smtClean="0"/>
+              <a:t>Tab delimited files of multi-sample genomic data representations are not scalable</a:t>
+            </a:r>
+          </a:p>
+          <a:p>
+            <a:endParaRPr lang="en-US" dirty="0"/>
+          </a:p>
+          <a:p>
+            <a:r>
+              <a:rPr lang="en-US" sz="2800" dirty="0"/>
+              <a:t>Example </a:t>
+            </a:r>
+            <a:r>
+              <a:rPr lang="en-US" sz="2800" dirty="0" smtClean="0"/>
+              <a:t>ITMI projects</a:t>
+            </a:r>
+            <a:r>
+              <a:rPr lang="en-US" sz="2800" dirty="0"/>
+              <a:t>:</a:t>
+            </a:r>
+          </a:p>
+          <a:p>
+            <a:pPr lvl="1"/>
+            <a:r>
+              <a:rPr lang="en-US" sz="2400" dirty="0" smtClean="0"/>
+              <a:t>Families </a:t>
+            </a:r>
+            <a:r>
+              <a:rPr lang="en-US" sz="2400" dirty="0"/>
+              <a:t>with full and preterm births</a:t>
+            </a:r>
+          </a:p>
+          <a:p>
+            <a:pPr lvl="1"/>
+            <a:r>
+              <a:rPr lang="en-US" sz="2400" dirty="0"/>
+              <a:t>Longitudinal study – first 1000 days of life</a:t>
+            </a:r>
+          </a:p>
+          <a:p>
+            <a:pPr lvl="1"/>
+            <a:r>
+              <a:rPr lang="en-US" sz="2400" dirty="0"/>
+              <a:t>Congenital anomalies</a:t>
+            </a:r>
+          </a:p>
+          <a:p>
+            <a:endParaRPr lang="en-US" dirty="0"/>
+          </a:p>
+        </p:txBody>
+      </p:sp>
+    </p:spTree>
+    <p:extLst>
+      <p:ext uri="{BB962C8B-B14F-4D97-AF65-F5344CB8AC3E}">
+        <p14:creationId xmlns:p14="http://schemas.microsoft.com/office/powerpoint/2010/main" val="3461995028"/>
+      </p:ext>
+    </p:extLst>
+  </p:cSld>
+  <p:clrMapOvr>
+    <a:masterClrMapping/>
+  </p:clrMapOvr>
+  <p:timing>
+    <p:tnLst>
+      <p:par>
+        <p:cTn id="1" dur="indefinite" restart="never" nodeType="tmRoot">
+          <p:childTnLst>
+            <p:seq concurrent="1" nextAc="seek">
+              <p:cTn id="2" dur="indefinite" nodeType="mainSeq">
+                <p:childTnLst>
+                  <p:par>
+                    <p:cTn id="3" fill="hold">
+                      <p:stCondLst>
+                        <p:cond delay="indefinite"/>
+                      </p:stCondLst>
+                      <p:childTnLst>
+                        <p:par>
+                          <p:cTn id="4" fill="hold">
+                            <p:stCondLst>
+                              <p:cond delay="0"/>
+                            </p:stCondLst>
+                            <p:childTnLst>
+                              <p:par>
+                                <p:cTn id="5" presetID="1" presetClass="entr" presetSubtype="0" fill="hold" grpId="0" nodeType="clickEffect">
+                                  <p:stCondLst>
+                                    <p:cond delay="0"/>
+                                  </p:stCondLst>
+                                  <p:childTnLst>
+                                    <p:set>
+                                      <p:cBhvr>
+                                        <p:cTn id="6" dur="1" fill="hold">
+                                          <p:stCondLst>
+                                            <p:cond delay="0"/>
+                                          </p:stCondLst>
+                                        </p:cTn>
+                                        <p:tgtEl>
+                                          <p:spTgt spid="3">
+                                            <p:txEl>
+                                              <p:pRg st="2" end="2"/>
+                                            </p:txEl>
+                                          </p:spTgt>
+                                        </p:tgtEl>
+                                        <p:attrNameLst>
+                                          <p:attrName>style.visibility</p:attrName>
+                                        </p:attrNameLst>
+                                      </p:cBhvr>
+                                      <p:to>
+                                        <p:strVal val="visible"/>
+                                      </p:to>
+                                    </p:set>
+                                  </p:childTnLst>
+                                </p:cTn>
+                              </p:par>
+                            </p:childTnLst>
+                          </p:cTn>
+                        </p:par>
+                      </p:childTnLst>
+                    </p:cTn>
+                  </p:par>
+                  <p:par>
+                    <p:cTn id="7" fill="hold">
+                      <p:stCondLst>
+                        <p:cond delay="indefinite"/>
+                      </p:stCondLst>
+                      <p:childTnLst>
+                        <p:par>
+                          <p:cTn id="8" fill="hold">
+                            <p:stCondLst>
+                              <p:cond delay="0"/>
+                            </p:stCondLst>
+                            <p:childTnLst>
+                              <p:par>
+                                <p:cTn id="9" presetID="1" presetClass="entr" presetSubtype="0" fill="hold" grpId="0" nodeType="clickEffect">
+                                  <p:stCondLst>
+                                    <p:cond delay="0"/>
+                                  </p:stCondLst>
+                                  <p:childTnLst>
+                                    <p:set>
+                                      <p:cBhvr>
+                                        <p:cTn id="10" dur="1" fill="hold">
+                                          <p:stCondLst>
+                                            <p:cond delay="0"/>
+                                          </p:stCondLst>
+                                        </p:cTn>
+                                        <p:tgtEl>
+                                          <p:spTgt spid="3">
+                                            <p:txEl>
+                                              <p:pRg st="4" end="4"/>
+                                            </p:txEl>
+                                          </p:spTgt>
+                                        </p:tgtEl>
+                                        <p:attrNameLst>
+                                          <p:attrName>style.visibility</p:attrName>
+                                        </p:attrNameLst>
+                                      </p:cBhvr>
+                                      <p:to>
+                                        <p:strVal val="visible"/>
+                                      </p:to>
+                                    </p:set>
+                                  </p:childTnLst>
+                                </p:cTn>
+                              </p:par>
+                            </p:childTnLst>
+                          </p:cTn>
+                        </p:par>
+                      </p:childTnLst>
+                    </p:cTn>
+                  </p:par>
+                  <p:par>
+                    <p:cTn id="11" fill="hold">
+                      <p:stCondLst>
+                        <p:cond delay="indefinite"/>
+                      </p:stCondLst>
+                      <p:childTnLst>
+                        <p:par>
+                          <p:cTn id="12" fill="hold">
+                            <p:stCondLst>
+                              <p:cond delay="0"/>
+                            </p:stCondLst>
+                            <p:childTnLst>
+                              <p:par>
+                                <p:cTn id="13" presetID="1" presetClass="entr" presetSubtype="0" fill="hold" grpId="0" nodeType="clickEffect">
+                                  <p:stCondLst>
+                                    <p:cond delay="0"/>
+                                  </p:stCondLst>
+                                  <p:childTnLst>
+                                    <p:set>
+                                      <p:cBhvr>
+                                        <p:cTn id="14" dur="1" fill="hold">
+                                          <p:stCondLst>
+                                            <p:cond delay="0"/>
+                                          </p:stCondLst>
+                                        </p:cTn>
+                                        <p:tgtEl>
+                                          <p:spTgt spid="3">
+                                            <p:txEl>
+                                              <p:pRg st="6" end="6"/>
+                                            </p:txEl>
+                                          </p:spTgt>
+                                        </p:tgtEl>
+                                        <p:attrNameLst>
+                                          <p:attrName>style.visibility</p:attrName>
+                                        </p:attrNameLst>
+                                      </p:cBhvr>
+                                      <p:to>
+                                        <p:strVal val="visible"/>
+                                      </p:to>
+                                    </p:set>
+                                  </p:childTnLst>
+                                </p:cTn>
+                              </p:par>
+                              <p:par>
+                                <p:cTn id="15" presetID="1" presetClass="entr" presetSubtype="0" fill="hold" grpId="0" nodeType="withEffect">
+                                  <p:stCondLst>
+                                    <p:cond delay="0"/>
+                                  </p:stCondLst>
+                                  <p:childTnLst>
+                                    <p:set>
+                                      <p:cBhvr>
+                                        <p:cTn id="16" dur="1" fill="hold">
+                                          <p:stCondLst>
+                                            <p:cond delay="0"/>
+                                          </p:stCondLst>
+                                        </p:cTn>
+                                        <p:tgtEl>
+                                          <p:spTgt spid="3">
+                                            <p:txEl>
+                                              <p:pRg st="7" end="7"/>
+                                            </p:txEl>
+                                          </p:spTgt>
+                                        </p:tgtEl>
+                                        <p:attrNameLst>
+                                          <p:attrName>style.visibility</p:attrName>
+                                        </p:attrNameLst>
+                                      </p:cBhvr>
+                                      <p:to>
+                                        <p:strVal val="visible"/>
+                                      </p:to>
+                                    </p:set>
+                                  </p:childTnLst>
+                                </p:cTn>
+                              </p:par>
+                              <p:par>
+                                <p:cTn id="17" presetID="1" presetClass="entr" presetSubtype="0" fill="hold" grpId="0" nodeType="withEffect">
+                                  <p:stCondLst>
+                                    <p:cond delay="0"/>
+                                  </p:stCondLst>
+                                  <p:childTnLst>
+                                    <p:set>
+                                      <p:cBhvr>
+                                        <p:cTn id="18" dur="1" fill="hold">
+                                          <p:stCondLst>
+                                            <p:cond delay="0"/>
+                                          </p:stCondLst>
+                                        </p:cTn>
+                                        <p:tgtEl>
+                                          <p:spTgt spid="3">
+                                            <p:txEl>
+                                              <p:pRg st="8" end="8"/>
+                                            </p:txEl>
+                                          </p:spTgt>
+                                        </p:tgtEl>
+                                        <p:attrNameLst>
+                                          <p:attrName>style.visibility</p:attrName>
+                                        </p:attrNameLst>
+                                      </p:cBhvr>
+                                      <p:to>
+                                        <p:strVal val="visible"/>
+                                      </p:to>
+                                    </p:set>
+                                  </p:childTnLst>
+                                </p:cTn>
+                              </p:par>
+                              <p:par>
+                                <p:cTn id="19" presetID="1" presetClass="entr" presetSubtype="0" fill="hold" grpId="0" nodeType="withEffect">
+                                  <p:stCondLst>
+                                    <p:cond delay="0"/>
+                                  </p:stCondLst>
+                                  <p:childTnLst>
+                                    <p:set>
+                                      <p:cBhvr>
+                                        <p:cTn id="20" dur="1" fill="hold">
+                                          <p:stCondLst>
+                                            <p:cond delay="0"/>
+                                          </p:stCondLst>
+                                        </p:cTn>
+                                        <p:tgtEl>
+                                          <p:spTgt spid="3">
+                                            <p:txEl>
+                                              <p:pRg st="9" end="9"/>
+                                            </p:txEl>
+                                          </p:spTgt>
+                                        </p:tgtEl>
+                                        <p:attrNameLst>
+                                          <p:attrName>style.visibility</p:attrName>
+                                        </p:attrNameLst>
+                                      </p:cBhvr>
+                                      <p:to>
+                                        <p:strVal val="visible"/>
+                                      </p:to>
+                                    </p:set>
+                                  </p:childTnLst>
+                                </p:cTn>
+                              </p:par>
+                            </p:childTnLst>
+                          </p:cTn>
+                        </p:par>
+                      </p:childTnLst>
+                    </p:cTn>
+                  </p:par>
+                </p:childTnLst>
+              </p:cTn>
+              <p:prevCondLst>
+                <p:cond evt="onPrev" delay="0">
+                  <p:tgtEl>
+                    <p:sldTgt/>
+                  </p:tgtEl>
+                </p:cond>
+              </p:prevCondLst>
+              <p:nextCondLst>
+                <p:cond evt="onNext" delay="0">
+                  <p:tgtEl>
+                    <p:sldTgt/>
+                  </p:tgtEl>
+                </p:cond>
+              </p:nextCondLst>
+            </p:seq>
+          </p:childTnLst>
+        </p:cTn>
+      </p:par>
+    </p:tnLst>
+    <p:bldLst>
+      <p:bldP spid="3" grpId="0" build="p"/>
+    </p:bldLst>
+  </p:timing>
+</p:sld>
+</file>
+
+<file path=ppt/slides/slide7.xml><?xml version="1.0" encoding="utf-8"?>
 <p:sld xmlns:a="http://schemas.openxmlformats.org/drawingml/2006/main" xmlns:r="http://schemas.openxmlformats.org/officeDocument/2006/relationships" xmlns:p="http://schemas.openxmlformats.org/presentationml/2006/main">
   <p:cSld>
     <p:spTree>
@@ -39467,7 +42804,7 @@
 </p:sld>
 </file>
 
-<file path=ppt/slides/slide7.xml><?xml version="1.0" encoding="utf-8"?>
+<file path=ppt/slides/slide8.xml><?xml version="1.0" encoding="utf-8"?>
 <p:sld xmlns:a="http://schemas.openxmlformats.org/drawingml/2006/main" xmlns:r="http://schemas.openxmlformats.org/officeDocument/2006/relationships" xmlns:p="http://schemas.openxmlformats.org/presentationml/2006/main">
   <p:cSld>
     <p:spTree>
@@ -39552,7 +42889,7 @@
 </p:sld>
 </file>
 
-<file path=ppt/slides/slide8.xml><?xml version="1.0" encoding="utf-8"?>
+<file path=ppt/slides/slide9.xml><?xml version="1.0" encoding="utf-8"?>
 <p:sld xmlns:a="http://schemas.openxmlformats.org/drawingml/2006/main" xmlns:r="http://schemas.openxmlformats.org/officeDocument/2006/relationships" xmlns:p="http://schemas.openxmlformats.org/presentationml/2006/main">
   <p:cSld>
     <p:spTree>
@@ -39621,125 +42958,6 @@
     <p:extLst>
       <p:ext uri="{BB962C8B-B14F-4D97-AF65-F5344CB8AC3E}">
         <p14:creationId xmlns:p14="http://schemas.microsoft.com/office/powerpoint/2010/main" val="3888009662"/>
-      </p:ext>
-    </p:extLst>
-  </p:cSld>
-  <p:clrMapOvr>
-    <a:masterClrMapping/>
-  </p:clrMapOvr>
-  <p:timing>
-    <p:tnLst>
-      <p:par>
-        <p:cTn id="1" dur="indefinite" restart="never" nodeType="tmRoot"/>
-      </p:par>
-    </p:tnLst>
-  </p:timing>
-</p:sld>
-</file>
-
-<file path=ppt/slides/slide9.xml><?xml version="1.0" encoding="utf-8"?>
-<p:sld xmlns:a="http://schemas.openxmlformats.org/drawingml/2006/main" xmlns:r="http://schemas.openxmlformats.org/officeDocument/2006/relationships" xmlns:p="http://schemas.openxmlformats.org/presentationml/2006/main">
-  <p:cSld>
-    <p:spTree>
-      <p:nvGrpSpPr>
-        <p:cNvPr id="1" name=""/>
-        <p:cNvGrpSpPr/>
-        <p:nvPr/>
-      </p:nvGrpSpPr>
-      <p:grpSpPr>
-        <a:xfrm>
-          <a:off x="0" y="0"/>
-          <a:ext cx="0" cy="0"/>
-          <a:chOff x="0" y="0"/>
-          <a:chExt cx="0" cy="0"/>
-        </a:xfrm>
-      </p:grpSpPr>
-      <p:sp>
-        <p:nvSpPr>
-          <p:cNvPr id="2" name="Title 1"/>
-          <p:cNvSpPr>
-            <a:spLocks noGrp="1"/>
-          </p:cNvSpPr>
-          <p:nvPr>
-            <p:ph type="title"/>
-          </p:nvPr>
-        </p:nvSpPr>
-        <p:spPr/>
-        <p:txBody>
-          <a:bodyPr/>
-          <a:lstStyle/>
-          <a:p>
-            <a:r>
-              <a:rPr lang="en-US" dirty="0" smtClean="0"/>
-              <a:t>ACMG Actionable Genes</a:t>
-            </a:r>
-            <a:endParaRPr lang="en-US" dirty="0"/>
-          </a:p>
-        </p:txBody>
-      </p:sp>
-      <p:pic>
-        <p:nvPicPr>
-          <p:cNvPr id="5" name="Picture 4"/>
-          <p:cNvPicPr>
-            <a:picLocks noChangeAspect="1"/>
-          </p:cNvPicPr>
-          <p:nvPr/>
-        </p:nvPicPr>
-        <p:blipFill rotWithShape="1">
-          <a:blip r:embed="rId2"/>
-          <a:srcRect t="1717" r="44570"/>
-          <a:stretch/>
-        </p:blipFill>
-        <p:spPr>
-          <a:xfrm>
-            <a:off x="2590800" y="4860284"/>
-            <a:ext cx="3436948" cy="1235716"/>
-          </a:xfrm>
-          <a:prstGeom prst="rect">
-            <a:avLst/>
-          </a:prstGeom>
-        </p:spPr>
-      </p:pic>
-      <p:pic>
-        <p:nvPicPr>
-          <p:cNvPr id="8" name="Picture 7"/>
-          <p:cNvPicPr>
-            <a:picLocks noChangeAspect="1"/>
-          </p:cNvPicPr>
-          <p:nvPr/>
-        </p:nvPicPr>
-        <p:blipFill>
-          <a:blip r:embed="rId3">
-            <a:extLst>
-              <a:ext uri="{BEBA8EAE-BF5A-486C-A8C5-ECC9F3942E4B}">
-                <a14:imgProps xmlns:a14="http://schemas.microsoft.com/office/drawing/2010/main">
-                  <a14:imgLayer r:embed="rId4">
-                    <a14:imgEffect>
-                      <a14:sharpenSoften amount="25000"/>
-                    </a14:imgEffect>
-                  </a14:imgLayer>
-                </a14:imgProps>
-              </a:ext>
-            </a:extLst>
-          </a:blip>
-          <a:stretch>
-            <a:fillRect/>
-          </a:stretch>
-        </p:blipFill>
-        <p:spPr>
-          <a:xfrm>
-            <a:off x="457200" y="1371600"/>
-            <a:ext cx="8343900" cy="3200400"/>
-          </a:xfrm>
-          <a:prstGeom prst="rect">
-            <a:avLst/>
-          </a:prstGeom>
-        </p:spPr>
-      </p:pic>
-    </p:spTree>
-    <p:extLst>
-      <p:ext uri="{BB962C8B-B14F-4D97-AF65-F5344CB8AC3E}">
-        <p14:creationId xmlns:p14="http://schemas.microsoft.com/office/powerpoint/2010/main" val="1241351818"/>
       </p:ext>
     </p:extLst>
   </p:cSld>
